--- a/0 발표용 파워포인트/project06 - 파워포인트 종합 - 민기.pptx
+++ b/0 발표용 파워포인트/project06 - 파워포인트 종합 - 민기.pptx
@@ -4,24 +4,31 @@
   <p:sldMasterIdLst>
     <p:sldMasterId id="2147483648" r:id="rId1"/>
     <p:sldMasterId id="2147483666" r:id="rId2"/>
+    <p:sldMasterId id="2147483673" r:id="rId3"/>
   </p:sldMasterIdLst>
   <p:notesMasterIdLst>
-    <p:notesMasterId r:id="rId16"/>
+    <p:notesMasterId r:id="rId23"/>
   </p:notesMasterIdLst>
   <p:sldIdLst>
-    <p:sldId id="256" r:id="rId3"/>
-    <p:sldId id="271" r:id="rId4"/>
-    <p:sldId id="272" r:id="rId5"/>
-    <p:sldId id="273" r:id="rId6"/>
-    <p:sldId id="274" r:id="rId7"/>
-    <p:sldId id="275" r:id="rId8"/>
-    <p:sldId id="276" r:id="rId9"/>
-    <p:sldId id="270" r:id="rId10"/>
-    <p:sldId id="277" r:id="rId11"/>
-    <p:sldId id="278" r:id="rId12"/>
-    <p:sldId id="279" r:id="rId13"/>
-    <p:sldId id="280" r:id="rId14"/>
-    <p:sldId id="281" r:id="rId15"/>
+    <p:sldId id="256" r:id="rId4"/>
+    <p:sldId id="271" r:id="rId5"/>
+    <p:sldId id="272" r:id="rId6"/>
+    <p:sldId id="273" r:id="rId7"/>
+    <p:sldId id="274" r:id="rId8"/>
+    <p:sldId id="275" r:id="rId9"/>
+    <p:sldId id="276" r:id="rId10"/>
+    <p:sldId id="270" r:id="rId11"/>
+    <p:sldId id="277" r:id="rId12"/>
+    <p:sldId id="278" r:id="rId13"/>
+    <p:sldId id="279" r:id="rId14"/>
+    <p:sldId id="280" r:id="rId15"/>
+    <p:sldId id="281" r:id="rId16"/>
+    <p:sldId id="288" r:id="rId17"/>
+    <p:sldId id="289" r:id="rId18"/>
+    <p:sldId id="286" r:id="rId19"/>
+    <p:sldId id="287" r:id="rId20"/>
+    <p:sldId id="284" r:id="rId21"/>
+    <p:sldId id="291" r:id="rId22"/>
   </p:sldIdLst>
   <p:sldSz cx="12192000" cy="6858000"/>
   <p:notesSz cx="6858000" cy="9144000"/>
@@ -222,7 +229,7 @@
             <a:fld id="{EFE7F2A0-C7D9-4DBD-AE3B-C1A712DCE501}" type="datetimeFigureOut">
               <a:rPr lang="ko-KR" altLang="en-US" smtClean="0"/>
               <a:pPr/>
-              <a:t>2020-05-08</a:t>
+              <a:t>2020-05-14</a:t>
             </a:fld>
             <a:endParaRPr lang="ko-KR" altLang="en-US"/>
           </a:p>
@@ -623,7 +630,7 @@
             <a:fld id="{272C3D53-FEDF-49EC-8F65-FFFC138B637E}" type="datetimeFigureOut">
               <a:rPr lang="ko-KR" altLang="en-US" smtClean="0"/>
               <a:pPr/>
-              <a:t>2020-05-08</a:t>
+              <a:t>2020-05-14</a:t>
             </a:fld>
             <a:endParaRPr lang="ko-KR" altLang="en-US"/>
           </a:p>
@@ -795,7 +802,7 @@
             <a:fld id="{272C3D53-FEDF-49EC-8F65-FFFC138B637E}" type="datetimeFigureOut">
               <a:rPr lang="ko-KR" altLang="en-US" smtClean="0"/>
               <a:pPr/>
-              <a:t>2020-05-08</a:t>
+              <a:t>2020-05-14</a:t>
             </a:fld>
             <a:endParaRPr lang="ko-KR" altLang="en-US"/>
           </a:p>
@@ -977,7 +984,7 @@
             <a:fld id="{272C3D53-FEDF-49EC-8F65-FFFC138B637E}" type="datetimeFigureOut">
               <a:rPr lang="ko-KR" altLang="en-US" smtClean="0"/>
               <a:pPr/>
-              <a:t>2020-05-08</a:t>
+              <a:t>2020-05-14</a:t>
             </a:fld>
             <a:endParaRPr lang="ko-KR" altLang="en-US"/>
           </a:p>
@@ -1176,7 +1183,7 @@
                 <a:buFont typeface="Arial"/>
                 <a:buNone/>
               </a:pPr>
-              <a:t>2020-05-08</a:t>
+              <a:t>2020-05-14</a:t>
             </a:fld>
             <a:endParaRPr lang="ko-KR" altLang="en-US" sz="1867" kern="0">
               <a:solidFill>
@@ -1265,6 +1272,1304 @@
 </p:sldLayout>
 </file>
 
+<file path=ppt/slideLayouts/slideLayout13.xml><?xml version="1.0" encoding="utf-8"?>
+<p:sldLayout xmlns:a="http://schemas.openxmlformats.org/drawingml/2006/main" xmlns:r="http://schemas.openxmlformats.org/officeDocument/2006/relationships" xmlns:p="http://schemas.openxmlformats.org/presentationml/2006/main" matchingName="Subtitle">
+  <p:cSld name="Subtitle">
+    <p:bg>
+      <p:bgPr>
+        <a:solidFill>
+          <a:srgbClr val="FF9E00"/>
+        </a:solidFill>
+        <a:effectLst/>
+      </p:bgPr>
+    </p:bg>
+    <p:spTree>
+      <p:nvGrpSpPr>
+        <p:cNvPr id="1" name="Shape 12"/>
+        <p:cNvGrpSpPr/>
+        <p:nvPr/>
+      </p:nvGrpSpPr>
+      <p:grpSpPr>
+        <a:xfrm>
+          <a:off x="0" y="0"/>
+          <a:ext cx="0" cy="0"/>
+          <a:chOff x="0" y="0"/>
+          <a:chExt cx="0" cy="0"/>
+        </a:xfrm>
+      </p:grpSpPr>
+      <p:sp>
+        <p:nvSpPr>
+          <p:cNvPr id="13" name="Google Shape;13;p3"/>
+          <p:cNvSpPr/>
+          <p:nvPr/>
+        </p:nvSpPr>
+        <p:spPr>
+          <a:xfrm>
+            <a:off x="1090751" y="1074200"/>
+            <a:ext cx="10010500" cy="4709600"/>
+          </a:xfrm>
+          <a:custGeom>
+            <a:avLst/>
+            <a:gdLst/>
+            <a:ahLst/>
+            <a:cxnLst/>
+            <a:rect l="l" t="t" r="r" b="b"/>
+            <a:pathLst>
+              <a:path w="300315" h="141288" extrusionOk="0">
+                <a:moveTo>
+                  <a:pt x="121105" y="0"/>
+                </a:moveTo>
+                <a:lnTo>
+                  <a:pt x="0" y="0"/>
+                </a:lnTo>
+                <a:lnTo>
+                  <a:pt x="0" y="141288"/>
+                </a:lnTo>
+                <a:lnTo>
+                  <a:pt x="300315" y="141288"/>
+                </a:lnTo>
+                <a:lnTo>
+                  <a:pt x="300315" y="305"/>
+                </a:lnTo>
+                <a:lnTo>
+                  <a:pt x="179211" y="305"/>
+                </a:lnTo>
+              </a:path>
+            </a:pathLst>
+          </a:custGeom>
+          <a:noFill/>
+          <a:ln w="76200" cap="flat" cmpd="sng">
+            <a:solidFill>
+              <a:srgbClr val="FFFFFF"/>
+            </a:solidFill>
+            <a:prstDash val="solid"/>
+            <a:miter lim="8000"/>
+            <a:headEnd type="none" w="med" len="med"/>
+            <a:tailEnd type="none" w="med" len="med"/>
+          </a:ln>
+        </p:spPr>
+      </p:sp>
+      <p:sp>
+        <p:nvSpPr>
+          <p:cNvPr id="14" name="Google Shape;14;p3"/>
+          <p:cNvSpPr txBox="1">
+            <a:spLocks noGrp="1"/>
+          </p:cNvSpPr>
+          <p:nvPr>
+            <p:ph type="ctrTitle"/>
+          </p:nvPr>
+        </p:nvSpPr>
+        <p:spPr>
+          <a:xfrm>
+            <a:off x="2577600" y="2919999"/>
+            <a:ext cx="7036800" cy="596800"/>
+          </a:xfrm>
+          <a:prstGeom prst="rect">
+            <a:avLst/>
+          </a:prstGeom>
+        </p:spPr>
+        <p:txBody>
+          <a:bodyPr spcFirstLastPara="1" wrap="square" lIns="91425" tIns="91425" rIns="91425" bIns="91425" anchor="b" anchorCtr="0">
+            <a:noAutofit/>
+          </a:bodyPr>
+          <a:lstStyle>
+            <a:lvl1pPr lvl="0" algn="ctr" rtl="0">
+              <a:spcBef>
+                <a:spcPts val="0"/>
+              </a:spcBef>
+              <a:spcAft>
+                <a:spcPts val="0"/>
+              </a:spcAft>
+              <a:buClr>
+                <a:srgbClr val="434343"/>
+              </a:buClr>
+              <a:buSzPts val="2400"/>
+              <a:buNone/>
+              <a:defRPr sz="3200" b="0">
+                <a:solidFill>
+                  <a:srgbClr val="434343"/>
+                </a:solidFill>
+              </a:defRPr>
+            </a:lvl1pPr>
+            <a:lvl2pPr lvl="1" algn="ctr" rtl="0">
+              <a:spcBef>
+                <a:spcPts val="0"/>
+              </a:spcBef>
+              <a:spcAft>
+                <a:spcPts val="0"/>
+              </a:spcAft>
+              <a:buClr>
+                <a:srgbClr val="434343"/>
+              </a:buClr>
+              <a:buSzPts val="2400"/>
+              <a:buNone/>
+              <a:defRPr sz="3200" b="0">
+                <a:solidFill>
+                  <a:srgbClr val="434343"/>
+                </a:solidFill>
+              </a:defRPr>
+            </a:lvl2pPr>
+            <a:lvl3pPr lvl="2" algn="ctr" rtl="0">
+              <a:spcBef>
+                <a:spcPts val="0"/>
+              </a:spcBef>
+              <a:spcAft>
+                <a:spcPts val="0"/>
+              </a:spcAft>
+              <a:buClr>
+                <a:srgbClr val="434343"/>
+              </a:buClr>
+              <a:buSzPts val="2400"/>
+              <a:buNone/>
+              <a:defRPr sz="3200" b="0">
+                <a:solidFill>
+                  <a:srgbClr val="434343"/>
+                </a:solidFill>
+              </a:defRPr>
+            </a:lvl3pPr>
+            <a:lvl4pPr lvl="3" algn="ctr" rtl="0">
+              <a:spcBef>
+                <a:spcPts val="0"/>
+              </a:spcBef>
+              <a:spcAft>
+                <a:spcPts val="0"/>
+              </a:spcAft>
+              <a:buClr>
+                <a:srgbClr val="434343"/>
+              </a:buClr>
+              <a:buSzPts val="2400"/>
+              <a:buNone/>
+              <a:defRPr sz="3200" b="0">
+                <a:solidFill>
+                  <a:srgbClr val="434343"/>
+                </a:solidFill>
+              </a:defRPr>
+            </a:lvl4pPr>
+            <a:lvl5pPr lvl="4" algn="ctr" rtl="0">
+              <a:spcBef>
+                <a:spcPts val="0"/>
+              </a:spcBef>
+              <a:spcAft>
+                <a:spcPts val="0"/>
+              </a:spcAft>
+              <a:buClr>
+                <a:srgbClr val="434343"/>
+              </a:buClr>
+              <a:buSzPts val="2400"/>
+              <a:buNone/>
+              <a:defRPr sz="3200" b="0">
+                <a:solidFill>
+                  <a:srgbClr val="434343"/>
+                </a:solidFill>
+              </a:defRPr>
+            </a:lvl5pPr>
+            <a:lvl6pPr lvl="5" algn="ctr" rtl="0">
+              <a:spcBef>
+                <a:spcPts val="0"/>
+              </a:spcBef>
+              <a:spcAft>
+                <a:spcPts val="0"/>
+              </a:spcAft>
+              <a:buClr>
+                <a:srgbClr val="434343"/>
+              </a:buClr>
+              <a:buSzPts val="2400"/>
+              <a:buNone/>
+              <a:defRPr sz="3200" b="0">
+                <a:solidFill>
+                  <a:srgbClr val="434343"/>
+                </a:solidFill>
+              </a:defRPr>
+            </a:lvl6pPr>
+            <a:lvl7pPr lvl="6" algn="ctr" rtl="0">
+              <a:spcBef>
+                <a:spcPts val="0"/>
+              </a:spcBef>
+              <a:spcAft>
+                <a:spcPts val="0"/>
+              </a:spcAft>
+              <a:buClr>
+                <a:srgbClr val="434343"/>
+              </a:buClr>
+              <a:buSzPts val="2400"/>
+              <a:buNone/>
+              <a:defRPr sz="3200" b="0">
+                <a:solidFill>
+                  <a:srgbClr val="434343"/>
+                </a:solidFill>
+              </a:defRPr>
+            </a:lvl7pPr>
+            <a:lvl8pPr lvl="7" algn="ctr" rtl="0">
+              <a:spcBef>
+                <a:spcPts val="0"/>
+              </a:spcBef>
+              <a:spcAft>
+                <a:spcPts val="0"/>
+              </a:spcAft>
+              <a:buClr>
+                <a:srgbClr val="434343"/>
+              </a:buClr>
+              <a:buSzPts val="2400"/>
+              <a:buNone/>
+              <a:defRPr sz="3200" b="0">
+                <a:solidFill>
+                  <a:srgbClr val="434343"/>
+                </a:solidFill>
+              </a:defRPr>
+            </a:lvl8pPr>
+            <a:lvl9pPr lvl="8" algn="ctr" rtl="0">
+              <a:spcBef>
+                <a:spcPts val="0"/>
+              </a:spcBef>
+              <a:spcAft>
+                <a:spcPts val="0"/>
+              </a:spcAft>
+              <a:buClr>
+                <a:srgbClr val="434343"/>
+              </a:buClr>
+              <a:buSzPts val="2400"/>
+              <a:buNone/>
+              <a:defRPr sz="3200" b="0">
+                <a:solidFill>
+                  <a:srgbClr val="434343"/>
+                </a:solidFill>
+              </a:defRPr>
+            </a:lvl9pPr>
+          </a:lstStyle>
+          <a:p>
+            <a:endParaRPr/>
+          </a:p>
+        </p:txBody>
+      </p:sp>
+      <p:sp>
+        <p:nvSpPr>
+          <p:cNvPr id="15" name="Google Shape;15;p3"/>
+          <p:cNvSpPr txBox="1">
+            <a:spLocks noGrp="1"/>
+          </p:cNvSpPr>
+          <p:nvPr>
+            <p:ph type="subTitle" idx="1"/>
+          </p:nvPr>
+        </p:nvSpPr>
+        <p:spPr>
+          <a:xfrm>
+            <a:off x="914400" y="3341201"/>
+            <a:ext cx="10363200" cy="596800"/>
+          </a:xfrm>
+          <a:prstGeom prst="rect">
+            <a:avLst/>
+          </a:prstGeom>
+        </p:spPr>
+        <p:txBody>
+          <a:bodyPr spcFirstLastPara="1" wrap="square" lIns="91425" tIns="91425" rIns="91425" bIns="91425" anchor="t" anchorCtr="0">
+            <a:noAutofit/>
+          </a:bodyPr>
+          <a:lstStyle>
+            <a:lvl1pPr lvl="0" algn="ctr" rtl="0">
+              <a:spcBef>
+                <a:spcPts val="0"/>
+              </a:spcBef>
+              <a:spcAft>
+                <a:spcPts val="0"/>
+              </a:spcAft>
+              <a:buClr>
+                <a:srgbClr val="FFFFFF"/>
+              </a:buClr>
+              <a:buSzPts val="1800"/>
+              <a:buNone/>
+              <a:defRPr sz="2400">
+                <a:solidFill>
+                  <a:srgbClr val="FFFFFF"/>
+                </a:solidFill>
+              </a:defRPr>
+            </a:lvl1pPr>
+            <a:lvl2pPr lvl="1" algn="ctr" rtl="0">
+              <a:spcBef>
+                <a:spcPts val="0"/>
+              </a:spcBef>
+              <a:spcAft>
+                <a:spcPts val="0"/>
+              </a:spcAft>
+              <a:buClr>
+                <a:srgbClr val="FFFFFF"/>
+              </a:buClr>
+              <a:buSzPts val="1800"/>
+              <a:buNone/>
+              <a:defRPr sz="2400">
+                <a:solidFill>
+                  <a:srgbClr val="FFFFFF"/>
+                </a:solidFill>
+              </a:defRPr>
+            </a:lvl2pPr>
+            <a:lvl3pPr lvl="2" algn="ctr" rtl="0">
+              <a:spcBef>
+                <a:spcPts val="0"/>
+              </a:spcBef>
+              <a:spcAft>
+                <a:spcPts val="0"/>
+              </a:spcAft>
+              <a:buClr>
+                <a:srgbClr val="FFFFFF"/>
+              </a:buClr>
+              <a:buSzPts val="1800"/>
+              <a:buNone/>
+              <a:defRPr sz="2400">
+                <a:solidFill>
+                  <a:srgbClr val="FFFFFF"/>
+                </a:solidFill>
+              </a:defRPr>
+            </a:lvl3pPr>
+            <a:lvl4pPr lvl="3" algn="ctr" rtl="0">
+              <a:spcBef>
+                <a:spcPts val="0"/>
+              </a:spcBef>
+              <a:spcAft>
+                <a:spcPts val="0"/>
+              </a:spcAft>
+              <a:buClr>
+                <a:srgbClr val="FFFFFF"/>
+              </a:buClr>
+              <a:buSzPts val="1800"/>
+              <a:buNone/>
+              <a:defRPr>
+                <a:solidFill>
+                  <a:srgbClr val="FFFFFF"/>
+                </a:solidFill>
+              </a:defRPr>
+            </a:lvl4pPr>
+            <a:lvl5pPr lvl="4" algn="ctr" rtl="0">
+              <a:spcBef>
+                <a:spcPts val="0"/>
+              </a:spcBef>
+              <a:spcAft>
+                <a:spcPts val="0"/>
+              </a:spcAft>
+              <a:buClr>
+                <a:srgbClr val="FFFFFF"/>
+              </a:buClr>
+              <a:buSzPts val="1800"/>
+              <a:buNone/>
+              <a:defRPr>
+                <a:solidFill>
+                  <a:srgbClr val="FFFFFF"/>
+                </a:solidFill>
+              </a:defRPr>
+            </a:lvl5pPr>
+            <a:lvl6pPr lvl="5" algn="ctr" rtl="0">
+              <a:spcBef>
+                <a:spcPts val="0"/>
+              </a:spcBef>
+              <a:spcAft>
+                <a:spcPts val="0"/>
+              </a:spcAft>
+              <a:buClr>
+                <a:srgbClr val="FFFFFF"/>
+              </a:buClr>
+              <a:buSzPts val="1800"/>
+              <a:buNone/>
+              <a:defRPr>
+                <a:solidFill>
+                  <a:srgbClr val="FFFFFF"/>
+                </a:solidFill>
+              </a:defRPr>
+            </a:lvl6pPr>
+            <a:lvl7pPr lvl="6" algn="ctr" rtl="0">
+              <a:spcBef>
+                <a:spcPts val="0"/>
+              </a:spcBef>
+              <a:spcAft>
+                <a:spcPts val="0"/>
+              </a:spcAft>
+              <a:buClr>
+                <a:srgbClr val="FFFFFF"/>
+              </a:buClr>
+              <a:buSzPts val="1800"/>
+              <a:buNone/>
+              <a:defRPr>
+                <a:solidFill>
+                  <a:srgbClr val="FFFFFF"/>
+                </a:solidFill>
+              </a:defRPr>
+            </a:lvl7pPr>
+            <a:lvl8pPr lvl="7" algn="ctr" rtl="0">
+              <a:spcBef>
+                <a:spcPts val="0"/>
+              </a:spcBef>
+              <a:spcAft>
+                <a:spcPts val="0"/>
+              </a:spcAft>
+              <a:buClr>
+                <a:srgbClr val="FFFFFF"/>
+              </a:buClr>
+              <a:buSzPts val="1800"/>
+              <a:buNone/>
+              <a:defRPr>
+                <a:solidFill>
+                  <a:srgbClr val="FFFFFF"/>
+                </a:solidFill>
+              </a:defRPr>
+            </a:lvl8pPr>
+            <a:lvl9pPr lvl="8" algn="ctr" rtl="0">
+              <a:spcBef>
+                <a:spcPts val="0"/>
+              </a:spcBef>
+              <a:spcAft>
+                <a:spcPts val="0"/>
+              </a:spcAft>
+              <a:buClr>
+                <a:srgbClr val="FFFFFF"/>
+              </a:buClr>
+              <a:buSzPts val="1800"/>
+              <a:buNone/>
+              <a:defRPr>
+                <a:solidFill>
+                  <a:srgbClr val="FFFFFF"/>
+                </a:solidFill>
+              </a:defRPr>
+            </a:lvl9pPr>
+          </a:lstStyle>
+          <a:p>
+            <a:endParaRPr/>
+          </a:p>
+        </p:txBody>
+      </p:sp>
+      <p:sp>
+        <p:nvSpPr>
+          <p:cNvPr id="16" name="Google Shape;16;p3"/>
+          <p:cNvSpPr txBox="1">
+            <a:spLocks noGrp="1"/>
+          </p:cNvSpPr>
+          <p:nvPr>
+            <p:ph type="sldNum" idx="12"/>
+          </p:nvPr>
+        </p:nvSpPr>
+        <p:spPr>
+          <a:xfrm>
+            <a:off x="-167" y="5783800"/>
+            <a:ext cx="12192000" cy="1074000"/>
+          </a:xfrm>
+          <a:prstGeom prst="rect">
+            <a:avLst/>
+          </a:prstGeom>
+        </p:spPr>
+        <p:txBody>
+          <a:bodyPr spcFirstLastPara="1" wrap="square" lIns="91425" tIns="91425" rIns="91425" bIns="91425" anchor="ctr" anchorCtr="0">
+            <a:noAutofit/>
+          </a:bodyPr>
+          <a:lstStyle>
+            <a:lvl1pPr lvl="0">
+              <a:buNone/>
+              <a:defRPr>
+                <a:solidFill>
+                  <a:srgbClr val="FFFFFF"/>
+                </a:solidFill>
+              </a:defRPr>
+            </a:lvl1pPr>
+            <a:lvl2pPr lvl="1">
+              <a:buNone/>
+              <a:defRPr>
+                <a:solidFill>
+                  <a:srgbClr val="FFFFFF"/>
+                </a:solidFill>
+              </a:defRPr>
+            </a:lvl2pPr>
+            <a:lvl3pPr lvl="2">
+              <a:buNone/>
+              <a:defRPr>
+                <a:solidFill>
+                  <a:srgbClr val="FFFFFF"/>
+                </a:solidFill>
+              </a:defRPr>
+            </a:lvl3pPr>
+            <a:lvl4pPr lvl="3">
+              <a:buNone/>
+              <a:defRPr>
+                <a:solidFill>
+                  <a:srgbClr val="FFFFFF"/>
+                </a:solidFill>
+              </a:defRPr>
+            </a:lvl4pPr>
+            <a:lvl5pPr lvl="4">
+              <a:buNone/>
+              <a:defRPr>
+                <a:solidFill>
+                  <a:srgbClr val="FFFFFF"/>
+                </a:solidFill>
+              </a:defRPr>
+            </a:lvl5pPr>
+            <a:lvl6pPr lvl="5">
+              <a:buNone/>
+              <a:defRPr>
+                <a:solidFill>
+                  <a:srgbClr val="FFFFFF"/>
+                </a:solidFill>
+              </a:defRPr>
+            </a:lvl6pPr>
+            <a:lvl7pPr lvl="6">
+              <a:buNone/>
+              <a:defRPr>
+                <a:solidFill>
+                  <a:srgbClr val="FFFFFF"/>
+                </a:solidFill>
+              </a:defRPr>
+            </a:lvl7pPr>
+            <a:lvl8pPr lvl="7">
+              <a:buNone/>
+              <a:defRPr>
+                <a:solidFill>
+                  <a:srgbClr val="FFFFFF"/>
+                </a:solidFill>
+              </a:defRPr>
+            </a:lvl8pPr>
+            <a:lvl9pPr lvl="8">
+              <a:buNone/>
+              <a:defRPr>
+                <a:solidFill>
+                  <a:srgbClr val="FFFFFF"/>
+                </a:solidFill>
+              </a:defRPr>
+            </a:lvl9pPr>
+          </a:lstStyle>
+          <a:p>
+            <a:fld id="{00000000-1234-1234-1234-123412341234}" type="slidenum">
+              <a:rPr lang="en"/>
+              <a:pPr/>
+              <a:t>‹#›</a:t>
+            </a:fld>
+            <a:endParaRPr/>
+          </a:p>
+        </p:txBody>
+      </p:sp>
+    </p:spTree>
+    <p:extLst>
+      <p:ext uri="{BB962C8B-B14F-4D97-AF65-F5344CB8AC3E}">
+        <p14:creationId xmlns:p14="http://schemas.microsoft.com/office/powerpoint/2010/main" val="710688164"/>
+      </p:ext>
+    </p:extLst>
+  </p:cSld>
+  <p:clrMapOvr>
+    <a:masterClrMapping/>
+  </p:clrMapOvr>
+</p:sldLayout>
+</file>
+
+<file path=ppt/slideLayouts/slideLayout14.xml><?xml version="1.0" encoding="utf-8"?>
+<p:sldLayout xmlns:a="http://schemas.openxmlformats.org/drawingml/2006/main" xmlns:r="http://schemas.openxmlformats.org/officeDocument/2006/relationships" xmlns:p="http://schemas.openxmlformats.org/presentationml/2006/main" matchingName="Blank inverse">
+  <p:cSld name="Blank inverse">
+    <p:bg>
+      <p:bgPr>
+        <a:solidFill>
+          <a:srgbClr val="434343"/>
+        </a:solidFill>
+        <a:effectLst/>
+      </p:bgPr>
+    </p:bg>
+    <p:spTree>
+      <p:nvGrpSpPr>
+        <p:cNvPr id="1" name="Shape 51"/>
+        <p:cNvGrpSpPr/>
+        <p:nvPr/>
+      </p:nvGrpSpPr>
+      <p:grpSpPr>
+        <a:xfrm>
+          <a:off x="0" y="0"/>
+          <a:ext cx="0" cy="0"/>
+          <a:chOff x="0" y="0"/>
+          <a:chExt cx="0" cy="0"/>
+        </a:xfrm>
+      </p:grpSpPr>
+      <p:sp>
+        <p:nvSpPr>
+          <p:cNvPr id="52" name="Google Shape;52;p11"/>
+          <p:cNvSpPr/>
+          <p:nvPr/>
+        </p:nvSpPr>
+        <p:spPr>
+          <a:xfrm>
+            <a:off x="744167" y="733901"/>
+            <a:ext cx="10704264" cy="5390183"/>
+          </a:xfrm>
+          <a:custGeom>
+            <a:avLst/>
+            <a:gdLst/>
+            <a:ahLst/>
+            <a:cxnLst/>
+            <a:rect l="l" t="t" r="r" b="b"/>
+            <a:pathLst>
+              <a:path w="344965" h="183798" extrusionOk="0">
+                <a:moveTo>
+                  <a:pt x="144041" y="38"/>
+                </a:moveTo>
+                <a:lnTo>
+                  <a:pt x="0" y="0"/>
+                </a:lnTo>
+                <a:lnTo>
+                  <a:pt x="0" y="183798"/>
+                </a:lnTo>
+                <a:lnTo>
+                  <a:pt x="344965" y="183798"/>
+                </a:lnTo>
+                <a:lnTo>
+                  <a:pt x="344965" y="0"/>
+                </a:lnTo>
+                <a:lnTo>
+                  <a:pt x="202146" y="38"/>
+                </a:lnTo>
+              </a:path>
+            </a:pathLst>
+          </a:custGeom>
+          <a:noFill/>
+          <a:ln w="76200" cap="flat" cmpd="sng">
+            <a:solidFill>
+              <a:srgbClr val="FFFFFF"/>
+            </a:solidFill>
+            <a:prstDash val="solid"/>
+            <a:miter lim="8000"/>
+            <a:headEnd type="none" w="med" len="med"/>
+            <a:tailEnd type="none" w="med" len="med"/>
+          </a:ln>
+        </p:spPr>
+      </p:sp>
+      <p:sp>
+        <p:nvSpPr>
+          <p:cNvPr id="53" name="Google Shape;53;p11"/>
+          <p:cNvSpPr txBox="1">
+            <a:spLocks noGrp="1"/>
+          </p:cNvSpPr>
+          <p:nvPr>
+            <p:ph type="sldNum" idx="12"/>
+          </p:nvPr>
+        </p:nvSpPr>
+        <p:spPr>
+          <a:xfrm>
+            <a:off x="-167" y="6124067"/>
+            <a:ext cx="12192000" cy="734000"/>
+          </a:xfrm>
+          <a:prstGeom prst="rect">
+            <a:avLst/>
+          </a:prstGeom>
+        </p:spPr>
+        <p:txBody>
+          <a:bodyPr spcFirstLastPara="1" wrap="square" lIns="91425" tIns="91425" rIns="91425" bIns="91425" anchor="ctr" anchorCtr="0">
+            <a:noAutofit/>
+          </a:bodyPr>
+          <a:lstStyle>
+            <a:lvl1pPr lvl="0">
+              <a:buNone/>
+              <a:defRPr>
+                <a:solidFill>
+                  <a:srgbClr val="FFFFFF"/>
+                </a:solidFill>
+              </a:defRPr>
+            </a:lvl1pPr>
+            <a:lvl2pPr lvl="1">
+              <a:buNone/>
+              <a:defRPr>
+                <a:solidFill>
+                  <a:srgbClr val="FFFFFF"/>
+                </a:solidFill>
+              </a:defRPr>
+            </a:lvl2pPr>
+            <a:lvl3pPr lvl="2">
+              <a:buNone/>
+              <a:defRPr>
+                <a:solidFill>
+                  <a:srgbClr val="FFFFFF"/>
+                </a:solidFill>
+              </a:defRPr>
+            </a:lvl3pPr>
+            <a:lvl4pPr lvl="3">
+              <a:buNone/>
+              <a:defRPr>
+                <a:solidFill>
+                  <a:srgbClr val="FFFFFF"/>
+                </a:solidFill>
+              </a:defRPr>
+            </a:lvl4pPr>
+            <a:lvl5pPr lvl="4">
+              <a:buNone/>
+              <a:defRPr>
+                <a:solidFill>
+                  <a:srgbClr val="FFFFFF"/>
+                </a:solidFill>
+              </a:defRPr>
+            </a:lvl5pPr>
+            <a:lvl6pPr lvl="5">
+              <a:buNone/>
+              <a:defRPr>
+                <a:solidFill>
+                  <a:srgbClr val="FFFFFF"/>
+                </a:solidFill>
+              </a:defRPr>
+            </a:lvl6pPr>
+            <a:lvl7pPr lvl="6">
+              <a:buNone/>
+              <a:defRPr>
+                <a:solidFill>
+                  <a:srgbClr val="FFFFFF"/>
+                </a:solidFill>
+              </a:defRPr>
+            </a:lvl7pPr>
+            <a:lvl8pPr lvl="7">
+              <a:buNone/>
+              <a:defRPr>
+                <a:solidFill>
+                  <a:srgbClr val="FFFFFF"/>
+                </a:solidFill>
+              </a:defRPr>
+            </a:lvl8pPr>
+            <a:lvl9pPr lvl="8">
+              <a:buNone/>
+              <a:defRPr>
+                <a:solidFill>
+                  <a:srgbClr val="FFFFFF"/>
+                </a:solidFill>
+              </a:defRPr>
+            </a:lvl9pPr>
+          </a:lstStyle>
+          <a:p>
+            <a:fld id="{00000000-1234-1234-1234-123412341234}" type="slidenum">
+              <a:rPr lang="en"/>
+              <a:pPr/>
+              <a:t>‹#›</a:t>
+            </a:fld>
+            <a:endParaRPr/>
+          </a:p>
+        </p:txBody>
+      </p:sp>
+    </p:spTree>
+    <p:extLst>
+      <p:ext uri="{BB962C8B-B14F-4D97-AF65-F5344CB8AC3E}">
+        <p14:creationId xmlns:p14="http://schemas.microsoft.com/office/powerpoint/2010/main" val="3793256912"/>
+      </p:ext>
+    </p:extLst>
+  </p:cSld>
+  <p:clrMapOvr>
+    <a:masterClrMapping/>
+  </p:clrMapOvr>
+</p:sldLayout>
+</file>
+
+<file path=ppt/slideLayouts/slideLayout15.xml><?xml version="1.0" encoding="utf-8"?>
+<p:sldLayout xmlns:a="http://schemas.openxmlformats.org/drawingml/2006/main" xmlns:r="http://schemas.openxmlformats.org/officeDocument/2006/relationships" xmlns:p="http://schemas.openxmlformats.org/presentationml/2006/main" type="title">
+  <p:cSld name="제목 슬라이드">
+    <p:spTree>
+      <p:nvGrpSpPr>
+        <p:cNvPr id="1" name=""/>
+        <p:cNvGrpSpPr/>
+        <p:nvPr/>
+      </p:nvGrpSpPr>
+      <p:grpSpPr>
+        <a:xfrm>
+          <a:off x="0" y="0"/>
+          <a:ext cx="0" cy="0"/>
+          <a:chOff x="0" y="0"/>
+          <a:chExt cx="0" cy="0"/>
+        </a:xfrm>
+      </p:grpSpPr>
+      <p:sp>
+        <p:nvSpPr>
+          <p:cNvPr id="2" name="제목 1">
+            <a:extLst>
+              <a:ext uri="{FF2B5EF4-FFF2-40B4-BE49-F238E27FC236}">
+                <a16:creationId xmlns:a16="http://schemas.microsoft.com/office/drawing/2014/main" xmlns="" id="{BC4B5A23-C81F-4AF5-A748-1D1EE93505F9}"/>
+              </a:ext>
+            </a:extLst>
+          </p:cNvPr>
+          <p:cNvSpPr>
+            <a:spLocks noGrp="1"/>
+          </p:cNvSpPr>
+          <p:nvPr>
+            <p:ph type="ctrTitle"/>
+          </p:nvPr>
+        </p:nvSpPr>
+        <p:spPr>
+          <a:xfrm>
+            <a:off x="1524000" y="1122363"/>
+            <a:ext cx="9144000" cy="2387600"/>
+          </a:xfrm>
+        </p:spPr>
+        <p:txBody>
+          <a:bodyPr anchor="b"/>
+          <a:lstStyle>
+            <a:lvl1pPr algn="ctr">
+              <a:defRPr sz="6000"/>
+            </a:lvl1pPr>
+          </a:lstStyle>
+          <a:p>
+            <a:r>
+              <a:rPr lang="ko-KR" altLang="en-US"/>
+              <a:t>마스터 제목 스타일 편집</a:t>
+            </a:r>
+          </a:p>
+        </p:txBody>
+      </p:sp>
+      <p:sp>
+        <p:nvSpPr>
+          <p:cNvPr id="3" name="부제목 2">
+            <a:extLst>
+              <a:ext uri="{FF2B5EF4-FFF2-40B4-BE49-F238E27FC236}">
+                <a16:creationId xmlns:a16="http://schemas.microsoft.com/office/drawing/2014/main" xmlns="" id="{26F8B85E-9692-4475-9B5C-3E3DB5D88828}"/>
+              </a:ext>
+            </a:extLst>
+          </p:cNvPr>
+          <p:cNvSpPr>
+            <a:spLocks noGrp="1"/>
+          </p:cNvSpPr>
+          <p:nvPr>
+            <p:ph type="subTitle" idx="1"/>
+          </p:nvPr>
+        </p:nvSpPr>
+        <p:spPr>
+          <a:xfrm>
+            <a:off x="1524000" y="3602037"/>
+            <a:ext cx="9144000" cy="1655763"/>
+          </a:xfrm>
+        </p:spPr>
+        <p:txBody>
+          <a:bodyPr/>
+          <a:lstStyle>
+            <a:lvl1pPr marL="0" indent="0" algn="ctr">
+              <a:buNone/>
+              <a:defRPr sz="2400"/>
+            </a:lvl1pPr>
+            <a:lvl2pPr marL="457189" indent="0" algn="ctr">
+              <a:buNone/>
+              <a:defRPr sz="2000"/>
+            </a:lvl2pPr>
+            <a:lvl3pPr marL="914377" indent="0" algn="ctr">
+              <a:buNone/>
+              <a:defRPr sz="1867"/>
+            </a:lvl3pPr>
+            <a:lvl4pPr marL="1371566" indent="0" algn="ctr">
+              <a:buNone/>
+              <a:defRPr sz="1600"/>
+            </a:lvl4pPr>
+            <a:lvl5pPr marL="1828754" indent="0" algn="ctr">
+              <a:buNone/>
+              <a:defRPr sz="1600"/>
+            </a:lvl5pPr>
+            <a:lvl6pPr marL="2285943" indent="0" algn="ctr">
+              <a:buNone/>
+              <a:defRPr sz="1600"/>
+            </a:lvl6pPr>
+            <a:lvl7pPr marL="2743131" indent="0" algn="ctr">
+              <a:buNone/>
+              <a:defRPr sz="1600"/>
+            </a:lvl7pPr>
+            <a:lvl8pPr marL="3200320" indent="0" algn="ctr">
+              <a:buNone/>
+              <a:defRPr sz="1600"/>
+            </a:lvl8pPr>
+            <a:lvl9pPr marL="3657509" indent="0" algn="ctr">
+              <a:buNone/>
+              <a:defRPr sz="1600"/>
+            </a:lvl9pPr>
+          </a:lstStyle>
+          <a:p>
+            <a:r>
+              <a:rPr lang="ko-KR" altLang="en-US"/>
+              <a:t>클릭하여 마스터 부제목 스타일 편집</a:t>
+            </a:r>
+          </a:p>
+        </p:txBody>
+      </p:sp>
+      <p:sp>
+        <p:nvSpPr>
+          <p:cNvPr id="4" name="날짜 개체 틀 3">
+            <a:extLst>
+              <a:ext uri="{FF2B5EF4-FFF2-40B4-BE49-F238E27FC236}">
+                <a16:creationId xmlns:a16="http://schemas.microsoft.com/office/drawing/2014/main" xmlns="" id="{BC005B73-604A-4AB5-8137-DDC71FB7678B}"/>
+              </a:ext>
+            </a:extLst>
+          </p:cNvPr>
+          <p:cNvSpPr>
+            <a:spLocks noGrp="1"/>
+          </p:cNvSpPr>
+          <p:nvPr>
+            <p:ph type="dt" sz="half" idx="10"/>
+          </p:nvPr>
+        </p:nvSpPr>
+        <p:spPr>
+          <a:xfrm>
+            <a:off x="838200" y="6356351"/>
+            <a:ext cx="2743200" cy="365125"/>
+          </a:xfrm>
+          <a:prstGeom prst="rect">
+            <a:avLst/>
+          </a:prstGeom>
+        </p:spPr>
+        <p:txBody>
+          <a:bodyPr lIns="68580" tIns="34290" rIns="68580" bIns="34290"/>
+          <a:lstStyle/>
+          <a:p>
+            <a:pPr latinLnBrk="0">
+              <a:buClr>
+                <a:srgbClr val="000000"/>
+              </a:buClr>
+              <a:buFont typeface="Arial"/>
+              <a:buNone/>
+            </a:pPr>
+            <a:fld id="{C4FA27B5-0F0F-431C-AE3D-74B1B6F1C8C7}" type="datetimeFigureOut">
+              <a:rPr lang="ko-KR" altLang="en-US" sz="1867" kern="0" smtClean="0">
+                <a:solidFill>
+                  <a:prstClr val="black">
+                    <a:tint val="75000"/>
+                  </a:prstClr>
+                </a:solidFill>
+                <a:cs typeface="Arial"/>
+                <a:sym typeface="Arial"/>
+              </a:rPr>
+              <a:pPr latinLnBrk="0">
+                <a:buClr>
+                  <a:srgbClr val="000000"/>
+                </a:buClr>
+                <a:buFont typeface="Arial"/>
+                <a:buNone/>
+              </a:pPr>
+              <a:t>2020-05-14</a:t>
+            </a:fld>
+            <a:endParaRPr lang="ko-KR" altLang="en-US" sz="1867" kern="0">
+              <a:solidFill>
+                <a:prstClr val="black">
+                  <a:tint val="75000"/>
+                </a:prstClr>
+              </a:solidFill>
+              <a:cs typeface="Arial"/>
+              <a:sym typeface="Arial"/>
+            </a:endParaRPr>
+          </a:p>
+        </p:txBody>
+      </p:sp>
+      <p:sp>
+        <p:nvSpPr>
+          <p:cNvPr id="5" name="바닥글 개체 틀 4">
+            <a:extLst>
+              <a:ext uri="{FF2B5EF4-FFF2-40B4-BE49-F238E27FC236}">
+                <a16:creationId xmlns:a16="http://schemas.microsoft.com/office/drawing/2014/main" xmlns="" id="{D657B5ED-EDEA-4726-A63A-ABCD88DDA24F}"/>
+              </a:ext>
+            </a:extLst>
+          </p:cNvPr>
+          <p:cNvSpPr>
+            <a:spLocks noGrp="1"/>
+          </p:cNvSpPr>
+          <p:nvPr>
+            <p:ph type="ftr" sz="quarter" idx="11"/>
+          </p:nvPr>
+        </p:nvSpPr>
+        <p:spPr>
+          <a:xfrm>
+            <a:off x="4038600" y="6356351"/>
+            <a:ext cx="4114800" cy="365125"/>
+          </a:xfrm>
+          <a:prstGeom prst="rect">
+            <a:avLst/>
+          </a:prstGeom>
+        </p:spPr>
+        <p:txBody>
+          <a:bodyPr lIns="68580" tIns="34290" rIns="68580" bIns="34290"/>
+          <a:lstStyle/>
+          <a:p>
+            <a:pPr latinLnBrk="0">
+              <a:buClr>
+                <a:srgbClr val="000000"/>
+              </a:buClr>
+              <a:buFont typeface="Arial"/>
+              <a:buNone/>
+            </a:pPr>
+            <a:endParaRPr lang="ko-KR" altLang="en-US" sz="1867" kern="0">
+              <a:solidFill>
+                <a:prstClr val="black">
+                  <a:tint val="75000"/>
+                </a:prstClr>
+              </a:solidFill>
+              <a:cs typeface="Arial"/>
+              <a:sym typeface="Arial"/>
+            </a:endParaRPr>
+          </a:p>
+        </p:txBody>
+      </p:sp>
+      <p:sp>
+        <p:nvSpPr>
+          <p:cNvPr id="6" name="슬라이드 번호 개체 틀 5">
+            <a:extLst>
+              <a:ext uri="{FF2B5EF4-FFF2-40B4-BE49-F238E27FC236}">
+                <a16:creationId xmlns:a16="http://schemas.microsoft.com/office/drawing/2014/main" xmlns="" id="{EE561B83-F1A6-46DA-BD34-3B375CB3487C}"/>
+              </a:ext>
+            </a:extLst>
+          </p:cNvPr>
+          <p:cNvSpPr>
+            <a:spLocks noGrp="1"/>
+          </p:cNvSpPr>
+          <p:nvPr>
+            <p:ph type="sldNum" sz="quarter" idx="12"/>
+          </p:nvPr>
+        </p:nvSpPr>
+        <p:spPr/>
+        <p:txBody>
+          <a:bodyPr/>
+          <a:lstStyle/>
+          <a:p>
+            <a:fld id="{5D878A70-FB77-4F9B-8311-4FBED7F04F1E}" type="slidenum">
+              <a:rPr lang="ko-KR" altLang="en-US" smtClean="0">
+                <a:solidFill>
+                  <a:prstClr val="black">
+                    <a:tint val="75000"/>
+                  </a:prstClr>
+                </a:solidFill>
+              </a:rPr>
+              <a:pPr/>
+              <a:t>‹#›</a:t>
+            </a:fld>
+            <a:endParaRPr lang="ko-KR" altLang="en-US">
+              <a:solidFill>
+                <a:prstClr val="black">
+                  <a:tint val="75000"/>
+                </a:prstClr>
+              </a:solidFill>
+            </a:endParaRPr>
+          </a:p>
+        </p:txBody>
+      </p:sp>
+    </p:spTree>
+    <p:extLst>
+      <p:ext uri="{BB962C8B-B14F-4D97-AF65-F5344CB8AC3E}">
+        <p14:creationId xmlns:p14="http://schemas.microsoft.com/office/powerpoint/2010/main" val="2317066416"/>
+      </p:ext>
+    </p:extLst>
+  </p:cSld>
+  <p:clrMapOvr>
+    <a:masterClrMapping/>
+  </p:clrMapOvr>
+</p:sldLayout>
+</file>
+
+<file path=ppt/slideLayouts/slideLayout16.xml><?xml version="1.0" encoding="utf-8"?>
+<p:sldLayout xmlns:a="http://schemas.openxmlformats.org/drawingml/2006/main" xmlns:r="http://schemas.openxmlformats.org/officeDocument/2006/relationships" xmlns:p="http://schemas.openxmlformats.org/presentationml/2006/main" type="obj">
+  <p:cSld name="제목 및 내용">
+    <p:spTree>
+      <p:nvGrpSpPr>
+        <p:cNvPr id="1" name=""/>
+        <p:cNvGrpSpPr/>
+        <p:nvPr/>
+      </p:nvGrpSpPr>
+      <p:grpSpPr>
+        <a:xfrm>
+          <a:off x="0" y="0"/>
+          <a:ext cx="0" cy="0"/>
+          <a:chOff x="0" y="0"/>
+          <a:chExt cx="0" cy="0"/>
+        </a:xfrm>
+      </p:grpSpPr>
+      <p:sp>
+        <p:nvSpPr>
+          <p:cNvPr id="2" name="제목 1"/>
+          <p:cNvSpPr>
+            <a:spLocks noGrp="1"/>
+          </p:cNvSpPr>
+          <p:nvPr>
+            <p:ph type="title"/>
+          </p:nvPr>
+        </p:nvSpPr>
+        <p:spPr/>
+        <p:txBody>
+          <a:bodyPr/>
+          <a:lstStyle/>
+          <a:p>
+            <a:r>
+              <a:rPr lang="ko-KR" altLang="en-US" smtClean="0"/>
+              <a:t>마스터 제목 스타일 편집</a:t>
+            </a:r>
+            <a:endParaRPr lang="ko-KR" altLang="en-US"/>
+          </a:p>
+        </p:txBody>
+      </p:sp>
+      <p:sp>
+        <p:nvSpPr>
+          <p:cNvPr id="3" name="내용 개체 틀 2"/>
+          <p:cNvSpPr>
+            <a:spLocks noGrp="1"/>
+          </p:cNvSpPr>
+          <p:nvPr>
+            <p:ph idx="1"/>
+          </p:nvPr>
+        </p:nvSpPr>
+        <p:spPr/>
+        <p:txBody>
+          <a:bodyPr/>
+          <a:lstStyle/>
+          <a:p>
+            <a:pPr lvl="0"/>
+            <a:r>
+              <a:rPr lang="ko-KR" altLang="en-US" smtClean="0"/>
+              <a:t>마스터 텍스트 스타일을 편집합니다</a:t>
+            </a:r>
+          </a:p>
+          <a:p>
+            <a:pPr lvl="1"/>
+            <a:r>
+              <a:rPr lang="ko-KR" altLang="en-US" smtClean="0"/>
+              <a:t>둘째 수준</a:t>
+            </a:r>
+          </a:p>
+          <a:p>
+            <a:pPr lvl="2"/>
+            <a:r>
+              <a:rPr lang="ko-KR" altLang="en-US" smtClean="0"/>
+              <a:t>셋째 수준</a:t>
+            </a:r>
+          </a:p>
+          <a:p>
+            <a:pPr lvl="3"/>
+            <a:r>
+              <a:rPr lang="ko-KR" altLang="en-US" smtClean="0"/>
+              <a:t>넷째 수준</a:t>
+            </a:r>
+          </a:p>
+          <a:p>
+            <a:pPr lvl="4"/>
+            <a:r>
+              <a:rPr lang="ko-KR" altLang="en-US" smtClean="0"/>
+              <a:t>다섯째 수준</a:t>
+            </a:r>
+            <a:endParaRPr lang="ko-KR" altLang="en-US"/>
+          </a:p>
+        </p:txBody>
+      </p:sp>
+      <p:sp>
+        <p:nvSpPr>
+          <p:cNvPr id="4" name="날짜 개체 틀 3"/>
+          <p:cNvSpPr>
+            <a:spLocks noGrp="1"/>
+          </p:cNvSpPr>
+          <p:nvPr>
+            <p:ph type="dt" sz="half" idx="10"/>
+          </p:nvPr>
+        </p:nvSpPr>
+        <p:spPr>
+          <a:xfrm>
+            <a:off x="838200" y="6356351"/>
+            <a:ext cx="2743200" cy="365125"/>
+          </a:xfrm>
+          <a:prstGeom prst="rect">
+            <a:avLst/>
+          </a:prstGeom>
+        </p:spPr>
+        <p:txBody>
+          <a:bodyPr lIns="68580" tIns="34290" rIns="68580" bIns="34290"/>
+          <a:lstStyle/>
+          <a:p>
+            <a:pPr latinLnBrk="0">
+              <a:buClr>
+                <a:srgbClr val="000000"/>
+              </a:buClr>
+              <a:buFont typeface="Arial"/>
+              <a:buNone/>
+            </a:pPr>
+            <a:fld id="{C7351A05-FE79-4763-A84F-D4FE701A9E82}" type="datetimeFigureOut">
+              <a:rPr lang="ko-KR" altLang="en-US" sz="1867" kern="0" smtClean="0">
+                <a:solidFill>
+                  <a:srgbClr val="000000"/>
+                </a:solidFill>
+                <a:cs typeface="Arial"/>
+                <a:sym typeface="Arial"/>
+              </a:rPr>
+              <a:pPr latinLnBrk="0">
+                <a:buClr>
+                  <a:srgbClr val="000000"/>
+                </a:buClr>
+                <a:buFont typeface="Arial"/>
+                <a:buNone/>
+              </a:pPr>
+              <a:t>2020-05-14</a:t>
+            </a:fld>
+            <a:endParaRPr lang="ko-KR" altLang="en-US" sz="1867" kern="0">
+              <a:solidFill>
+                <a:srgbClr val="000000"/>
+              </a:solidFill>
+              <a:cs typeface="Arial"/>
+              <a:sym typeface="Arial"/>
+            </a:endParaRPr>
+          </a:p>
+        </p:txBody>
+      </p:sp>
+      <p:sp>
+        <p:nvSpPr>
+          <p:cNvPr id="5" name="바닥글 개체 틀 4"/>
+          <p:cNvSpPr>
+            <a:spLocks noGrp="1"/>
+          </p:cNvSpPr>
+          <p:nvPr>
+            <p:ph type="ftr" sz="quarter" idx="11"/>
+          </p:nvPr>
+        </p:nvSpPr>
+        <p:spPr>
+          <a:xfrm>
+            <a:off x="4038600" y="6356351"/>
+            <a:ext cx="4114800" cy="365125"/>
+          </a:xfrm>
+          <a:prstGeom prst="rect">
+            <a:avLst/>
+          </a:prstGeom>
+        </p:spPr>
+        <p:txBody>
+          <a:bodyPr lIns="68580" tIns="34290" rIns="68580" bIns="34290"/>
+          <a:lstStyle/>
+          <a:p>
+            <a:pPr latinLnBrk="0">
+              <a:buClr>
+                <a:srgbClr val="000000"/>
+              </a:buClr>
+              <a:buFont typeface="Arial"/>
+              <a:buNone/>
+            </a:pPr>
+            <a:endParaRPr lang="ko-KR" altLang="en-US" sz="1867" kern="0">
+              <a:solidFill>
+                <a:srgbClr val="000000"/>
+              </a:solidFill>
+              <a:cs typeface="Arial"/>
+              <a:sym typeface="Arial"/>
+            </a:endParaRPr>
+          </a:p>
+        </p:txBody>
+      </p:sp>
+      <p:sp>
+        <p:nvSpPr>
+          <p:cNvPr id="6" name="슬라이드 번호 개체 틀 5"/>
+          <p:cNvSpPr>
+            <a:spLocks noGrp="1"/>
+          </p:cNvSpPr>
+          <p:nvPr>
+            <p:ph type="sldNum" sz="quarter" idx="12"/>
+          </p:nvPr>
+        </p:nvSpPr>
+        <p:spPr/>
+        <p:txBody>
+          <a:bodyPr/>
+          <a:lstStyle/>
+          <a:p>
+            <a:fld id="{BAAF555B-7E58-4FDF-83D4-B4CEA304EAF7}" type="slidenum">
+              <a:rPr lang="ko-KR" altLang="en-US" smtClean="0"/>
+              <a:pPr/>
+              <a:t>‹#›</a:t>
+            </a:fld>
+            <a:endParaRPr lang="ko-KR" altLang="en-US"/>
+          </a:p>
+        </p:txBody>
+      </p:sp>
+    </p:spTree>
+    <p:extLst>
+      <p:ext uri="{BB962C8B-B14F-4D97-AF65-F5344CB8AC3E}">
+        <p14:creationId xmlns:p14="http://schemas.microsoft.com/office/powerpoint/2010/main" val="3501659035"/>
+      </p:ext>
+    </p:extLst>
+  </p:cSld>
+  <p:clrMapOvr>
+    <a:masterClrMapping/>
+  </p:clrMapOvr>
+</p:sldLayout>
+</file>
+
 <file path=ppt/slideLayouts/slideLayout2.xml><?xml version="1.0" encoding="utf-8"?>
 <p:sldLayout xmlns:a="http://schemas.openxmlformats.org/drawingml/2006/main" xmlns:r="http://schemas.openxmlformats.org/officeDocument/2006/relationships" xmlns:p="http://schemas.openxmlformats.org/presentationml/2006/main" type="obj" preserve="1">
   <p:cSld name="제목 및 내용">
@@ -1375,7 +2680,7 @@
             <a:fld id="{272C3D53-FEDF-49EC-8F65-FFFC138B637E}" type="datetimeFigureOut">
               <a:rPr lang="ko-KR" altLang="en-US" smtClean="0"/>
               <a:pPr/>
-              <a:t>2020-05-08</a:t>
+              <a:t>2020-05-14</a:t>
             </a:fld>
             <a:endParaRPr lang="ko-KR" altLang="en-US"/>
           </a:p>
@@ -1623,7 +2928,7 @@
             <a:fld id="{272C3D53-FEDF-49EC-8F65-FFFC138B637E}" type="datetimeFigureOut">
               <a:rPr lang="ko-KR" altLang="en-US" smtClean="0"/>
               <a:pPr/>
-              <a:t>2020-05-08</a:t>
+              <a:t>2020-05-14</a:t>
             </a:fld>
             <a:endParaRPr lang="ko-KR" altLang="en-US"/>
           </a:p>
@@ -1857,7 +3162,7 @@
             <a:fld id="{272C3D53-FEDF-49EC-8F65-FFFC138B637E}" type="datetimeFigureOut">
               <a:rPr lang="ko-KR" altLang="en-US" smtClean="0"/>
               <a:pPr/>
-              <a:t>2020-05-08</a:t>
+              <a:t>2020-05-14</a:t>
             </a:fld>
             <a:endParaRPr lang="ko-KR" altLang="en-US"/>
           </a:p>
@@ -2226,7 +3531,7 @@
             <a:fld id="{272C3D53-FEDF-49EC-8F65-FFFC138B637E}" type="datetimeFigureOut">
               <a:rPr lang="ko-KR" altLang="en-US" smtClean="0"/>
               <a:pPr/>
-              <a:t>2020-05-08</a:t>
+              <a:t>2020-05-14</a:t>
             </a:fld>
             <a:endParaRPr lang="ko-KR" altLang="en-US"/>
           </a:p>
@@ -2346,7 +3651,7 @@
             <a:fld id="{272C3D53-FEDF-49EC-8F65-FFFC138B637E}" type="datetimeFigureOut">
               <a:rPr lang="ko-KR" altLang="en-US" smtClean="0"/>
               <a:pPr/>
-              <a:t>2020-05-08</a:t>
+              <a:t>2020-05-14</a:t>
             </a:fld>
             <a:endParaRPr lang="ko-KR" altLang="en-US"/>
           </a:p>
@@ -2443,7 +3748,7 @@
             <a:fld id="{272C3D53-FEDF-49EC-8F65-FFFC138B637E}" type="datetimeFigureOut">
               <a:rPr lang="ko-KR" altLang="en-US" smtClean="0"/>
               <a:pPr/>
-              <a:t>2020-05-08</a:t>
+              <a:t>2020-05-14</a:t>
             </a:fld>
             <a:endParaRPr lang="ko-KR" altLang="en-US"/>
           </a:p>
@@ -2722,7 +4027,7 @@
             <a:fld id="{272C3D53-FEDF-49EC-8F65-FFFC138B637E}" type="datetimeFigureOut">
               <a:rPr lang="ko-KR" altLang="en-US" smtClean="0"/>
               <a:pPr/>
-              <a:t>2020-05-08</a:t>
+              <a:t>2020-05-14</a:t>
             </a:fld>
             <a:endParaRPr lang="ko-KR" altLang="en-US"/>
           </a:p>
@@ -2977,7 +4282,7 @@
             <a:fld id="{272C3D53-FEDF-49EC-8F65-FFFC138B637E}" type="datetimeFigureOut">
               <a:rPr lang="ko-KR" altLang="en-US" smtClean="0"/>
               <a:pPr/>
-              <a:t>2020-05-08</a:t>
+              <a:t>2020-05-14</a:t>
             </a:fld>
             <a:endParaRPr lang="ko-KR" altLang="en-US"/>
           </a:p>
@@ -3192,7 +4497,7 @@
             <a:fld id="{272C3D53-FEDF-49EC-8F65-FFFC138B637E}" type="datetimeFigureOut">
               <a:rPr lang="ko-KR" altLang="en-US" smtClean="0"/>
               <a:pPr/>
-              <a:t>2020-05-08</a:t>
+              <a:t>2020-05-14</a:t>
             </a:fld>
             <a:endParaRPr lang="ko-KR" altLang="en-US"/>
           </a:p>
@@ -4955,6 +6260,1383 @@
 </p:sldMaster>
 </file>
 
+<file path=ppt/slideMasters/slideMaster3.xml><?xml version="1.0" encoding="utf-8"?>
+<p:sldMaster xmlns:a="http://schemas.openxmlformats.org/drawingml/2006/main" xmlns:r="http://schemas.openxmlformats.org/officeDocument/2006/relationships" xmlns:p="http://schemas.openxmlformats.org/presentationml/2006/main">
+  <p:cSld>
+    <p:bg>
+      <p:bgPr>
+        <a:solidFill>
+          <a:srgbClr val="FF9E00"/>
+        </a:solidFill>
+        <a:effectLst/>
+      </p:bgPr>
+    </p:bg>
+    <p:spTree>
+      <p:nvGrpSpPr>
+        <p:cNvPr id="1" name="Shape 5"/>
+        <p:cNvGrpSpPr/>
+        <p:nvPr/>
+      </p:nvGrpSpPr>
+      <p:grpSpPr>
+        <a:xfrm>
+          <a:off x="0" y="0"/>
+          <a:ext cx="0" cy="0"/>
+          <a:chOff x="0" y="0"/>
+          <a:chExt cx="0" cy="0"/>
+        </a:xfrm>
+      </p:grpSpPr>
+      <p:sp>
+        <p:nvSpPr>
+          <p:cNvPr id="6" name="Google Shape;6;p1"/>
+          <p:cNvSpPr txBox="1">
+            <a:spLocks noGrp="1"/>
+          </p:cNvSpPr>
+          <p:nvPr>
+            <p:ph type="title"/>
+          </p:nvPr>
+        </p:nvSpPr>
+        <p:spPr>
+          <a:xfrm>
+            <a:off x="4322200" y="122088"/>
+            <a:ext cx="3547600" cy="978400"/>
+          </a:xfrm>
+          <a:prstGeom prst="rect">
+            <a:avLst/>
+          </a:prstGeom>
+          <a:noFill/>
+          <a:ln>
+            <a:noFill/>
+          </a:ln>
+        </p:spPr>
+        <p:txBody>
+          <a:bodyPr spcFirstLastPara="1" wrap="square" lIns="91425" tIns="91425" rIns="91425" bIns="91425" anchor="t" anchorCtr="0">
+            <a:noAutofit/>
+          </a:bodyPr>
+          <a:lstStyle>
+            <a:lvl1pPr lvl="0" algn="ctr">
+              <a:spcBef>
+                <a:spcPts val="0"/>
+              </a:spcBef>
+              <a:spcAft>
+                <a:spcPts val="0"/>
+              </a:spcAft>
+              <a:buClr>
+                <a:srgbClr val="999999"/>
+              </a:buClr>
+              <a:buSzPts val="1200"/>
+              <a:buFont typeface="Montserrat"/>
+              <a:buNone/>
+              <a:defRPr sz="1200" b="1">
+                <a:solidFill>
+                  <a:srgbClr val="999999"/>
+                </a:solidFill>
+                <a:latin typeface="Montserrat"/>
+                <a:ea typeface="Montserrat"/>
+                <a:cs typeface="Montserrat"/>
+                <a:sym typeface="Montserrat"/>
+              </a:defRPr>
+            </a:lvl1pPr>
+            <a:lvl2pPr lvl="1" algn="ctr">
+              <a:spcBef>
+                <a:spcPts val="0"/>
+              </a:spcBef>
+              <a:spcAft>
+                <a:spcPts val="0"/>
+              </a:spcAft>
+              <a:buClr>
+                <a:srgbClr val="999999"/>
+              </a:buClr>
+              <a:buSzPts val="1200"/>
+              <a:buFont typeface="Montserrat"/>
+              <a:buNone/>
+              <a:defRPr sz="1200" b="1">
+                <a:solidFill>
+                  <a:srgbClr val="999999"/>
+                </a:solidFill>
+                <a:latin typeface="Montserrat"/>
+                <a:ea typeface="Montserrat"/>
+                <a:cs typeface="Montserrat"/>
+                <a:sym typeface="Montserrat"/>
+              </a:defRPr>
+            </a:lvl2pPr>
+            <a:lvl3pPr lvl="2" algn="ctr">
+              <a:spcBef>
+                <a:spcPts val="0"/>
+              </a:spcBef>
+              <a:spcAft>
+                <a:spcPts val="0"/>
+              </a:spcAft>
+              <a:buClr>
+                <a:srgbClr val="999999"/>
+              </a:buClr>
+              <a:buSzPts val="1200"/>
+              <a:buFont typeface="Montserrat"/>
+              <a:buNone/>
+              <a:defRPr sz="1200" b="1">
+                <a:solidFill>
+                  <a:srgbClr val="999999"/>
+                </a:solidFill>
+                <a:latin typeface="Montserrat"/>
+                <a:ea typeface="Montserrat"/>
+                <a:cs typeface="Montserrat"/>
+                <a:sym typeface="Montserrat"/>
+              </a:defRPr>
+            </a:lvl3pPr>
+            <a:lvl4pPr lvl="3" algn="ctr">
+              <a:spcBef>
+                <a:spcPts val="0"/>
+              </a:spcBef>
+              <a:spcAft>
+                <a:spcPts val="0"/>
+              </a:spcAft>
+              <a:buClr>
+                <a:srgbClr val="999999"/>
+              </a:buClr>
+              <a:buSzPts val="1200"/>
+              <a:buFont typeface="Montserrat"/>
+              <a:buNone/>
+              <a:defRPr sz="1200" b="1">
+                <a:solidFill>
+                  <a:srgbClr val="999999"/>
+                </a:solidFill>
+                <a:latin typeface="Montserrat"/>
+                <a:ea typeface="Montserrat"/>
+                <a:cs typeface="Montserrat"/>
+                <a:sym typeface="Montserrat"/>
+              </a:defRPr>
+            </a:lvl4pPr>
+            <a:lvl5pPr lvl="4" algn="ctr">
+              <a:spcBef>
+                <a:spcPts val="0"/>
+              </a:spcBef>
+              <a:spcAft>
+                <a:spcPts val="0"/>
+              </a:spcAft>
+              <a:buClr>
+                <a:srgbClr val="999999"/>
+              </a:buClr>
+              <a:buSzPts val="1200"/>
+              <a:buFont typeface="Montserrat"/>
+              <a:buNone/>
+              <a:defRPr sz="1200" b="1">
+                <a:solidFill>
+                  <a:srgbClr val="999999"/>
+                </a:solidFill>
+                <a:latin typeface="Montserrat"/>
+                <a:ea typeface="Montserrat"/>
+                <a:cs typeface="Montserrat"/>
+                <a:sym typeface="Montserrat"/>
+              </a:defRPr>
+            </a:lvl5pPr>
+            <a:lvl6pPr lvl="5" algn="ctr">
+              <a:spcBef>
+                <a:spcPts val="0"/>
+              </a:spcBef>
+              <a:spcAft>
+                <a:spcPts val="0"/>
+              </a:spcAft>
+              <a:buClr>
+                <a:srgbClr val="999999"/>
+              </a:buClr>
+              <a:buSzPts val="1200"/>
+              <a:buFont typeface="Montserrat"/>
+              <a:buNone/>
+              <a:defRPr sz="1200" b="1">
+                <a:solidFill>
+                  <a:srgbClr val="999999"/>
+                </a:solidFill>
+                <a:latin typeface="Montserrat"/>
+                <a:ea typeface="Montserrat"/>
+                <a:cs typeface="Montserrat"/>
+                <a:sym typeface="Montserrat"/>
+              </a:defRPr>
+            </a:lvl6pPr>
+            <a:lvl7pPr lvl="6" algn="ctr">
+              <a:spcBef>
+                <a:spcPts val="0"/>
+              </a:spcBef>
+              <a:spcAft>
+                <a:spcPts val="0"/>
+              </a:spcAft>
+              <a:buClr>
+                <a:srgbClr val="999999"/>
+              </a:buClr>
+              <a:buSzPts val="1200"/>
+              <a:buFont typeface="Montserrat"/>
+              <a:buNone/>
+              <a:defRPr sz="1200" b="1">
+                <a:solidFill>
+                  <a:srgbClr val="999999"/>
+                </a:solidFill>
+                <a:latin typeface="Montserrat"/>
+                <a:ea typeface="Montserrat"/>
+                <a:cs typeface="Montserrat"/>
+                <a:sym typeface="Montserrat"/>
+              </a:defRPr>
+            </a:lvl7pPr>
+            <a:lvl8pPr lvl="7" algn="ctr">
+              <a:spcBef>
+                <a:spcPts val="0"/>
+              </a:spcBef>
+              <a:spcAft>
+                <a:spcPts val="0"/>
+              </a:spcAft>
+              <a:buClr>
+                <a:srgbClr val="999999"/>
+              </a:buClr>
+              <a:buSzPts val="1200"/>
+              <a:buFont typeface="Montserrat"/>
+              <a:buNone/>
+              <a:defRPr sz="1200" b="1">
+                <a:solidFill>
+                  <a:srgbClr val="999999"/>
+                </a:solidFill>
+                <a:latin typeface="Montserrat"/>
+                <a:ea typeface="Montserrat"/>
+                <a:cs typeface="Montserrat"/>
+                <a:sym typeface="Montserrat"/>
+              </a:defRPr>
+            </a:lvl8pPr>
+            <a:lvl9pPr lvl="8" algn="ctr">
+              <a:spcBef>
+                <a:spcPts val="0"/>
+              </a:spcBef>
+              <a:spcAft>
+                <a:spcPts val="0"/>
+              </a:spcAft>
+              <a:buClr>
+                <a:srgbClr val="999999"/>
+              </a:buClr>
+              <a:buSzPts val="1200"/>
+              <a:buFont typeface="Montserrat"/>
+              <a:buNone/>
+              <a:defRPr sz="1200" b="1">
+                <a:solidFill>
+                  <a:srgbClr val="999999"/>
+                </a:solidFill>
+                <a:latin typeface="Montserrat"/>
+                <a:ea typeface="Montserrat"/>
+                <a:cs typeface="Montserrat"/>
+                <a:sym typeface="Montserrat"/>
+              </a:defRPr>
+            </a:lvl9pPr>
+          </a:lstStyle>
+          <a:p>
+            <a:endParaRPr/>
+          </a:p>
+        </p:txBody>
+      </p:sp>
+      <p:sp>
+        <p:nvSpPr>
+          <p:cNvPr id="7" name="Google Shape;7;p1"/>
+          <p:cNvSpPr txBox="1">
+            <a:spLocks noGrp="1"/>
+          </p:cNvSpPr>
+          <p:nvPr>
+            <p:ph type="body" idx="1"/>
+          </p:nvPr>
+        </p:nvSpPr>
+        <p:spPr>
+          <a:xfrm>
+            <a:off x="1222200" y="1267800"/>
+            <a:ext cx="9747600" cy="4322400"/>
+          </a:xfrm>
+          <a:prstGeom prst="rect">
+            <a:avLst/>
+          </a:prstGeom>
+          <a:noFill/>
+          <a:ln>
+            <a:noFill/>
+          </a:ln>
+        </p:spPr>
+        <p:txBody>
+          <a:bodyPr spcFirstLastPara="1" wrap="square" lIns="91425" tIns="91425" rIns="91425" bIns="91425" anchor="t" anchorCtr="0">
+            <a:noAutofit/>
+          </a:bodyPr>
+          <a:lstStyle>
+            <a:lvl1pPr marL="457200" lvl="0" indent="-381000">
+              <a:spcBef>
+                <a:spcPts val="600"/>
+              </a:spcBef>
+              <a:spcAft>
+                <a:spcPts val="0"/>
+              </a:spcAft>
+              <a:buClr>
+                <a:srgbClr val="CCCCCC"/>
+              </a:buClr>
+              <a:buSzPts val="2400"/>
+              <a:buFont typeface="Droid Serif"/>
+              <a:buChar char="⊡"/>
+              <a:defRPr sz="3000">
+                <a:solidFill>
+                  <a:srgbClr val="434343"/>
+                </a:solidFill>
+                <a:latin typeface="Droid Serif"/>
+                <a:ea typeface="Droid Serif"/>
+                <a:cs typeface="Droid Serif"/>
+                <a:sym typeface="Droid Serif"/>
+              </a:defRPr>
+            </a:lvl1pPr>
+            <a:lvl2pPr marL="914400" lvl="1" indent="-342900">
+              <a:spcBef>
+                <a:spcPts val="0"/>
+              </a:spcBef>
+              <a:spcAft>
+                <a:spcPts val="0"/>
+              </a:spcAft>
+              <a:buClr>
+                <a:srgbClr val="CCCCCC"/>
+              </a:buClr>
+              <a:buSzPts val="1800"/>
+              <a:buFont typeface="Droid Serif"/>
+              <a:buChar char="□"/>
+              <a:defRPr sz="2400">
+                <a:solidFill>
+                  <a:srgbClr val="434343"/>
+                </a:solidFill>
+                <a:latin typeface="Droid Serif"/>
+                <a:ea typeface="Droid Serif"/>
+                <a:cs typeface="Droid Serif"/>
+                <a:sym typeface="Droid Serif"/>
+              </a:defRPr>
+            </a:lvl2pPr>
+            <a:lvl3pPr marL="1371600" lvl="2" indent="-381000">
+              <a:spcBef>
+                <a:spcPts val="0"/>
+              </a:spcBef>
+              <a:spcAft>
+                <a:spcPts val="0"/>
+              </a:spcAft>
+              <a:buClr>
+                <a:srgbClr val="CCCCCC"/>
+              </a:buClr>
+              <a:buSzPts val="2400"/>
+              <a:buFont typeface="Droid Serif"/>
+              <a:buChar char="■"/>
+              <a:defRPr sz="2400">
+                <a:solidFill>
+                  <a:srgbClr val="434343"/>
+                </a:solidFill>
+                <a:latin typeface="Droid Serif"/>
+                <a:ea typeface="Droid Serif"/>
+                <a:cs typeface="Droid Serif"/>
+                <a:sym typeface="Droid Serif"/>
+              </a:defRPr>
+            </a:lvl3pPr>
+            <a:lvl4pPr marL="1828800" lvl="3" indent="-342900">
+              <a:spcBef>
+                <a:spcPts val="0"/>
+              </a:spcBef>
+              <a:spcAft>
+                <a:spcPts val="0"/>
+              </a:spcAft>
+              <a:buClr>
+                <a:srgbClr val="CCCCCC"/>
+              </a:buClr>
+              <a:buSzPts val="1800"/>
+              <a:buFont typeface="Droid Serif"/>
+              <a:buChar char="●"/>
+              <a:defRPr sz="1800">
+                <a:solidFill>
+                  <a:srgbClr val="434343"/>
+                </a:solidFill>
+                <a:latin typeface="Droid Serif"/>
+                <a:ea typeface="Droid Serif"/>
+                <a:cs typeface="Droid Serif"/>
+                <a:sym typeface="Droid Serif"/>
+              </a:defRPr>
+            </a:lvl4pPr>
+            <a:lvl5pPr marL="2286000" lvl="4" indent="-342900">
+              <a:spcBef>
+                <a:spcPts val="0"/>
+              </a:spcBef>
+              <a:spcAft>
+                <a:spcPts val="0"/>
+              </a:spcAft>
+              <a:buClr>
+                <a:srgbClr val="CCCCCC"/>
+              </a:buClr>
+              <a:buSzPts val="1800"/>
+              <a:buFont typeface="Droid Serif"/>
+              <a:buChar char="○"/>
+              <a:defRPr sz="1800">
+                <a:solidFill>
+                  <a:srgbClr val="434343"/>
+                </a:solidFill>
+                <a:latin typeface="Droid Serif"/>
+                <a:ea typeface="Droid Serif"/>
+                <a:cs typeface="Droid Serif"/>
+                <a:sym typeface="Droid Serif"/>
+              </a:defRPr>
+            </a:lvl5pPr>
+            <a:lvl6pPr marL="2743200" lvl="5" indent="-342900">
+              <a:spcBef>
+                <a:spcPts val="0"/>
+              </a:spcBef>
+              <a:spcAft>
+                <a:spcPts val="0"/>
+              </a:spcAft>
+              <a:buClr>
+                <a:srgbClr val="434343"/>
+              </a:buClr>
+              <a:buSzPts val="1800"/>
+              <a:buFont typeface="Droid Serif"/>
+              <a:buChar char="■"/>
+              <a:defRPr sz="1800">
+                <a:solidFill>
+                  <a:srgbClr val="434343"/>
+                </a:solidFill>
+                <a:latin typeface="Droid Serif"/>
+                <a:ea typeface="Droid Serif"/>
+                <a:cs typeface="Droid Serif"/>
+                <a:sym typeface="Droid Serif"/>
+              </a:defRPr>
+            </a:lvl6pPr>
+            <a:lvl7pPr marL="3200400" lvl="6" indent="-342900">
+              <a:spcBef>
+                <a:spcPts val="0"/>
+              </a:spcBef>
+              <a:spcAft>
+                <a:spcPts val="0"/>
+              </a:spcAft>
+              <a:buClr>
+                <a:srgbClr val="434343"/>
+              </a:buClr>
+              <a:buSzPts val="1800"/>
+              <a:buFont typeface="Droid Serif"/>
+              <a:buChar char="●"/>
+              <a:defRPr sz="1800">
+                <a:solidFill>
+                  <a:srgbClr val="434343"/>
+                </a:solidFill>
+                <a:latin typeface="Droid Serif"/>
+                <a:ea typeface="Droid Serif"/>
+                <a:cs typeface="Droid Serif"/>
+                <a:sym typeface="Droid Serif"/>
+              </a:defRPr>
+            </a:lvl7pPr>
+            <a:lvl8pPr marL="3657600" lvl="7" indent="-342900">
+              <a:spcBef>
+                <a:spcPts val="0"/>
+              </a:spcBef>
+              <a:spcAft>
+                <a:spcPts val="0"/>
+              </a:spcAft>
+              <a:buClr>
+                <a:srgbClr val="434343"/>
+              </a:buClr>
+              <a:buSzPts val="1800"/>
+              <a:buFont typeface="Droid Serif"/>
+              <a:buChar char="○"/>
+              <a:defRPr sz="1800">
+                <a:solidFill>
+                  <a:srgbClr val="434343"/>
+                </a:solidFill>
+                <a:latin typeface="Droid Serif"/>
+                <a:ea typeface="Droid Serif"/>
+                <a:cs typeface="Droid Serif"/>
+                <a:sym typeface="Droid Serif"/>
+              </a:defRPr>
+            </a:lvl8pPr>
+            <a:lvl9pPr marL="4114800" lvl="8" indent="-342900">
+              <a:spcBef>
+                <a:spcPts val="0"/>
+              </a:spcBef>
+              <a:spcAft>
+                <a:spcPts val="0"/>
+              </a:spcAft>
+              <a:buClr>
+                <a:srgbClr val="434343"/>
+              </a:buClr>
+              <a:buSzPts val="1800"/>
+              <a:buFont typeface="Droid Serif"/>
+              <a:buChar char="■"/>
+              <a:defRPr sz="1800">
+                <a:solidFill>
+                  <a:srgbClr val="434343"/>
+                </a:solidFill>
+                <a:latin typeface="Droid Serif"/>
+                <a:ea typeface="Droid Serif"/>
+                <a:cs typeface="Droid Serif"/>
+                <a:sym typeface="Droid Serif"/>
+              </a:defRPr>
+            </a:lvl9pPr>
+          </a:lstStyle>
+          <a:p>
+            <a:endParaRPr/>
+          </a:p>
+        </p:txBody>
+      </p:sp>
+      <p:sp>
+        <p:nvSpPr>
+          <p:cNvPr id="8" name="Google Shape;8;p1"/>
+          <p:cNvSpPr txBox="1">
+            <a:spLocks noGrp="1"/>
+          </p:cNvSpPr>
+          <p:nvPr>
+            <p:ph type="sldNum" idx="12"/>
+          </p:nvPr>
+        </p:nvSpPr>
+        <p:spPr>
+          <a:xfrm>
+            <a:off x="-167" y="6492300"/>
+            <a:ext cx="12192000" cy="365600"/>
+          </a:xfrm>
+          <a:prstGeom prst="rect">
+            <a:avLst/>
+          </a:prstGeom>
+          <a:noFill/>
+          <a:ln>
+            <a:noFill/>
+          </a:ln>
+        </p:spPr>
+        <p:txBody>
+          <a:bodyPr spcFirstLastPara="1" wrap="square" lIns="91425" tIns="91425" rIns="91425" bIns="91425" anchor="ctr" anchorCtr="0">
+            <a:noAutofit/>
+          </a:bodyPr>
+          <a:lstStyle>
+            <a:lvl1pPr lvl="0" algn="ctr">
+              <a:buNone/>
+              <a:defRPr sz="1067" b="1">
+                <a:solidFill>
+                  <a:srgbClr val="FF9E00"/>
+                </a:solidFill>
+                <a:latin typeface="Montserrat"/>
+                <a:ea typeface="Montserrat"/>
+                <a:cs typeface="Montserrat"/>
+                <a:sym typeface="Montserrat"/>
+              </a:defRPr>
+            </a:lvl1pPr>
+            <a:lvl2pPr lvl="1" algn="ctr">
+              <a:buNone/>
+              <a:defRPr sz="1067" b="1">
+                <a:solidFill>
+                  <a:srgbClr val="FF9E00"/>
+                </a:solidFill>
+                <a:latin typeface="Montserrat"/>
+                <a:ea typeface="Montserrat"/>
+                <a:cs typeface="Montserrat"/>
+                <a:sym typeface="Montserrat"/>
+              </a:defRPr>
+            </a:lvl2pPr>
+            <a:lvl3pPr lvl="2" algn="ctr">
+              <a:buNone/>
+              <a:defRPr sz="1067" b="1">
+                <a:solidFill>
+                  <a:srgbClr val="FF9E00"/>
+                </a:solidFill>
+                <a:latin typeface="Montserrat"/>
+                <a:ea typeface="Montserrat"/>
+                <a:cs typeface="Montserrat"/>
+                <a:sym typeface="Montserrat"/>
+              </a:defRPr>
+            </a:lvl3pPr>
+            <a:lvl4pPr lvl="3" algn="ctr">
+              <a:buNone/>
+              <a:defRPr sz="1067" b="1">
+                <a:solidFill>
+                  <a:srgbClr val="FF9E00"/>
+                </a:solidFill>
+                <a:latin typeface="Montserrat"/>
+                <a:ea typeface="Montserrat"/>
+                <a:cs typeface="Montserrat"/>
+                <a:sym typeface="Montserrat"/>
+              </a:defRPr>
+            </a:lvl4pPr>
+            <a:lvl5pPr lvl="4" algn="ctr">
+              <a:buNone/>
+              <a:defRPr sz="1067" b="1">
+                <a:solidFill>
+                  <a:srgbClr val="FF9E00"/>
+                </a:solidFill>
+                <a:latin typeface="Montserrat"/>
+                <a:ea typeface="Montserrat"/>
+                <a:cs typeface="Montserrat"/>
+                <a:sym typeface="Montserrat"/>
+              </a:defRPr>
+            </a:lvl5pPr>
+            <a:lvl6pPr lvl="5" algn="ctr">
+              <a:buNone/>
+              <a:defRPr sz="1067" b="1">
+                <a:solidFill>
+                  <a:srgbClr val="FF9E00"/>
+                </a:solidFill>
+                <a:latin typeface="Montserrat"/>
+                <a:ea typeface="Montserrat"/>
+                <a:cs typeface="Montserrat"/>
+                <a:sym typeface="Montserrat"/>
+              </a:defRPr>
+            </a:lvl6pPr>
+            <a:lvl7pPr lvl="6" algn="ctr">
+              <a:buNone/>
+              <a:defRPr sz="1067" b="1">
+                <a:solidFill>
+                  <a:srgbClr val="FF9E00"/>
+                </a:solidFill>
+                <a:latin typeface="Montserrat"/>
+                <a:ea typeface="Montserrat"/>
+                <a:cs typeface="Montserrat"/>
+                <a:sym typeface="Montserrat"/>
+              </a:defRPr>
+            </a:lvl7pPr>
+            <a:lvl8pPr lvl="7" algn="ctr">
+              <a:buNone/>
+              <a:defRPr sz="1067" b="1">
+                <a:solidFill>
+                  <a:srgbClr val="FF9E00"/>
+                </a:solidFill>
+                <a:latin typeface="Montserrat"/>
+                <a:ea typeface="Montserrat"/>
+                <a:cs typeface="Montserrat"/>
+                <a:sym typeface="Montserrat"/>
+              </a:defRPr>
+            </a:lvl8pPr>
+            <a:lvl9pPr lvl="8" algn="ctr">
+              <a:buNone/>
+              <a:defRPr sz="1067" b="1">
+                <a:solidFill>
+                  <a:srgbClr val="FF9E00"/>
+                </a:solidFill>
+                <a:latin typeface="Montserrat"/>
+                <a:ea typeface="Montserrat"/>
+                <a:cs typeface="Montserrat"/>
+                <a:sym typeface="Montserrat"/>
+              </a:defRPr>
+            </a:lvl9pPr>
+          </a:lstStyle>
+          <a:p>
+            <a:pPr latinLnBrk="0">
+              <a:buClr>
+                <a:srgbClr val="000000"/>
+              </a:buClr>
+              <a:buFont typeface="Arial"/>
+              <a:buNone/>
+            </a:pPr>
+            <a:fld id="{00000000-1234-1234-1234-123412341234}" type="slidenum">
+              <a:rPr lang="en" kern="0"/>
+              <a:pPr latinLnBrk="0">
+                <a:buClr>
+                  <a:srgbClr val="000000"/>
+                </a:buClr>
+                <a:buFont typeface="Arial"/>
+                <a:buNone/>
+              </a:pPr>
+              <a:t>‹#›</a:t>
+            </a:fld>
+            <a:endParaRPr kern="0"/>
+          </a:p>
+        </p:txBody>
+      </p:sp>
+    </p:spTree>
+    <p:extLst>
+      <p:ext uri="{BB962C8B-B14F-4D97-AF65-F5344CB8AC3E}">
+        <p14:creationId xmlns:p14="http://schemas.microsoft.com/office/powerpoint/2010/main" val="3808117425"/>
+      </p:ext>
+    </p:extLst>
+  </p:cSld>
+  <p:clrMap bg1="lt1" tx1="dk1" bg2="dk2" tx2="lt2" accent1="accent1" accent2="accent2" accent3="accent3" accent4="accent4" accent5="accent5" accent6="accent6" hlink="hlink" folHlink="folHlink"/>
+  <p:sldLayoutIdLst>
+    <p:sldLayoutId id="2147483674" r:id="rId1"/>
+    <p:sldLayoutId id="2147483675" r:id="rId2"/>
+    <p:sldLayoutId id="2147483676" r:id="rId3"/>
+    <p:sldLayoutId id="2147483677" r:id="rId4"/>
+  </p:sldLayoutIdLst>
+  <p:transition>
+    <p:fade thruBlk="1"/>
+  </p:transition>
+  <p:hf hdr="0" ftr="0" dt="0"/>
+  <p:txStyles>
+    <p:titleStyle>
+      <a:defPPr marR="0" lvl="0" algn="l" rtl="0">
+        <a:lnSpc>
+          <a:spcPct val="100000"/>
+        </a:lnSpc>
+        <a:spcBef>
+          <a:spcPts val="0"/>
+        </a:spcBef>
+        <a:spcAft>
+          <a:spcPts val="0"/>
+        </a:spcAft>
+      </a:defPPr>
+      <a:lvl1pPr marR="0" lvl="0" algn="l" rtl="0">
+        <a:lnSpc>
+          <a:spcPct val="100000"/>
+        </a:lnSpc>
+        <a:spcBef>
+          <a:spcPts val="0"/>
+        </a:spcBef>
+        <a:spcAft>
+          <a:spcPts val="0"/>
+        </a:spcAft>
+        <a:buClr>
+          <a:srgbClr val="000000"/>
+        </a:buClr>
+        <a:buFont typeface="Arial"/>
+        <a:defRPr sz="1867" b="0" i="0" u="none" strike="noStrike" cap="none">
+          <a:solidFill>
+            <a:srgbClr val="000000"/>
+          </a:solidFill>
+          <a:latin typeface="Arial"/>
+          <a:ea typeface="Arial"/>
+          <a:cs typeface="Arial"/>
+          <a:sym typeface="Arial"/>
+        </a:defRPr>
+      </a:lvl1pPr>
+      <a:lvl2pPr marR="0" lvl="1" algn="l" rtl="0">
+        <a:lnSpc>
+          <a:spcPct val="100000"/>
+        </a:lnSpc>
+        <a:spcBef>
+          <a:spcPts val="0"/>
+        </a:spcBef>
+        <a:spcAft>
+          <a:spcPts val="0"/>
+        </a:spcAft>
+        <a:buClr>
+          <a:srgbClr val="000000"/>
+        </a:buClr>
+        <a:buFont typeface="Arial"/>
+        <a:defRPr sz="1867" b="0" i="0" u="none" strike="noStrike" cap="none">
+          <a:solidFill>
+            <a:srgbClr val="000000"/>
+          </a:solidFill>
+          <a:latin typeface="Arial"/>
+          <a:ea typeface="Arial"/>
+          <a:cs typeface="Arial"/>
+          <a:sym typeface="Arial"/>
+        </a:defRPr>
+      </a:lvl2pPr>
+      <a:lvl3pPr marR="0" lvl="2" algn="l" rtl="0">
+        <a:lnSpc>
+          <a:spcPct val="100000"/>
+        </a:lnSpc>
+        <a:spcBef>
+          <a:spcPts val="0"/>
+        </a:spcBef>
+        <a:spcAft>
+          <a:spcPts val="0"/>
+        </a:spcAft>
+        <a:buClr>
+          <a:srgbClr val="000000"/>
+        </a:buClr>
+        <a:buFont typeface="Arial"/>
+        <a:defRPr sz="1867" b="0" i="0" u="none" strike="noStrike" cap="none">
+          <a:solidFill>
+            <a:srgbClr val="000000"/>
+          </a:solidFill>
+          <a:latin typeface="Arial"/>
+          <a:ea typeface="Arial"/>
+          <a:cs typeface="Arial"/>
+          <a:sym typeface="Arial"/>
+        </a:defRPr>
+      </a:lvl3pPr>
+      <a:lvl4pPr marR="0" lvl="3" algn="l" rtl="0">
+        <a:lnSpc>
+          <a:spcPct val="100000"/>
+        </a:lnSpc>
+        <a:spcBef>
+          <a:spcPts val="0"/>
+        </a:spcBef>
+        <a:spcAft>
+          <a:spcPts val="0"/>
+        </a:spcAft>
+        <a:buClr>
+          <a:srgbClr val="000000"/>
+        </a:buClr>
+        <a:buFont typeface="Arial"/>
+        <a:defRPr sz="1867" b="0" i="0" u="none" strike="noStrike" cap="none">
+          <a:solidFill>
+            <a:srgbClr val="000000"/>
+          </a:solidFill>
+          <a:latin typeface="Arial"/>
+          <a:ea typeface="Arial"/>
+          <a:cs typeface="Arial"/>
+          <a:sym typeface="Arial"/>
+        </a:defRPr>
+      </a:lvl4pPr>
+      <a:lvl5pPr marR="0" lvl="4" algn="l" rtl="0">
+        <a:lnSpc>
+          <a:spcPct val="100000"/>
+        </a:lnSpc>
+        <a:spcBef>
+          <a:spcPts val="0"/>
+        </a:spcBef>
+        <a:spcAft>
+          <a:spcPts val="0"/>
+        </a:spcAft>
+        <a:buClr>
+          <a:srgbClr val="000000"/>
+        </a:buClr>
+        <a:buFont typeface="Arial"/>
+        <a:defRPr sz="1867" b="0" i="0" u="none" strike="noStrike" cap="none">
+          <a:solidFill>
+            <a:srgbClr val="000000"/>
+          </a:solidFill>
+          <a:latin typeface="Arial"/>
+          <a:ea typeface="Arial"/>
+          <a:cs typeface="Arial"/>
+          <a:sym typeface="Arial"/>
+        </a:defRPr>
+      </a:lvl5pPr>
+      <a:lvl6pPr marR="0" lvl="5" algn="l" rtl="0">
+        <a:lnSpc>
+          <a:spcPct val="100000"/>
+        </a:lnSpc>
+        <a:spcBef>
+          <a:spcPts val="0"/>
+        </a:spcBef>
+        <a:spcAft>
+          <a:spcPts val="0"/>
+        </a:spcAft>
+        <a:buClr>
+          <a:srgbClr val="000000"/>
+        </a:buClr>
+        <a:buFont typeface="Arial"/>
+        <a:defRPr sz="1867" b="0" i="0" u="none" strike="noStrike" cap="none">
+          <a:solidFill>
+            <a:srgbClr val="000000"/>
+          </a:solidFill>
+          <a:latin typeface="Arial"/>
+          <a:ea typeface="Arial"/>
+          <a:cs typeface="Arial"/>
+          <a:sym typeface="Arial"/>
+        </a:defRPr>
+      </a:lvl6pPr>
+      <a:lvl7pPr marR="0" lvl="6" algn="l" rtl="0">
+        <a:lnSpc>
+          <a:spcPct val="100000"/>
+        </a:lnSpc>
+        <a:spcBef>
+          <a:spcPts val="0"/>
+        </a:spcBef>
+        <a:spcAft>
+          <a:spcPts val="0"/>
+        </a:spcAft>
+        <a:buClr>
+          <a:srgbClr val="000000"/>
+        </a:buClr>
+        <a:buFont typeface="Arial"/>
+        <a:defRPr sz="1867" b="0" i="0" u="none" strike="noStrike" cap="none">
+          <a:solidFill>
+            <a:srgbClr val="000000"/>
+          </a:solidFill>
+          <a:latin typeface="Arial"/>
+          <a:ea typeface="Arial"/>
+          <a:cs typeface="Arial"/>
+          <a:sym typeface="Arial"/>
+        </a:defRPr>
+      </a:lvl7pPr>
+      <a:lvl8pPr marR="0" lvl="7" algn="l" rtl="0">
+        <a:lnSpc>
+          <a:spcPct val="100000"/>
+        </a:lnSpc>
+        <a:spcBef>
+          <a:spcPts val="0"/>
+        </a:spcBef>
+        <a:spcAft>
+          <a:spcPts val="0"/>
+        </a:spcAft>
+        <a:buClr>
+          <a:srgbClr val="000000"/>
+        </a:buClr>
+        <a:buFont typeface="Arial"/>
+        <a:defRPr sz="1867" b="0" i="0" u="none" strike="noStrike" cap="none">
+          <a:solidFill>
+            <a:srgbClr val="000000"/>
+          </a:solidFill>
+          <a:latin typeface="Arial"/>
+          <a:ea typeface="Arial"/>
+          <a:cs typeface="Arial"/>
+          <a:sym typeface="Arial"/>
+        </a:defRPr>
+      </a:lvl8pPr>
+      <a:lvl9pPr marR="0" lvl="8" algn="l" rtl="0">
+        <a:lnSpc>
+          <a:spcPct val="100000"/>
+        </a:lnSpc>
+        <a:spcBef>
+          <a:spcPts val="0"/>
+        </a:spcBef>
+        <a:spcAft>
+          <a:spcPts val="0"/>
+        </a:spcAft>
+        <a:buClr>
+          <a:srgbClr val="000000"/>
+        </a:buClr>
+        <a:buFont typeface="Arial"/>
+        <a:defRPr sz="1867" b="0" i="0" u="none" strike="noStrike" cap="none">
+          <a:solidFill>
+            <a:srgbClr val="000000"/>
+          </a:solidFill>
+          <a:latin typeface="Arial"/>
+          <a:ea typeface="Arial"/>
+          <a:cs typeface="Arial"/>
+          <a:sym typeface="Arial"/>
+        </a:defRPr>
+      </a:lvl9pPr>
+    </p:titleStyle>
+    <p:bodyStyle>
+      <a:defPPr marR="0" lvl="0" algn="l" rtl="0">
+        <a:lnSpc>
+          <a:spcPct val="100000"/>
+        </a:lnSpc>
+        <a:spcBef>
+          <a:spcPts val="0"/>
+        </a:spcBef>
+        <a:spcAft>
+          <a:spcPts val="0"/>
+        </a:spcAft>
+      </a:defPPr>
+      <a:lvl1pPr marR="0" lvl="0" algn="l" rtl="0">
+        <a:lnSpc>
+          <a:spcPct val="100000"/>
+        </a:lnSpc>
+        <a:spcBef>
+          <a:spcPts val="0"/>
+        </a:spcBef>
+        <a:spcAft>
+          <a:spcPts val="0"/>
+        </a:spcAft>
+        <a:buClr>
+          <a:srgbClr val="000000"/>
+        </a:buClr>
+        <a:buFont typeface="Arial"/>
+        <a:defRPr sz="1867" b="0" i="0" u="none" strike="noStrike" cap="none">
+          <a:solidFill>
+            <a:srgbClr val="000000"/>
+          </a:solidFill>
+          <a:latin typeface="Arial"/>
+          <a:ea typeface="Arial"/>
+          <a:cs typeface="Arial"/>
+          <a:sym typeface="Arial"/>
+        </a:defRPr>
+      </a:lvl1pPr>
+      <a:lvl2pPr marR="0" lvl="1" algn="l" rtl="0">
+        <a:lnSpc>
+          <a:spcPct val="100000"/>
+        </a:lnSpc>
+        <a:spcBef>
+          <a:spcPts val="0"/>
+        </a:spcBef>
+        <a:spcAft>
+          <a:spcPts val="0"/>
+        </a:spcAft>
+        <a:buClr>
+          <a:srgbClr val="000000"/>
+        </a:buClr>
+        <a:buFont typeface="Arial"/>
+        <a:defRPr sz="1867" b="0" i="0" u="none" strike="noStrike" cap="none">
+          <a:solidFill>
+            <a:srgbClr val="000000"/>
+          </a:solidFill>
+          <a:latin typeface="Arial"/>
+          <a:ea typeface="Arial"/>
+          <a:cs typeface="Arial"/>
+          <a:sym typeface="Arial"/>
+        </a:defRPr>
+      </a:lvl2pPr>
+      <a:lvl3pPr marR="0" lvl="2" algn="l" rtl="0">
+        <a:lnSpc>
+          <a:spcPct val="100000"/>
+        </a:lnSpc>
+        <a:spcBef>
+          <a:spcPts val="0"/>
+        </a:spcBef>
+        <a:spcAft>
+          <a:spcPts val="0"/>
+        </a:spcAft>
+        <a:buClr>
+          <a:srgbClr val="000000"/>
+        </a:buClr>
+        <a:buFont typeface="Arial"/>
+        <a:defRPr sz="1867" b="0" i="0" u="none" strike="noStrike" cap="none">
+          <a:solidFill>
+            <a:srgbClr val="000000"/>
+          </a:solidFill>
+          <a:latin typeface="Arial"/>
+          <a:ea typeface="Arial"/>
+          <a:cs typeface="Arial"/>
+          <a:sym typeface="Arial"/>
+        </a:defRPr>
+      </a:lvl3pPr>
+      <a:lvl4pPr marR="0" lvl="3" algn="l" rtl="0">
+        <a:lnSpc>
+          <a:spcPct val="100000"/>
+        </a:lnSpc>
+        <a:spcBef>
+          <a:spcPts val="0"/>
+        </a:spcBef>
+        <a:spcAft>
+          <a:spcPts val="0"/>
+        </a:spcAft>
+        <a:buClr>
+          <a:srgbClr val="000000"/>
+        </a:buClr>
+        <a:buFont typeface="Arial"/>
+        <a:defRPr sz="1867" b="0" i="0" u="none" strike="noStrike" cap="none">
+          <a:solidFill>
+            <a:srgbClr val="000000"/>
+          </a:solidFill>
+          <a:latin typeface="Arial"/>
+          <a:ea typeface="Arial"/>
+          <a:cs typeface="Arial"/>
+          <a:sym typeface="Arial"/>
+        </a:defRPr>
+      </a:lvl4pPr>
+      <a:lvl5pPr marR="0" lvl="4" algn="l" rtl="0">
+        <a:lnSpc>
+          <a:spcPct val="100000"/>
+        </a:lnSpc>
+        <a:spcBef>
+          <a:spcPts val="0"/>
+        </a:spcBef>
+        <a:spcAft>
+          <a:spcPts val="0"/>
+        </a:spcAft>
+        <a:buClr>
+          <a:srgbClr val="000000"/>
+        </a:buClr>
+        <a:buFont typeface="Arial"/>
+        <a:defRPr sz="1867" b="0" i="0" u="none" strike="noStrike" cap="none">
+          <a:solidFill>
+            <a:srgbClr val="000000"/>
+          </a:solidFill>
+          <a:latin typeface="Arial"/>
+          <a:ea typeface="Arial"/>
+          <a:cs typeface="Arial"/>
+          <a:sym typeface="Arial"/>
+        </a:defRPr>
+      </a:lvl5pPr>
+      <a:lvl6pPr marR="0" lvl="5" algn="l" rtl="0">
+        <a:lnSpc>
+          <a:spcPct val="100000"/>
+        </a:lnSpc>
+        <a:spcBef>
+          <a:spcPts val="0"/>
+        </a:spcBef>
+        <a:spcAft>
+          <a:spcPts val="0"/>
+        </a:spcAft>
+        <a:buClr>
+          <a:srgbClr val="000000"/>
+        </a:buClr>
+        <a:buFont typeface="Arial"/>
+        <a:defRPr sz="1867" b="0" i="0" u="none" strike="noStrike" cap="none">
+          <a:solidFill>
+            <a:srgbClr val="000000"/>
+          </a:solidFill>
+          <a:latin typeface="Arial"/>
+          <a:ea typeface="Arial"/>
+          <a:cs typeface="Arial"/>
+          <a:sym typeface="Arial"/>
+        </a:defRPr>
+      </a:lvl6pPr>
+      <a:lvl7pPr marR="0" lvl="6" algn="l" rtl="0">
+        <a:lnSpc>
+          <a:spcPct val="100000"/>
+        </a:lnSpc>
+        <a:spcBef>
+          <a:spcPts val="0"/>
+        </a:spcBef>
+        <a:spcAft>
+          <a:spcPts val="0"/>
+        </a:spcAft>
+        <a:buClr>
+          <a:srgbClr val="000000"/>
+        </a:buClr>
+        <a:buFont typeface="Arial"/>
+        <a:defRPr sz="1867" b="0" i="0" u="none" strike="noStrike" cap="none">
+          <a:solidFill>
+            <a:srgbClr val="000000"/>
+          </a:solidFill>
+          <a:latin typeface="Arial"/>
+          <a:ea typeface="Arial"/>
+          <a:cs typeface="Arial"/>
+          <a:sym typeface="Arial"/>
+        </a:defRPr>
+      </a:lvl7pPr>
+      <a:lvl8pPr marR="0" lvl="7" algn="l" rtl="0">
+        <a:lnSpc>
+          <a:spcPct val="100000"/>
+        </a:lnSpc>
+        <a:spcBef>
+          <a:spcPts val="0"/>
+        </a:spcBef>
+        <a:spcAft>
+          <a:spcPts val="0"/>
+        </a:spcAft>
+        <a:buClr>
+          <a:srgbClr val="000000"/>
+        </a:buClr>
+        <a:buFont typeface="Arial"/>
+        <a:defRPr sz="1867" b="0" i="0" u="none" strike="noStrike" cap="none">
+          <a:solidFill>
+            <a:srgbClr val="000000"/>
+          </a:solidFill>
+          <a:latin typeface="Arial"/>
+          <a:ea typeface="Arial"/>
+          <a:cs typeface="Arial"/>
+          <a:sym typeface="Arial"/>
+        </a:defRPr>
+      </a:lvl8pPr>
+      <a:lvl9pPr marR="0" lvl="8" algn="l" rtl="0">
+        <a:lnSpc>
+          <a:spcPct val="100000"/>
+        </a:lnSpc>
+        <a:spcBef>
+          <a:spcPts val="0"/>
+        </a:spcBef>
+        <a:spcAft>
+          <a:spcPts val="0"/>
+        </a:spcAft>
+        <a:buClr>
+          <a:srgbClr val="000000"/>
+        </a:buClr>
+        <a:buFont typeface="Arial"/>
+        <a:defRPr sz="1867" b="0" i="0" u="none" strike="noStrike" cap="none">
+          <a:solidFill>
+            <a:srgbClr val="000000"/>
+          </a:solidFill>
+          <a:latin typeface="Arial"/>
+          <a:ea typeface="Arial"/>
+          <a:cs typeface="Arial"/>
+          <a:sym typeface="Arial"/>
+        </a:defRPr>
+      </a:lvl9pPr>
+    </p:bodyStyle>
+    <p:otherStyle>
+      <a:defPPr marR="0" lvl="0" algn="l" rtl="0">
+        <a:lnSpc>
+          <a:spcPct val="100000"/>
+        </a:lnSpc>
+        <a:spcBef>
+          <a:spcPts val="0"/>
+        </a:spcBef>
+        <a:spcAft>
+          <a:spcPts val="0"/>
+        </a:spcAft>
+      </a:defPPr>
+      <a:lvl1pPr marR="0" lvl="0" algn="l" rtl="0">
+        <a:lnSpc>
+          <a:spcPct val="100000"/>
+        </a:lnSpc>
+        <a:spcBef>
+          <a:spcPts val="0"/>
+        </a:spcBef>
+        <a:spcAft>
+          <a:spcPts val="0"/>
+        </a:spcAft>
+        <a:buClr>
+          <a:srgbClr val="000000"/>
+        </a:buClr>
+        <a:buFont typeface="Arial"/>
+        <a:defRPr sz="1867" b="0" i="0" u="none" strike="noStrike" cap="none">
+          <a:solidFill>
+            <a:srgbClr val="000000"/>
+          </a:solidFill>
+          <a:latin typeface="Arial"/>
+          <a:ea typeface="Arial"/>
+          <a:cs typeface="Arial"/>
+          <a:sym typeface="Arial"/>
+        </a:defRPr>
+      </a:lvl1pPr>
+      <a:lvl2pPr marR="0" lvl="1" algn="l" rtl="0">
+        <a:lnSpc>
+          <a:spcPct val="100000"/>
+        </a:lnSpc>
+        <a:spcBef>
+          <a:spcPts val="0"/>
+        </a:spcBef>
+        <a:spcAft>
+          <a:spcPts val="0"/>
+        </a:spcAft>
+        <a:buClr>
+          <a:srgbClr val="000000"/>
+        </a:buClr>
+        <a:buFont typeface="Arial"/>
+        <a:defRPr sz="1867" b="0" i="0" u="none" strike="noStrike" cap="none">
+          <a:solidFill>
+            <a:srgbClr val="000000"/>
+          </a:solidFill>
+          <a:latin typeface="Arial"/>
+          <a:ea typeface="Arial"/>
+          <a:cs typeface="Arial"/>
+          <a:sym typeface="Arial"/>
+        </a:defRPr>
+      </a:lvl2pPr>
+      <a:lvl3pPr marR="0" lvl="2" algn="l" rtl="0">
+        <a:lnSpc>
+          <a:spcPct val="100000"/>
+        </a:lnSpc>
+        <a:spcBef>
+          <a:spcPts val="0"/>
+        </a:spcBef>
+        <a:spcAft>
+          <a:spcPts val="0"/>
+        </a:spcAft>
+        <a:buClr>
+          <a:srgbClr val="000000"/>
+        </a:buClr>
+        <a:buFont typeface="Arial"/>
+        <a:defRPr sz="1867" b="0" i="0" u="none" strike="noStrike" cap="none">
+          <a:solidFill>
+            <a:srgbClr val="000000"/>
+          </a:solidFill>
+          <a:latin typeface="Arial"/>
+          <a:ea typeface="Arial"/>
+          <a:cs typeface="Arial"/>
+          <a:sym typeface="Arial"/>
+        </a:defRPr>
+      </a:lvl3pPr>
+      <a:lvl4pPr marR="0" lvl="3" algn="l" rtl="0">
+        <a:lnSpc>
+          <a:spcPct val="100000"/>
+        </a:lnSpc>
+        <a:spcBef>
+          <a:spcPts val="0"/>
+        </a:spcBef>
+        <a:spcAft>
+          <a:spcPts val="0"/>
+        </a:spcAft>
+        <a:buClr>
+          <a:srgbClr val="000000"/>
+        </a:buClr>
+        <a:buFont typeface="Arial"/>
+        <a:defRPr sz="1867" b="0" i="0" u="none" strike="noStrike" cap="none">
+          <a:solidFill>
+            <a:srgbClr val="000000"/>
+          </a:solidFill>
+          <a:latin typeface="Arial"/>
+          <a:ea typeface="Arial"/>
+          <a:cs typeface="Arial"/>
+          <a:sym typeface="Arial"/>
+        </a:defRPr>
+      </a:lvl4pPr>
+      <a:lvl5pPr marR="0" lvl="4" algn="l" rtl="0">
+        <a:lnSpc>
+          <a:spcPct val="100000"/>
+        </a:lnSpc>
+        <a:spcBef>
+          <a:spcPts val="0"/>
+        </a:spcBef>
+        <a:spcAft>
+          <a:spcPts val="0"/>
+        </a:spcAft>
+        <a:buClr>
+          <a:srgbClr val="000000"/>
+        </a:buClr>
+        <a:buFont typeface="Arial"/>
+        <a:defRPr sz="1867" b="0" i="0" u="none" strike="noStrike" cap="none">
+          <a:solidFill>
+            <a:srgbClr val="000000"/>
+          </a:solidFill>
+          <a:latin typeface="Arial"/>
+          <a:ea typeface="Arial"/>
+          <a:cs typeface="Arial"/>
+          <a:sym typeface="Arial"/>
+        </a:defRPr>
+      </a:lvl5pPr>
+      <a:lvl6pPr marR="0" lvl="5" algn="l" rtl="0">
+        <a:lnSpc>
+          <a:spcPct val="100000"/>
+        </a:lnSpc>
+        <a:spcBef>
+          <a:spcPts val="0"/>
+        </a:spcBef>
+        <a:spcAft>
+          <a:spcPts val="0"/>
+        </a:spcAft>
+        <a:buClr>
+          <a:srgbClr val="000000"/>
+        </a:buClr>
+        <a:buFont typeface="Arial"/>
+        <a:defRPr sz="1867" b="0" i="0" u="none" strike="noStrike" cap="none">
+          <a:solidFill>
+            <a:srgbClr val="000000"/>
+          </a:solidFill>
+          <a:latin typeface="Arial"/>
+          <a:ea typeface="Arial"/>
+          <a:cs typeface="Arial"/>
+          <a:sym typeface="Arial"/>
+        </a:defRPr>
+      </a:lvl6pPr>
+      <a:lvl7pPr marR="0" lvl="6" algn="l" rtl="0">
+        <a:lnSpc>
+          <a:spcPct val="100000"/>
+        </a:lnSpc>
+        <a:spcBef>
+          <a:spcPts val="0"/>
+        </a:spcBef>
+        <a:spcAft>
+          <a:spcPts val="0"/>
+        </a:spcAft>
+        <a:buClr>
+          <a:srgbClr val="000000"/>
+        </a:buClr>
+        <a:buFont typeface="Arial"/>
+        <a:defRPr sz="1867" b="0" i="0" u="none" strike="noStrike" cap="none">
+          <a:solidFill>
+            <a:srgbClr val="000000"/>
+          </a:solidFill>
+          <a:latin typeface="Arial"/>
+          <a:ea typeface="Arial"/>
+          <a:cs typeface="Arial"/>
+          <a:sym typeface="Arial"/>
+        </a:defRPr>
+      </a:lvl7pPr>
+      <a:lvl8pPr marR="0" lvl="7" algn="l" rtl="0">
+        <a:lnSpc>
+          <a:spcPct val="100000"/>
+        </a:lnSpc>
+        <a:spcBef>
+          <a:spcPts val="0"/>
+        </a:spcBef>
+        <a:spcAft>
+          <a:spcPts val="0"/>
+        </a:spcAft>
+        <a:buClr>
+          <a:srgbClr val="000000"/>
+        </a:buClr>
+        <a:buFont typeface="Arial"/>
+        <a:defRPr sz="1867" b="0" i="0" u="none" strike="noStrike" cap="none">
+          <a:solidFill>
+            <a:srgbClr val="000000"/>
+          </a:solidFill>
+          <a:latin typeface="Arial"/>
+          <a:ea typeface="Arial"/>
+          <a:cs typeface="Arial"/>
+          <a:sym typeface="Arial"/>
+        </a:defRPr>
+      </a:lvl8pPr>
+      <a:lvl9pPr marR="0" lvl="8" algn="l" rtl="0">
+        <a:lnSpc>
+          <a:spcPct val="100000"/>
+        </a:lnSpc>
+        <a:spcBef>
+          <a:spcPts val="0"/>
+        </a:spcBef>
+        <a:spcAft>
+          <a:spcPts val="0"/>
+        </a:spcAft>
+        <a:buClr>
+          <a:srgbClr val="000000"/>
+        </a:buClr>
+        <a:buFont typeface="Arial"/>
+        <a:defRPr sz="1867" b="0" i="0" u="none" strike="noStrike" cap="none">
+          <a:solidFill>
+            <a:srgbClr val="000000"/>
+          </a:solidFill>
+          <a:latin typeface="Arial"/>
+          <a:ea typeface="Arial"/>
+          <a:cs typeface="Arial"/>
+          <a:sym typeface="Arial"/>
+        </a:defRPr>
+      </a:lvl9pPr>
+    </p:otherStyle>
+  </p:txStyles>
+</p:sldMaster>
+</file>
+
 <file path=ppt/slides/slide1.xml><?xml version="1.0" encoding="utf-8"?>
 <p:sld xmlns:a="http://schemas.openxmlformats.org/drawingml/2006/main" xmlns:r="http://schemas.openxmlformats.org/officeDocument/2006/relationships" xmlns:p="http://schemas.openxmlformats.org/presentationml/2006/main">
   <p:cSld>
@@ -6485,7 +9167,7 @@
                 <a:gridCol w="2688299">
                   <a:extLst>
                     <a:ext uri="{9D8B030D-6E8A-4147-A177-3AD203B41FA5}">
-                      <a16:colId xmlns:a16="http://schemas.microsoft.com/office/drawing/2014/main" xmlns="" val="20000"/>
+                      <a16:colId xmlns="" xmlns:a16="http://schemas.microsoft.com/office/drawing/2014/main" val="20000"/>
                     </a:ext>
                   </a:extLst>
                 </a:gridCol>
@@ -6517,7 +9199,7 @@
                 </a:tc>
                 <a:extLst>
                   <a:ext uri="{0D108BD9-81ED-4DB2-BD59-A6C34878D82A}">
-                    <a16:rowId xmlns:a16="http://schemas.microsoft.com/office/drawing/2014/main" xmlns="" val="10000"/>
+                    <a16:rowId xmlns="" xmlns:a16="http://schemas.microsoft.com/office/drawing/2014/main" val="10000"/>
                   </a:ext>
                 </a:extLst>
               </a:tr>
@@ -6555,7 +9237,7 @@
                 </a:tc>
                 <a:extLst>
                   <a:ext uri="{0D108BD9-81ED-4DB2-BD59-A6C34878D82A}">
-                    <a16:rowId xmlns:a16="http://schemas.microsoft.com/office/drawing/2014/main" xmlns="" val="10001"/>
+                    <a16:rowId xmlns="" xmlns:a16="http://schemas.microsoft.com/office/drawing/2014/main" val="10001"/>
                   </a:ext>
                 </a:extLst>
               </a:tr>
@@ -8453,7 +11135,7 @@
                 <a:gridCol w="2688299">
                   <a:extLst>
                     <a:ext uri="{9D8B030D-6E8A-4147-A177-3AD203B41FA5}">
-                      <a16:colId xmlns:a16="http://schemas.microsoft.com/office/drawing/2014/main" xmlns="" val="20000"/>
+                      <a16:colId xmlns="" xmlns:a16="http://schemas.microsoft.com/office/drawing/2014/main" val="20000"/>
                     </a:ext>
                   </a:extLst>
                 </a:gridCol>
@@ -8485,7 +11167,7 @@
                 </a:tc>
                 <a:extLst>
                   <a:ext uri="{0D108BD9-81ED-4DB2-BD59-A6C34878D82A}">
-                    <a16:rowId xmlns:a16="http://schemas.microsoft.com/office/drawing/2014/main" xmlns="" val="10000"/>
+                    <a16:rowId xmlns="" xmlns:a16="http://schemas.microsoft.com/office/drawing/2014/main" val="10000"/>
                   </a:ext>
                 </a:extLst>
               </a:tr>
@@ -8513,7 +11195,7 @@
                 </a:tc>
                 <a:extLst>
                   <a:ext uri="{0D108BD9-81ED-4DB2-BD59-A6C34878D82A}">
-                    <a16:rowId xmlns:a16="http://schemas.microsoft.com/office/drawing/2014/main" xmlns="" val="10001"/>
+                    <a16:rowId xmlns="" xmlns:a16="http://schemas.microsoft.com/office/drawing/2014/main" val="10001"/>
                   </a:ext>
                 </a:extLst>
               </a:tr>
@@ -10915,7 +13597,7 @@
                 <a:gridCol w="2688299">
                   <a:extLst>
                     <a:ext uri="{9D8B030D-6E8A-4147-A177-3AD203B41FA5}">
-                      <a16:colId xmlns:a16="http://schemas.microsoft.com/office/drawing/2014/main" xmlns="" val="20000"/>
+                      <a16:colId xmlns="" xmlns:a16="http://schemas.microsoft.com/office/drawing/2014/main" val="20000"/>
                     </a:ext>
                   </a:extLst>
                 </a:gridCol>
@@ -10947,7 +13629,7 @@
                 </a:tc>
                 <a:extLst>
                   <a:ext uri="{0D108BD9-81ED-4DB2-BD59-A6C34878D82A}">
-                    <a16:rowId xmlns:a16="http://schemas.microsoft.com/office/drawing/2014/main" xmlns="" val="10000"/>
+                    <a16:rowId xmlns="" xmlns:a16="http://schemas.microsoft.com/office/drawing/2014/main" val="10000"/>
                   </a:ext>
                 </a:extLst>
               </a:tr>
@@ -10975,7 +13657,7 @@
                 </a:tc>
                 <a:extLst>
                   <a:ext uri="{0D108BD9-81ED-4DB2-BD59-A6C34878D82A}">
-                    <a16:rowId xmlns:a16="http://schemas.microsoft.com/office/drawing/2014/main" xmlns="" val="10001"/>
+                    <a16:rowId xmlns="" xmlns:a16="http://schemas.microsoft.com/office/drawing/2014/main" val="10001"/>
                   </a:ext>
                 </a:extLst>
               </a:tr>
@@ -11098,14 +13780,7 @@
                           <a:latin typeface="+mj-ea"/>
                           <a:ea typeface="+mj-ea"/>
                         </a:rPr>
-                        <a:t>펀딩정</a:t>
-                      </a:r>
-                      <a:r>
-                        <a:rPr lang="ko-KR" altLang="en-US" sz="1200" b="1" dirty="0" err="1" smtClean="0">
-                          <a:latin typeface="+mj-ea"/>
-                          <a:ea typeface="+mj-ea"/>
-                        </a:rPr>
-                        <a:t>보</a:t>
+                        <a:t>펀딩정보</a:t>
                       </a:r>
                       <a:endParaRPr lang="en-US" altLang="ko-KR" sz="1200" b="1" dirty="0" smtClean="0">
                         <a:latin typeface="+mj-ea"/>
@@ -13817,6 +16492,5038 @@
 </p:sld>
 </file>
 
+<file path=ppt/slides/slide14.xml><?xml version="1.0" encoding="utf-8"?>
+<p:sld xmlns:a="http://schemas.openxmlformats.org/drawingml/2006/main" xmlns:r="http://schemas.openxmlformats.org/officeDocument/2006/relationships" xmlns:p="http://schemas.openxmlformats.org/presentationml/2006/main">
+  <p:cSld>
+    <p:bg>
+      <p:bgPr>
+        <a:solidFill>
+          <a:srgbClr val="FF9E00"/>
+        </a:solidFill>
+        <a:effectLst/>
+      </p:bgPr>
+    </p:bg>
+    <p:spTree>
+      <p:nvGrpSpPr>
+        <p:cNvPr id="1" name=""/>
+        <p:cNvGrpSpPr/>
+        <p:nvPr/>
+      </p:nvGrpSpPr>
+      <p:grpSpPr>
+        <a:xfrm>
+          <a:off x="0" y="0"/>
+          <a:ext cx="0" cy="0"/>
+          <a:chOff x="0" y="0"/>
+          <a:chExt cx="0" cy="0"/>
+        </a:xfrm>
+      </p:grpSpPr>
+      <p:sp>
+        <p:nvSpPr>
+          <p:cNvPr id="6" name="양쪽 모서리가 둥근 사각형 5"/>
+          <p:cNvSpPr/>
+          <p:nvPr/>
+        </p:nvSpPr>
+        <p:spPr>
+          <a:xfrm>
+            <a:off x="143339" y="548680"/>
+            <a:ext cx="11905323" cy="6144683"/>
+          </a:xfrm>
+          <a:prstGeom prst="round2SameRect">
+            <a:avLst>
+              <a:gd name="adj1" fmla="val 0"/>
+              <a:gd name="adj2" fmla="val 2405"/>
+            </a:avLst>
+          </a:prstGeom>
+          <a:solidFill>
+            <a:schemeClr val="bg1"/>
+          </a:solidFill>
+          <a:ln>
+            <a:noFill/>
+          </a:ln>
+          <a:effectLst>
+            <a:outerShdw dist="254000" dir="5400000" sx="97000" sy="97000" algn="t" rotWithShape="0">
+              <a:prstClr val="black">
+                <a:alpha val="40000"/>
+              </a:prstClr>
+            </a:outerShdw>
+          </a:effectLst>
+        </p:spPr>
+        <p:style>
+          <a:lnRef idx="2">
+            <a:schemeClr val="accent1">
+              <a:shade val="50000"/>
+            </a:schemeClr>
+          </a:lnRef>
+          <a:fillRef idx="1">
+            <a:schemeClr val="accent1"/>
+          </a:fillRef>
+          <a:effectRef idx="0">
+            <a:schemeClr val="accent1"/>
+          </a:effectRef>
+          <a:fontRef idx="minor">
+            <a:schemeClr val="lt1"/>
+          </a:fontRef>
+        </p:style>
+        <p:txBody>
+          <a:bodyPr lIns="91440" tIns="45720" rIns="91440" bIns="45720" rtlCol="0" anchor="ctr"/>
+          <a:lstStyle/>
+          <a:p>
+            <a:pPr algn="ctr" latinLnBrk="0">
+              <a:buClr>
+                <a:srgbClr val="000000"/>
+              </a:buClr>
+              <a:buFont typeface="Arial"/>
+              <a:buNone/>
+            </a:pPr>
+            <a:endParaRPr lang="ko-KR" altLang="en-US" sz="1867" kern="0">
+              <a:solidFill>
+                <a:prstClr val="white"/>
+              </a:solidFill>
+              <a:sym typeface="Arial"/>
+            </a:endParaRPr>
+          </a:p>
+        </p:txBody>
+      </p:sp>
+      <p:sp>
+        <p:nvSpPr>
+          <p:cNvPr id="5" name="양쪽 모서리가 둥근 사각형 4"/>
+          <p:cNvSpPr/>
+          <p:nvPr/>
+        </p:nvSpPr>
+        <p:spPr>
+          <a:xfrm>
+            <a:off x="143339" y="243880"/>
+            <a:ext cx="11905323" cy="304800"/>
+          </a:xfrm>
+          <a:prstGeom prst="round2SameRect">
+            <a:avLst>
+              <a:gd name="adj1" fmla="val 44667"/>
+              <a:gd name="adj2" fmla="val 0"/>
+            </a:avLst>
+          </a:prstGeom>
+          <a:solidFill>
+            <a:srgbClr val="411F42"/>
+          </a:solidFill>
+          <a:ln>
+            <a:noFill/>
+          </a:ln>
+          <a:effectLst>
+            <a:outerShdw dist="76200" dir="16200000" sx="97000" sy="97000" rotWithShape="0">
+              <a:prstClr val="black">
+                <a:alpha val="40000"/>
+              </a:prstClr>
+            </a:outerShdw>
+          </a:effectLst>
+        </p:spPr>
+        <p:style>
+          <a:lnRef idx="2">
+            <a:schemeClr val="accent1">
+              <a:shade val="50000"/>
+            </a:schemeClr>
+          </a:lnRef>
+          <a:fillRef idx="1">
+            <a:schemeClr val="accent1"/>
+          </a:fillRef>
+          <a:effectRef idx="0">
+            <a:schemeClr val="accent1"/>
+          </a:effectRef>
+          <a:fontRef idx="minor">
+            <a:schemeClr val="lt1"/>
+          </a:fontRef>
+        </p:style>
+        <p:txBody>
+          <a:bodyPr lIns="91440" tIns="45720" rIns="91440" bIns="45720" rtlCol="0" anchor="ctr"/>
+          <a:lstStyle/>
+          <a:p>
+            <a:pPr algn="ctr" latinLnBrk="0">
+              <a:buClr>
+                <a:srgbClr val="000000"/>
+              </a:buClr>
+              <a:buFont typeface="Arial"/>
+              <a:buNone/>
+            </a:pPr>
+            <a:endParaRPr lang="ko-KR" altLang="en-US" sz="1867" kern="0">
+              <a:solidFill>
+                <a:prstClr val="white"/>
+              </a:solidFill>
+              <a:sym typeface="Arial"/>
+            </a:endParaRPr>
+          </a:p>
+        </p:txBody>
+      </p:sp>
+      <p:sp>
+        <p:nvSpPr>
+          <p:cNvPr id="7" name="직사각형 6"/>
+          <p:cNvSpPr/>
+          <p:nvPr/>
+        </p:nvSpPr>
+        <p:spPr>
+          <a:xfrm>
+            <a:off x="935120" y="366664"/>
+            <a:ext cx="10613801" cy="72000"/>
+          </a:xfrm>
+          <a:prstGeom prst="rect">
+            <a:avLst/>
+          </a:prstGeom>
+          <a:solidFill>
+            <a:schemeClr val="bg1"/>
+          </a:solidFill>
+          <a:ln>
+            <a:noFill/>
+          </a:ln>
+        </p:spPr>
+        <p:style>
+          <a:lnRef idx="2">
+            <a:schemeClr val="accent1">
+              <a:shade val="50000"/>
+            </a:schemeClr>
+          </a:lnRef>
+          <a:fillRef idx="1">
+            <a:schemeClr val="accent1"/>
+          </a:fillRef>
+          <a:effectRef idx="0">
+            <a:schemeClr val="accent1"/>
+          </a:effectRef>
+          <a:fontRef idx="minor">
+            <a:schemeClr val="lt1"/>
+          </a:fontRef>
+        </p:style>
+        <p:txBody>
+          <a:bodyPr lIns="91440" tIns="45720" rIns="91440" bIns="45720" rtlCol="0" anchor="ctr"/>
+          <a:lstStyle/>
+          <a:p>
+            <a:pPr algn="ctr" latinLnBrk="0">
+              <a:buClr>
+                <a:srgbClr val="000000"/>
+              </a:buClr>
+              <a:buFont typeface="Arial"/>
+              <a:buNone/>
+            </a:pPr>
+            <a:endParaRPr lang="ko-KR" altLang="en-US" sz="1867" kern="0">
+              <a:solidFill>
+                <a:prstClr val="white"/>
+              </a:solidFill>
+              <a:sym typeface="Arial"/>
+            </a:endParaRPr>
+          </a:p>
+        </p:txBody>
+      </p:sp>
+      <p:sp>
+        <p:nvSpPr>
+          <p:cNvPr id="8" name="타원 7"/>
+          <p:cNvSpPr/>
+          <p:nvPr/>
+        </p:nvSpPr>
+        <p:spPr>
+          <a:xfrm>
+            <a:off x="576949" y="366664"/>
+            <a:ext cx="75276" cy="72000"/>
+          </a:xfrm>
+          <a:prstGeom prst="ellipse">
+            <a:avLst/>
+          </a:prstGeom>
+          <a:solidFill>
+            <a:srgbClr val="FF6189"/>
+          </a:solidFill>
+          <a:ln>
+            <a:noFill/>
+          </a:ln>
+        </p:spPr>
+        <p:style>
+          <a:lnRef idx="2">
+            <a:schemeClr val="accent1">
+              <a:shade val="50000"/>
+            </a:schemeClr>
+          </a:lnRef>
+          <a:fillRef idx="1">
+            <a:schemeClr val="accent1"/>
+          </a:fillRef>
+          <a:effectRef idx="0">
+            <a:schemeClr val="accent1"/>
+          </a:effectRef>
+          <a:fontRef idx="minor">
+            <a:schemeClr val="lt1"/>
+          </a:fontRef>
+        </p:style>
+        <p:txBody>
+          <a:bodyPr lIns="91440" tIns="45720" rIns="91440" bIns="45720" rtlCol="0" anchor="ctr"/>
+          <a:lstStyle/>
+          <a:p>
+            <a:pPr algn="ctr" latinLnBrk="0">
+              <a:buClr>
+                <a:srgbClr val="000000"/>
+              </a:buClr>
+              <a:buFont typeface="Arial"/>
+              <a:buNone/>
+            </a:pPr>
+            <a:endParaRPr lang="ko-KR" altLang="en-US" sz="1867" kern="0">
+              <a:solidFill>
+                <a:prstClr val="white"/>
+              </a:solidFill>
+              <a:sym typeface="Arial"/>
+            </a:endParaRPr>
+          </a:p>
+        </p:txBody>
+      </p:sp>
+      <p:sp>
+        <p:nvSpPr>
+          <p:cNvPr id="9" name="타원 8"/>
+          <p:cNvSpPr/>
+          <p:nvPr/>
+        </p:nvSpPr>
+        <p:spPr>
+          <a:xfrm>
+            <a:off x="766826" y="366664"/>
+            <a:ext cx="75276" cy="72000"/>
+          </a:xfrm>
+          <a:prstGeom prst="ellipse">
+            <a:avLst/>
+          </a:prstGeom>
+          <a:solidFill>
+            <a:srgbClr val="00B0F0"/>
+          </a:solidFill>
+          <a:ln>
+            <a:noFill/>
+          </a:ln>
+        </p:spPr>
+        <p:style>
+          <a:lnRef idx="2">
+            <a:schemeClr val="accent1">
+              <a:shade val="50000"/>
+            </a:schemeClr>
+          </a:lnRef>
+          <a:fillRef idx="1">
+            <a:schemeClr val="accent1"/>
+          </a:fillRef>
+          <a:effectRef idx="0">
+            <a:schemeClr val="accent1"/>
+          </a:effectRef>
+          <a:fontRef idx="minor">
+            <a:schemeClr val="lt1"/>
+          </a:fontRef>
+        </p:style>
+        <p:txBody>
+          <a:bodyPr lIns="91440" tIns="45720" rIns="91440" bIns="45720" rtlCol="0" anchor="ctr"/>
+          <a:lstStyle/>
+          <a:p>
+            <a:pPr algn="ctr" latinLnBrk="0">
+              <a:buClr>
+                <a:srgbClr val="000000"/>
+              </a:buClr>
+              <a:buFont typeface="Arial"/>
+              <a:buNone/>
+            </a:pPr>
+            <a:endParaRPr lang="ko-KR" altLang="en-US" sz="1867" kern="0">
+              <a:solidFill>
+                <a:prstClr val="white"/>
+              </a:solidFill>
+              <a:sym typeface="Arial"/>
+            </a:endParaRPr>
+          </a:p>
+        </p:txBody>
+      </p:sp>
+      <p:sp>
+        <p:nvSpPr>
+          <p:cNvPr id="10" name="타원 9"/>
+          <p:cNvSpPr/>
+          <p:nvPr/>
+        </p:nvSpPr>
+        <p:spPr>
+          <a:xfrm>
+            <a:off x="956703" y="366664"/>
+            <a:ext cx="75276" cy="72000"/>
+          </a:xfrm>
+          <a:prstGeom prst="ellipse">
+            <a:avLst/>
+          </a:prstGeom>
+          <a:solidFill>
+            <a:schemeClr val="accent4"/>
+          </a:solidFill>
+          <a:ln>
+            <a:noFill/>
+          </a:ln>
+        </p:spPr>
+        <p:style>
+          <a:lnRef idx="2">
+            <a:schemeClr val="accent1">
+              <a:shade val="50000"/>
+            </a:schemeClr>
+          </a:lnRef>
+          <a:fillRef idx="1">
+            <a:schemeClr val="accent1"/>
+          </a:fillRef>
+          <a:effectRef idx="0">
+            <a:schemeClr val="accent1"/>
+          </a:effectRef>
+          <a:fontRef idx="minor">
+            <a:schemeClr val="lt1"/>
+          </a:fontRef>
+        </p:style>
+        <p:txBody>
+          <a:bodyPr lIns="91440" tIns="45720" rIns="91440" bIns="45720" rtlCol="0" anchor="ctr"/>
+          <a:lstStyle/>
+          <a:p>
+            <a:pPr algn="ctr" latinLnBrk="0">
+              <a:buClr>
+                <a:srgbClr val="000000"/>
+              </a:buClr>
+              <a:buFont typeface="Arial"/>
+              <a:buNone/>
+            </a:pPr>
+            <a:endParaRPr lang="ko-KR" altLang="en-US" sz="1867" kern="0">
+              <a:solidFill>
+                <a:prstClr val="white"/>
+              </a:solidFill>
+              <a:sym typeface="Arial"/>
+            </a:endParaRPr>
+          </a:p>
+        </p:txBody>
+      </p:sp>
+      <p:sp>
+        <p:nvSpPr>
+          <p:cNvPr id="12" name="직사각형 11"/>
+          <p:cNvSpPr/>
+          <p:nvPr/>
+        </p:nvSpPr>
+        <p:spPr>
+          <a:xfrm>
+            <a:off x="1871531" y="626202"/>
+            <a:ext cx="7532965" cy="574966"/>
+          </a:xfrm>
+          <a:prstGeom prst="rect">
+            <a:avLst/>
+          </a:prstGeom>
+        </p:spPr>
+        <p:txBody>
+          <a:bodyPr wrap="square" lIns="91440" tIns="45720" rIns="91440" bIns="45720">
+            <a:spAutoFit/>
+          </a:bodyPr>
+          <a:lstStyle/>
+          <a:p>
+            <a:pPr latinLnBrk="0">
+              <a:lnSpc>
+                <a:spcPct val="150000"/>
+              </a:lnSpc>
+              <a:buClr>
+                <a:srgbClr val="000000"/>
+              </a:buClr>
+              <a:buFont typeface="Arial"/>
+              <a:buNone/>
+            </a:pPr>
+            <a:r>
+              <a:rPr lang="en-US" altLang="ko-KR" sz="2400" b="1" kern="0" dirty="0">
+                <a:solidFill>
+                  <a:srgbClr val="000000">
+                    <a:lumMod val="75000"/>
+                    <a:lumOff val="25000"/>
+                  </a:srgbClr>
+                </a:solidFill>
+                <a:latin typeface="맑은 고딕" panose="020B0503020000020004" pitchFamily="50" charset="-127"/>
+                <a:cs typeface="Arial"/>
+                <a:sym typeface="Arial"/>
+              </a:rPr>
+              <a:t>[ </a:t>
+            </a:r>
+            <a:r>
+              <a:rPr lang="ko-KR" altLang="en-US" sz="2400" b="1" kern="0" dirty="0">
+                <a:solidFill>
+                  <a:srgbClr val="000000">
+                    <a:lumMod val="75000"/>
+                    <a:lumOff val="25000"/>
+                  </a:srgbClr>
+                </a:solidFill>
+                <a:latin typeface="맑은 고딕" panose="020B0503020000020004" pitchFamily="50" charset="-127"/>
+                <a:cs typeface="Arial"/>
+                <a:sym typeface="Arial"/>
+              </a:rPr>
+              <a:t>화면구현 </a:t>
+            </a:r>
+            <a:r>
+              <a:rPr lang="en-US" altLang="ko-KR" sz="2400" b="1" kern="0" dirty="0">
+                <a:solidFill>
+                  <a:srgbClr val="000000">
+                    <a:lumMod val="75000"/>
+                    <a:lumOff val="25000"/>
+                  </a:srgbClr>
+                </a:solidFill>
+                <a:latin typeface="맑은 고딕" panose="020B0503020000020004" pitchFamily="50" charset="-127"/>
+                <a:cs typeface="Arial"/>
+                <a:sym typeface="Arial"/>
+              </a:rPr>
+              <a:t>] </a:t>
+            </a:r>
+            <a:r>
+              <a:rPr lang="ko-KR" altLang="en-US" sz="2400" b="1" kern="0" dirty="0">
+                <a:solidFill>
+                  <a:srgbClr val="000000">
+                    <a:lumMod val="75000"/>
+                    <a:lumOff val="25000"/>
+                  </a:srgbClr>
+                </a:solidFill>
+                <a:latin typeface="맑은 고딕" panose="020B0503020000020004" pitchFamily="50" charset="-127"/>
+                <a:cs typeface="Arial"/>
+                <a:sym typeface="Arial"/>
+              </a:rPr>
+              <a:t>프로젝트 목록 </a:t>
+            </a:r>
+            <a:r>
+              <a:rPr lang="en-US" altLang="ko-KR" sz="2400" b="1" kern="0" dirty="0">
+                <a:solidFill>
+                  <a:srgbClr val="000000">
+                    <a:lumMod val="75000"/>
+                    <a:lumOff val="25000"/>
+                  </a:srgbClr>
+                </a:solidFill>
+                <a:latin typeface="맑은 고딕" panose="020B0503020000020004" pitchFamily="50" charset="-127"/>
+                <a:cs typeface="Arial"/>
+                <a:sym typeface="Arial"/>
+              </a:rPr>
+              <a:t>– </a:t>
+            </a:r>
+            <a:r>
+              <a:rPr lang="ko-KR" altLang="en-US" sz="2400" b="1" kern="0" dirty="0" err="1">
+                <a:solidFill>
+                  <a:srgbClr val="000000">
+                    <a:lumMod val="75000"/>
+                    <a:lumOff val="25000"/>
+                  </a:srgbClr>
+                </a:solidFill>
+                <a:latin typeface="맑은 고딕" panose="020B0503020000020004" pitchFamily="50" charset="-127"/>
+                <a:cs typeface="Arial"/>
+                <a:sym typeface="Arial"/>
+              </a:rPr>
+              <a:t>펀딩</a:t>
+            </a:r>
+            <a:r>
+              <a:rPr lang="ko-KR" altLang="en-US" sz="2400" b="1" kern="0" dirty="0">
+                <a:solidFill>
+                  <a:srgbClr val="000000">
+                    <a:lumMod val="75000"/>
+                    <a:lumOff val="25000"/>
+                  </a:srgbClr>
+                </a:solidFill>
+                <a:latin typeface="맑은 고딕" panose="020B0503020000020004" pitchFamily="50" charset="-127"/>
+                <a:cs typeface="Arial"/>
+                <a:sym typeface="Arial"/>
+              </a:rPr>
+              <a:t> </a:t>
+            </a:r>
+            <a:r>
+              <a:rPr lang="en-US" altLang="ko-KR" sz="2400" b="1" kern="0" dirty="0">
+                <a:solidFill>
+                  <a:srgbClr val="000000">
+                    <a:lumMod val="75000"/>
+                    <a:lumOff val="25000"/>
+                  </a:srgbClr>
+                </a:solidFill>
+                <a:latin typeface="맑은 고딕" panose="020B0503020000020004" pitchFamily="50" charset="-127"/>
+                <a:cs typeface="Arial"/>
+                <a:sym typeface="Arial"/>
+              </a:rPr>
+              <a:t>– </a:t>
+            </a:r>
+            <a:r>
+              <a:rPr lang="ko-KR" altLang="en-US" sz="2400" b="1" kern="0" dirty="0">
+                <a:solidFill>
+                  <a:srgbClr val="000000">
+                    <a:lumMod val="75000"/>
+                    <a:lumOff val="25000"/>
+                  </a:srgbClr>
+                </a:solidFill>
+                <a:latin typeface="맑은 고딕" panose="020B0503020000020004" pitchFamily="50" charset="-127"/>
+                <a:cs typeface="Arial"/>
+                <a:sym typeface="Arial"/>
+              </a:rPr>
+              <a:t>사용자</a:t>
+            </a:r>
+            <a:endParaRPr lang="ko-KR" altLang="en-US" sz="2400" b="1" kern="0" dirty="0">
+              <a:solidFill>
+                <a:srgbClr val="000000">
+                  <a:lumMod val="75000"/>
+                  <a:lumOff val="25000"/>
+                </a:srgbClr>
+              </a:solidFill>
+              <a:latin typeface="맑은 고딕" panose="020B0503020000020004" pitchFamily="50" charset="-127"/>
+              <a:cs typeface="Arial"/>
+              <a:sym typeface="Arial"/>
+            </a:endParaRPr>
+          </a:p>
+        </p:txBody>
+      </p:sp>
+      <p:pic>
+        <p:nvPicPr>
+          <p:cNvPr id="11" name="그림 10"/>
+          <p:cNvPicPr>
+            <a:picLocks noChangeAspect="1"/>
+          </p:cNvPicPr>
+          <p:nvPr/>
+        </p:nvPicPr>
+        <p:blipFill>
+          <a:blip r:embed="rId2" cstate="print">
+            <a:extLst>
+              <a:ext uri="{28A0092B-C50C-407E-A947-70E740481C1C}">
+                <a14:useLocalDpi xmlns:a14="http://schemas.microsoft.com/office/drawing/2010/main" val="0"/>
+              </a:ext>
+            </a:extLst>
+          </a:blip>
+          <a:stretch>
+            <a:fillRect/>
+          </a:stretch>
+        </p:blipFill>
+        <p:spPr>
+          <a:xfrm>
+            <a:off x="994341" y="587441"/>
+            <a:ext cx="723852" cy="723852"/>
+          </a:xfrm>
+          <a:prstGeom prst="rect">
+            <a:avLst/>
+          </a:prstGeom>
+        </p:spPr>
+      </p:pic>
+      <p:pic>
+        <p:nvPicPr>
+          <p:cNvPr id="3" name="그림 2"/>
+          <p:cNvPicPr>
+            <a:picLocks noChangeAspect="1"/>
+          </p:cNvPicPr>
+          <p:nvPr/>
+        </p:nvPicPr>
+        <p:blipFill rotWithShape="1">
+          <a:blip r:embed="rId3"/>
+          <a:srcRect l="4778" r="6938" b="19800"/>
+          <a:stretch/>
+        </p:blipFill>
+        <p:spPr>
+          <a:xfrm>
+            <a:off x="766826" y="1505968"/>
+            <a:ext cx="7200000" cy="4815762"/>
+          </a:xfrm>
+          <a:prstGeom prst="rect">
+            <a:avLst/>
+          </a:prstGeom>
+        </p:spPr>
+      </p:pic>
+    </p:spTree>
+    <p:extLst>
+      <p:ext uri="{BB962C8B-B14F-4D97-AF65-F5344CB8AC3E}">
+        <p14:creationId xmlns:p14="http://schemas.microsoft.com/office/powerpoint/2010/main" val="1568410010"/>
+      </p:ext>
+    </p:extLst>
+  </p:cSld>
+  <p:clrMapOvr>
+    <a:masterClrMapping/>
+  </p:clrMapOvr>
+  <p:timing>
+    <p:tnLst>
+      <p:par>
+        <p:cTn id="1" dur="indefinite" restart="never" nodeType="tmRoot"/>
+      </p:par>
+    </p:tnLst>
+  </p:timing>
+</p:sld>
+</file>
+
+<file path=ppt/slides/slide15.xml><?xml version="1.0" encoding="utf-8"?>
+<p:sld xmlns:a="http://schemas.openxmlformats.org/drawingml/2006/main" xmlns:r="http://schemas.openxmlformats.org/officeDocument/2006/relationships" xmlns:p="http://schemas.openxmlformats.org/presentationml/2006/main">
+  <p:cSld>
+    <p:bg>
+      <p:bgPr>
+        <a:solidFill>
+          <a:srgbClr val="FF9E00"/>
+        </a:solidFill>
+        <a:effectLst/>
+      </p:bgPr>
+    </p:bg>
+    <p:spTree>
+      <p:nvGrpSpPr>
+        <p:cNvPr id="1" name=""/>
+        <p:cNvGrpSpPr/>
+        <p:nvPr/>
+      </p:nvGrpSpPr>
+      <p:grpSpPr>
+        <a:xfrm>
+          <a:off x="0" y="0"/>
+          <a:ext cx="0" cy="0"/>
+          <a:chOff x="0" y="0"/>
+          <a:chExt cx="0" cy="0"/>
+        </a:xfrm>
+      </p:grpSpPr>
+      <p:sp>
+        <p:nvSpPr>
+          <p:cNvPr id="6" name="양쪽 모서리가 둥근 사각형 5"/>
+          <p:cNvSpPr/>
+          <p:nvPr/>
+        </p:nvSpPr>
+        <p:spPr>
+          <a:xfrm>
+            <a:off x="143339" y="548680"/>
+            <a:ext cx="11905323" cy="6144683"/>
+          </a:xfrm>
+          <a:prstGeom prst="round2SameRect">
+            <a:avLst>
+              <a:gd name="adj1" fmla="val 0"/>
+              <a:gd name="adj2" fmla="val 2405"/>
+            </a:avLst>
+          </a:prstGeom>
+          <a:solidFill>
+            <a:schemeClr val="bg1"/>
+          </a:solidFill>
+          <a:ln>
+            <a:noFill/>
+          </a:ln>
+          <a:effectLst>
+            <a:outerShdw dist="254000" dir="5400000" sx="97000" sy="97000" algn="t" rotWithShape="0">
+              <a:prstClr val="black">
+                <a:alpha val="40000"/>
+              </a:prstClr>
+            </a:outerShdw>
+          </a:effectLst>
+        </p:spPr>
+        <p:style>
+          <a:lnRef idx="2">
+            <a:schemeClr val="accent1">
+              <a:shade val="50000"/>
+            </a:schemeClr>
+          </a:lnRef>
+          <a:fillRef idx="1">
+            <a:schemeClr val="accent1"/>
+          </a:fillRef>
+          <a:effectRef idx="0">
+            <a:schemeClr val="accent1"/>
+          </a:effectRef>
+          <a:fontRef idx="minor">
+            <a:schemeClr val="lt1"/>
+          </a:fontRef>
+        </p:style>
+        <p:txBody>
+          <a:bodyPr lIns="91440" tIns="45720" rIns="91440" bIns="45720" rtlCol="0" anchor="ctr"/>
+          <a:lstStyle/>
+          <a:p>
+            <a:pPr algn="ctr" latinLnBrk="0">
+              <a:buClr>
+                <a:srgbClr val="000000"/>
+              </a:buClr>
+              <a:buFont typeface="Arial"/>
+              <a:buNone/>
+            </a:pPr>
+            <a:endParaRPr lang="ko-KR" altLang="en-US" sz="1867" kern="0">
+              <a:solidFill>
+                <a:prstClr val="white"/>
+              </a:solidFill>
+              <a:sym typeface="Arial"/>
+            </a:endParaRPr>
+          </a:p>
+        </p:txBody>
+      </p:sp>
+      <p:sp>
+        <p:nvSpPr>
+          <p:cNvPr id="5" name="양쪽 모서리가 둥근 사각형 4"/>
+          <p:cNvSpPr/>
+          <p:nvPr/>
+        </p:nvSpPr>
+        <p:spPr>
+          <a:xfrm>
+            <a:off x="143339" y="243880"/>
+            <a:ext cx="11905323" cy="304800"/>
+          </a:xfrm>
+          <a:prstGeom prst="round2SameRect">
+            <a:avLst>
+              <a:gd name="adj1" fmla="val 44667"/>
+              <a:gd name="adj2" fmla="val 0"/>
+            </a:avLst>
+          </a:prstGeom>
+          <a:solidFill>
+            <a:srgbClr val="411F42"/>
+          </a:solidFill>
+          <a:ln>
+            <a:noFill/>
+          </a:ln>
+          <a:effectLst>
+            <a:outerShdw dist="76200" dir="16200000" sx="97000" sy="97000" rotWithShape="0">
+              <a:prstClr val="black">
+                <a:alpha val="40000"/>
+              </a:prstClr>
+            </a:outerShdw>
+          </a:effectLst>
+        </p:spPr>
+        <p:style>
+          <a:lnRef idx="2">
+            <a:schemeClr val="accent1">
+              <a:shade val="50000"/>
+            </a:schemeClr>
+          </a:lnRef>
+          <a:fillRef idx="1">
+            <a:schemeClr val="accent1"/>
+          </a:fillRef>
+          <a:effectRef idx="0">
+            <a:schemeClr val="accent1"/>
+          </a:effectRef>
+          <a:fontRef idx="minor">
+            <a:schemeClr val="lt1"/>
+          </a:fontRef>
+        </p:style>
+        <p:txBody>
+          <a:bodyPr lIns="91440" tIns="45720" rIns="91440" bIns="45720" rtlCol="0" anchor="ctr"/>
+          <a:lstStyle/>
+          <a:p>
+            <a:pPr algn="ctr" latinLnBrk="0">
+              <a:buClr>
+                <a:srgbClr val="000000"/>
+              </a:buClr>
+              <a:buFont typeface="Arial"/>
+              <a:buNone/>
+            </a:pPr>
+            <a:endParaRPr lang="ko-KR" altLang="en-US" sz="1867" kern="0">
+              <a:solidFill>
+                <a:prstClr val="white"/>
+              </a:solidFill>
+              <a:sym typeface="Arial"/>
+            </a:endParaRPr>
+          </a:p>
+        </p:txBody>
+      </p:sp>
+      <p:sp>
+        <p:nvSpPr>
+          <p:cNvPr id="7" name="직사각형 6"/>
+          <p:cNvSpPr/>
+          <p:nvPr/>
+        </p:nvSpPr>
+        <p:spPr>
+          <a:xfrm>
+            <a:off x="935120" y="366664"/>
+            <a:ext cx="10613801" cy="72000"/>
+          </a:xfrm>
+          <a:prstGeom prst="rect">
+            <a:avLst/>
+          </a:prstGeom>
+          <a:solidFill>
+            <a:schemeClr val="bg1"/>
+          </a:solidFill>
+          <a:ln>
+            <a:noFill/>
+          </a:ln>
+        </p:spPr>
+        <p:style>
+          <a:lnRef idx="2">
+            <a:schemeClr val="accent1">
+              <a:shade val="50000"/>
+            </a:schemeClr>
+          </a:lnRef>
+          <a:fillRef idx="1">
+            <a:schemeClr val="accent1"/>
+          </a:fillRef>
+          <a:effectRef idx="0">
+            <a:schemeClr val="accent1"/>
+          </a:effectRef>
+          <a:fontRef idx="minor">
+            <a:schemeClr val="lt1"/>
+          </a:fontRef>
+        </p:style>
+        <p:txBody>
+          <a:bodyPr lIns="91440" tIns="45720" rIns="91440" bIns="45720" rtlCol="0" anchor="ctr"/>
+          <a:lstStyle/>
+          <a:p>
+            <a:pPr algn="ctr" latinLnBrk="0">
+              <a:buClr>
+                <a:srgbClr val="000000"/>
+              </a:buClr>
+              <a:buFont typeface="Arial"/>
+              <a:buNone/>
+            </a:pPr>
+            <a:endParaRPr lang="ko-KR" altLang="en-US" sz="1867" kern="0">
+              <a:solidFill>
+                <a:prstClr val="white"/>
+              </a:solidFill>
+              <a:sym typeface="Arial"/>
+            </a:endParaRPr>
+          </a:p>
+        </p:txBody>
+      </p:sp>
+      <p:sp>
+        <p:nvSpPr>
+          <p:cNvPr id="8" name="타원 7"/>
+          <p:cNvSpPr/>
+          <p:nvPr/>
+        </p:nvSpPr>
+        <p:spPr>
+          <a:xfrm>
+            <a:off x="576949" y="366664"/>
+            <a:ext cx="75276" cy="72000"/>
+          </a:xfrm>
+          <a:prstGeom prst="ellipse">
+            <a:avLst/>
+          </a:prstGeom>
+          <a:solidFill>
+            <a:srgbClr val="FF6189"/>
+          </a:solidFill>
+          <a:ln>
+            <a:noFill/>
+          </a:ln>
+        </p:spPr>
+        <p:style>
+          <a:lnRef idx="2">
+            <a:schemeClr val="accent1">
+              <a:shade val="50000"/>
+            </a:schemeClr>
+          </a:lnRef>
+          <a:fillRef idx="1">
+            <a:schemeClr val="accent1"/>
+          </a:fillRef>
+          <a:effectRef idx="0">
+            <a:schemeClr val="accent1"/>
+          </a:effectRef>
+          <a:fontRef idx="minor">
+            <a:schemeClr val="lt1"/>
+          </a:fontRef>
+        </p:style>
+        <p:txBody>
+          <a:bodyPr lIns="91440" tIns="45720" rIns="91440" bIns="45720" rtlCol="0" anchor="ctr"/>
+          <a:lstStyle/>
+          <a:p>
+            <a:pPr algn="ctr" latinLnBrk="0">
+              <a:buClr>
+                <a:srgbClr val="000000"/>
+              </a:buClr>
+              <a:buFont typeface="Arial"/>
+              <a:buNone/>
+            </a:pPr>
+            <a:endParaRPr lang="ko-KR" altLang="en-US" sz="1867" kern="0">
+              <a:solidFill>
+                <a:prstClr val="white"/>
+              </a:solidFill>
+              <a:sym typeface="Arial"/>
+            </a:endParaRPr>
+          </a:p>
+        </p:txBody>
+      </p:sp>
+      <p:sp>
+        <p:nvSpPr>
+          <p:cNvPr id="9" name="타원 8"/>
+          <p:cNvSpPr/>
+          <p:nvPr/>
+        </p:nvSpPr>
+        <p:spPr>
+          <a:xfrm>
+            <a:off x="766826" y="366664"/>
+            <a:ext cx="75276" cy="72000"/>
+          </a:xfrm>
+          <a:prstGeom prst="ellipse">
+            <a:avLst/>
+          </a:prstGeom>
+          <a:solidFill>
+            <a:srgbClr val="00B0F0"/>
+          </a:solidFill>
+          <a:ln>
+            <a:noFill/>
+          </a:ln>
+        </p:spPr>
+        <p:style>
+          <a:lnRef idx="2">
+            <a:schemeClr val="accent1">
+              <a:shade val="50000"/>
+            </a:schemeClr>
+          </a:lnRef>
+          <a:fillRef idx="1">
+            <a:schemeClr val="accent1"/>
+          </a:fillRef>
+          <a:effectRef idx="0">
+            <a:schemeClr val="accent1"/>
+          </a:effectRef>
+          <a:fontRef idx="minor">
+            <a:schemeClr val="lt1"/>
+          </a:fontRef>
+        </p:style>
+        <p:txBody>
+          <a:bodyPr lIns="91440" tIns="45720" rIns="91440" bIns="45720" rtlCol="0" anchor="ctr"/>
+          <a:lstStyle/>
+          <a:p>
+            <a:pPr algn="ctr" latinLnBrk="0">
+              <a:buClr>
+                <a:srgbClr val="000000"/>
+              </a:buClr>
+              <a:buFont typeface="Arial"/>
+              <a:buNone/>
+            </a:pPr>
+            <a:endParaRPr lang="ko-KR" altLang="en-US" sz="1867" kern="0">
+              <a:solidFill>
+                <a:prstClr val="white"/>
+              </a:solidFill>
+              <a:sym typeface="Arial"/>
+            </a:endParaRPr>
+          </a:p>
+        </p:txBody>
+      </p:sp>
+      <p:sp>
+        <p:nvSpPr>
+          <p:cNvPr id="10" name="타원 9"/>
+          <p:cNvSpPr/>
+          <p:nvPr/>
+        </p:nvSpPr>
+        <p:spPr>
+          <a:xfrm>
+            <a:off x="956703" y="366664"/>
+            <a:ext cx="75276" cy="72000"/>
+          </a:xfrm>
+          <a:prstGeom prst="ellipse">
+            <a:avLst/>
+          </a:prstGeom>
+          <a:solidFill>
+            <a:schemeClr val="accent4"/>
+          </a:solidFill>
+          <a:ln>
+            <a:noFill/>
+          </a:ln>
+        </p:spPr>
+        <p:style>
+          <a:lnRef idx="2">
+            <a:schemeClr val="accent1">
+              <a:shade val="50000"/>
+            </a:schemeClr>
+          </a:lnRef>
+          <a:fillRef idx="1">
+            <a:schemeClr val="accent1"/>
+          </a:fillRef>
+          <a:effectRef idx="0">
+            <a:schemeClr val="accent1"/>
+          </a:effectRef>
+          <a:fontRef idx="minor">
+            <a:schemeClr val="lt1"/>
+          </a:fontRef>
+        </p:style>
+        <p:txBody>
+          <a:bodyPr lIns="91440" tIns="45720" rIns="91440" bIns="45720" rtlCol="0" anchor="ctr"/>
+          <a:lstStyle/>
+          <a:p>
+            <a:pPr algn="ctr" latinLnBrk="0">
+              <a:buClr>
+                <a:srgbClr val="000000"/>
+              </a:buClr>
+              <a:buFont typeface="Arial"/>
+              <a:buNone/>
+            </a:pPr>
+            <a:endParaRPr lang="ko-KR" altLang="en-US" sz="1867" kern="0">
+              <a:solidFill>
+                <a:prstClr val="white"/>
+              </a:solidFill>
+              <a:sym typeface="Arial"/>
+            </a:endParaRPr>
+          </a:p>
+        </p:txBody>
+      </p:sp>
+      <p:sp>
+        <p:nvSpPr>
+          <p:cNvPr id="12" name="직사각형 11"/>
+          <p:cNvSpPr/>
+          <p:nvPr/>
+        </p:nvSpPr>
+        <p:spPr>
+          <a:xfrm>
+            <a:off x="1871531" y="626202"/>
+            <a:ext cx="7532965" cy="574966"/>
+          </a:xfrm>
+          <a:prstGeom prst="rect">
+            <a:avLst/>
+          </a:prstGeom>
+        </p:spPr>
+        <p:txBody>
+          <a:bodyPr wrap="square" lIns="91440" tIns="45720" rIns="91440" bIns="45720">
+            <a:spAutoFit/>
+          </a:bodyPr>
+          <a:lstStyle/>
+          <a:p>
+            <a:pPr latinLnBrk="0">
+              <a:lnSpc>
+                <a:spcPct val="150000"/>
+              </a:lnSpc>
+              <a:buClr>
+                <a:srgbClr val="000000"/>
+              </a:buClr>
+              <a:buFont typeface="Arial"/>
+              <a:buNone/>
+            </a:pPr>
+            <a:r>
+              <a:rPr lang="en-US" altLang="ko-KR" sz="2400" b="1" kern="0" dirty="0">
+                <a:solidFill>
+                  <a:srgbClr val="000000">
+                    <a:lumMod val="75000"/>
+                    <a:lumOff val="25000"/>
+                  </a:srgbClr>
+                </a:solidFill>
+                <a:latin typeface="맑은 고딕" panose="020B0503020000020004" pitchFamily="50" charset="-127"/>
+                <a:cs typeface="Arial"/>
+                <a:sym typeface="Arial"/>
+              </a:rPr>
+              <a:t>[ </a:t>
+            </a:r>
+            <a:r>
+              <a:rPr lang="ko-KR" altLang="en-US" sz="2400" b="1" kern="0" dirty="0">
+                <a:solidFill>
+                  <a:srgbClr val="000000">
+                    <a:lumMod val="75000"/>
+                    <a:lumOff val="25000"/>
+                  </a:srgbClr>
+                </a:solidFill>
+                <a:latin typeface="맑은 고딕" panose="020B0503020000020004" pitchFamily="50" charset="-127"/>
+                <a:cs typeface="Arial"/>
+                <a:sym typeface="Arial"/>
+              </a:rPr>
+              <a:t>화면구현 </a:t>
+            </a:r>
+            <a:r>
+              <a:rPr lang="en-US" altLang="ko-KR" sz="2400" b="1" kern="0" dirty="0">
+                <a:solidFill>
+                  <a:srgbClr val="000000">
+                    <a:lumMod val="75000"/>
+                    <a:lumOff val="25000"/>
+                  </a:srgbClr>
+                </a:solidFill>
+                <a:latin typeface="맑은 고딕" panose="020B0503020000020004" pitchFamily="50" charset="-127"/>
+                <a:cs typeface="Arial"/>
+                <a:sym typeface="Arial"/>
+              </a:rPr>
+              <a:t>] </a:t>
+            </a:r>
+            <a:r>
+              <a:rPr lang="ko-KR" altLang="en-US" sz="2400" b="1" kern="0" dirty="0">
+                <a:solidFill>
+                  <a:srgbClr val="000000">
+                    <a:lumMod val="75000"/>
+                    <a:lumOff val="25000"/>
+                  </a:srgbClr>
+                </a:solidFill>
+                <a:latin typeface="맑은 고딕" panose="020B0503020000020004" pitchFamily="50" charset="-127"/>
+                <a:cs typeface="Arial"/>
+                <a:sym typeface="Arial"/>
+              </a:rPr>
+              <a:t>프로젝트 목록 </a:t>
+            </a:r>
+            <a:r>
+              <a:rPr lang="en-US" altLang="ko-KR" sz="2400" b="1" kern="0" dirty="0">
+                <a:solidFill>
+                  <a:srgbClr val="000000">
+                    <a:lumMod val="75000"/>
+                    <a:lumOff val="25000"/>
+                  </a:srgbClr>
+                </a:solidFill>
+                <a:latin typeface="맑은 고딕" panose="020B0503020000020004" pitchFamily="50" charset="-127"/>
+                <a:cs typeface="Arial"/>
+                <a:sym typeface="Arial"/>
+              </a:rPr>
+              <a:t>– </a:t>
+            </a:r>
+            <a:r>
+              <a:rPr lang="ko-KR" altLang="en-US" sz="2400" b="1" kern="0" dirty="0" err="1">
+                <a:solidFill>
+                  <a:srgbClr val="000000">
+                    <a:lumMod val="75000"/>
+                    <a:lumOff val="25000"/>
+                  </a:srgbClr>
+                </a:solidFill>
+                <a:latin typeface="맑은 고딕" panose="020B0503020000020004" pitchFamily="50" charset="-127"/>
+                <a:cs typeface="Arial"/>
+                <a:sym typeface="Arial"/>
+              </a:rPr>
+              <a:t>펀딩</a:t>
+            </a:r>
+            <a:r>
+              <a:rPr lang="ko-KR" altLang="en-US" sz="2400" b="1" kern="0" dirty="0">
+                <a:solidFill>
+                  <a:srgbClr val="000000">
+                    <a:lumMod val="75000"/>
+                    <a:lumOff val="25000"/>
+                  </a:srgbClr>
+                </a:solidFill>
+                <a:latin typeface="맑은 고딕" panose="020B0503020000020004" pitchFamily="50" charset="-127"/>
+                <a:cs typeface="Arial"/>
+                <a:sym typeface="Arial"/>
+              </a:rPr>
+              <a:t> </a:t>
+            </a:r>
+            <a:r>
+              <a:rPr lang="en-US" altLang="ko-KR" sz="2400" b="1" kern="0" dirty="0">
+                <a:solidFill>
+                  <a:srgbClr val="000000">
+                    <a:lumMod val="75000"/>
+                    <a:lumOff val="25000"/>
+                  </a:srgbClr>
+                </a:solidFill>
+                <a:latin typeface="맑은 고딕" panose="020B0503020000020004" pitchFamily="50" charset="-127"/>
+                <a:cs typeface="Arial"/>
+                <a:sym typeface="Arial"/>
+              </a:rPr>
+              <a:t>– </a:t>
+            </a:r>
+            <a:r>
+              <a:rPr lang="ko-KR" altLang="en-US" sz="2400" b="1" kern="0" dirty="0">
+                <a:solidFill>
+                  <a:srgbClr val="000000">
+                    <a:lumMod val="75000"/>
+                    <a:lumOff val="25000"/>
+                  </a:srgbClr>
+                </a:solidFill>
+                <a:latin typeface="맑은 고딕" panose="020B0503020000020004" pitchFamily="50" charset="-127"/>
+                <a:cs typeface="Arial"/>
+                <a:sym typeface="Arial"/>
+              </a:rPr>
+              <a:t>사용자</a:t>
+            </a:r>
+            <a:endParaRPr lang="ko-KR" altLang="en-US" sz="2400" b="1" kern="0" dirty="0">
+              <a:solidFill>
+                <a:srgbClr val="000000">
+                  <a:lumMod val="75000"/>
+                  <a:lumOff val="25000"/>
+                </a:srgbClr>
+              </a:solidFill>
+              <a:latin typeface="맑은 고딕" panose="020B0503020000020004" pitchFamily="50" charset="-127"/>
+              <a:cs typeface="Arial"/>
+              <a:sym typeface="Arial"/>
+            </a:endParaRPr>
+          </a:p>
+        </p:txBody>
+      </p:sp>
+      <p:pic>
+        <p:nvPicPr>
+          <p:cNvPr id="11" name="그림 10"/>
+          <p:cNvPicPr>
+            <a:picLocks noChangeAspect="1"/>
+          </p:cNvPicPr>
+          <p:nvPr/>
+        </p:nvPicPr>
+        <p:blipFill>
+          <a:blip r:embed="rId2" cstate="print">
+            <a:extLst>
+              <a:ext uri="{28A0092B-C50C-407E-A947-70E740481C1C}">
+                <a14:useLocalDpi xmlns:a14="http://schemas.microsoft.com/office/drawing/2010/main" val="0"/>
+              </a:ext>
+            </a:extLst>
+          </a:blip>
+          <a:stretch>
+            <a:fillRect/>
+          </a:stretch>
+        </p:blipFill>
+        <p:spPr>
+          <a:xfrm>
+            <a:off x="994341" y="587441"/>
+            <a:ext cx="723852" cy="723852"/>
+          </a:xfrm>
+          <a:prstGeom prst="rect">
+            <a:avLst/>
+          </a:prstGeom>
+        </p:spPr>
+      </p:pic>
+      <p:pic>
+        <p:nvPicPr>
+          <p:cNvPr id="2" name="그림 1"/>
+          <p:cNvPicPr>
+            <a:picLocks noChangeAspect="1"/>
+          </p:cNvPicPr>
+          <p:nvPr/>
+        </p:nvPicPr>
+        <p:blipFill rotWithShape="1">
+          <a:blip r:embed="rId3"/>
+          <a:srcRect t="16933"/>
+          <a:stretch/>
+        </p:blipFill>
+        <p:spPr>
+          <a:xfrm>
+            <a:off x="766826" y="1787610"/>
+            <a:ext cx="7200000" cy="4216850"/>
+          </a:xfrm>
+          <a:prstGeom prst="rect">
+            <a:avLst/>
+          </a:prstGeom>
+        </p:spPr>
+      </p:pic>
+    </p:spTree>
+    <p:extLst>
+      <p:ext uri="{BB962C8B-B14F-4D97-AF65-F5344CB8AC3E}">
+        <p14:creationId xmlns:p14="http://schemas.microsoft.com/office/powerpoint/2010/main" val="3983665349"/>
+      </p:ext>
+    </p:extLst>
+  </p:cSld>
+  <p:clrMapOvr>
+    <a:masterClrMapping/>
+  </p:clrMapOvr>
+  <p:timing>
+    <p:tnLst>
+      <p:par>
+        <p:cTn id="1" dur="indefinite" restart="never" nodeType="tmRoot"/>
+      </p:par>
+    </p:tnLst>
+  </p:timing>
+</p:sld>
+</file>
+
+<file path=ppt/slides/slide16.xml><?xml version="1.0" encoding="utf-8"?>
+<p:sld xmlns:a="http://schemas.openxmlformats.org/drawingml/2006/main" xmlns:r="http://schemas.openxmlformats.org/officeDocument/2006/relationships" xmlns:p="http://schemas.openxmlformats.org/presentationml/2006/main">
+  <p:cSld>
+    <p:spTree>
+      <p:nvGrpSpPr>
+        <p:cNvPr id="1" name=""/>
+        <p:cNvGrpSpPr/>
+        <p:nvPr/>
+      </p:nvGrpSpPr>
+      <p:grpSpPr>
+        <a:xfrm>
+          <a:off x="0" y="0"/>
+          <a:ext cx="0" cy="0"/>
+          <a:chOff x="0" y="0"/>
+          <a:chExt cx="0" cy="0"/>
+        </a:xfrm>
+      </p:grpSpPr>
+      <p:sp>
+        <p:nvSpPr>
+          <p:cNvPr id="6" name="양쪽 모서리가 둥근 사각형 5"/>
+          <p:cNvSpPr/>
+          <p:nvPr/>
+        </p:nvSpPr>
+        <p:spPr>
+          <a:xfrm>
+            <a:off x="143339" y="548680"/>
+            <a:ext cx="11905323" cy="6144683"/>
+          </a:xfrm>
+          <a:prstGeom prst="round2SameRect">
+            <a:avLst>
+              <a:gd name="adj1" fmla="val 0"/>
+              <a:gd name="adj2" fmla="val 2405"/>
+            </a:avLst>
+          </a:prstGeom>
+          <a:solidFill>
+            <a:schemeClr val="bg1"/>
+          </a:solidFill>
+          <a:ln>
+            <a:noFill/>
+          </a:ln>
+          <a:effectLst>
+            <a:outerShdw dist="254000" dir="5400000" sx="97000" sy="97000" algn="t" rotWithShape="0">
+              <a:prstClr val="black">
+                <a:alpha val="40000"/>
+              </a:prstClr>
+            </a:outerShdw>
+          </a:effectLst>
+        </p:spPr>
+        <p:style>
+          <a:lnRef idx="2">
+            <a:schemeClr val="accent1">
+              <a:shade val="50000"/>
+            </a:schemeClr>
+          </a:lnRef>
+          <a:fillRef idx="1">
+            <a:schemeClr val="accent1"/>
+          </a:fillRef>
+          <a:effectRef idx="0">
+            <a:schemeClr val="accent1"/>
+          </a:effectRef>
+          <a:fontRef idx="minor">
+            <a:schemeClr val="lt1"/>
+          </a:fontRef>
+        </p:style>
+        <p:txBody>
+          <a:bodyPr lIns="91440" tIns="45720" rIns="91440" bIns="45720" rtlCol="0" anchor="ctr"/>
+          <a:lstStyle/>
+          <a:p>
+            <a:pPr algn="ctr" latinLnBrk="0">
+              <a:buClr>
+                <a:srgbClr val="000000"/>
+              </a:buClr>
+              <a:buFont typeface="Arial"/>
+              <a:buNone/>
+            </a:pPr>
+            <a:endParaRPr lang="ko-KR" altLang="en-US" sz="1867" kern="0" dirty="0">
+              <a:solidFill>
+                <a:prstClr val="white"/>
+              </a:solidFill>
+              <a:sym typeface="Arial"/>
+            </a:endParaRPr>
+          </a:p>
+        </p:txBody>
+      </p:sp>
+      <p:sp>
+        <p:nvSpPr>
+          <p:cNvPr id="5" name="양쪽 모서리가 둥근 사각형 4"/>
+          <p:cNvSpPr/>
+          <p:nvPr/>
+        </p:nvSpPr>
+        <p:spPr>
+          <a:xfrm>
+            <a:off x="143339" y="243880"/>
+            <a:ext cx="11905323" cy="304800"/>
+          </a:xfrm>
+          <a:prstGeom prst="round2SameRect">
+            <a:avLst>
+              <a:gd name="adj1" fmla="val 44667"/>
+              <a:gd name="adj2" fmla="val 0"/>
+            </a:avLst>
+          </a:prstGeom>
+          <a:solidFill>
+            <a:srgbClr val="411F42"/>
+          </a:solidFill>
+          <a:ln>
+            <a:noFill/>
+          </a:ln>
+          <a:effectLst>
+            <a:outerShdw dist="76200" dir="16200000" sx="97000" sy="97000" rotWithShape="0">
+              <a:prstClr val="black">
+                <a:alpha val="40000"/>
+              </a:prstClr>
+            </a:outerShdw>
+          </a:effectLst>
+        </p:spPr>
+        <p:style>
+          <a:lnRef idx="2">
+            <a:schemeClr val="accent1">
+              <a:shade val="50000"/>
+            </a:schemeClr>
+          </a:lnRef>
+          <a:fillRef idx="1">
+            <a:schemeClr val="accent1"/>
+          </a:fillRef>
+          <a:effectRef idx="0">
+            <a:schemeClr val="accent1"/>
+          </a:effectRef>
+          <a:fontRef idx="minor">
+            <a:schemeClr val="lt1"/>
+          </a:fontRef>
+        </p:style>
+        <p:txBody>
+          <a:bodyPr lIns="91440" tIns="45720" rIns="91440" bIns="45720" rtlCol="0" anchor="ctr"/>
+          <a:lstStyle/>
+          <a:p>
+            <a:pPr algn="ctr" latinLnBrk="0">
+              <a:buClr>
+                <a:srgbClr val="000000"/>
+              </a:buClr>
+              <a:buFont typeface="Arial"/>
+              <a:buNone/>
+            </a:pPr>
+            <a:endParaRPr lang="ko-KR" altLang="en-US" sz="1867" kern="0">
+              <a:solidFill>
+                <a:prstClr val="white"/>
+              </a:solidFill>
+              <a:sym typeface="Arial"/>
+            </a:endParaRPr>
+          </a:p>
+        </p:txBody>
+      </p:sp>
+      <p:sp>
+        <p:nvSpPr>
+          <p:cNvPr id="7" name="직사각형 6"/>
+          <p:cNvSpPr/>
+          <p:nvPr/>
+        </p:nvSpPr>
+        <p:spPr>
+          <a:xfrm>
+            <a:off x="935120" y="366664"/>
+            <a:ext cx="10613801" cy="72000"/>
+          </a:xfrm>
+          <a:prstGeom prst="rect">
+            <a:avLst/>
+          </a:prstGeom>
+          <a:solidFill>
+            <a:schemeClr val="bg1"/>
+          </a:solidFill>
+          <a:ln>
+            <a:noFill/>
+          </a:ln>
+        </p:spPr>
+        <p:style>
+          <a:lnRef idx="2">
+            <a:schemeClr val="accent1">
+              <a:shade val="50000"/>
+            </a:schemeClr>
+          </a:lnRef>
+          <a:fillRef idx="1">
+            <a:schemeClr val="accent1"/>
+          </a:fillRef>
+          <a:effectRef idx="0">
+            <a:schemeClr val="accent1"/>
+          </a:effectRef>
+          <a:fontRef idx="minor">
+            <a:schemeClr val="lt1"/>
+          </a:fontRef>
+        </p:style>
+        <p:txBody>
+          <a:bodyPr lIns="91440" tIns="45720" rIns="91440" bIns="45720" rtlCol="0" anchor="ctr"/>
+          <a:lstStyle/>
+          <a:p>
+            <a:pPr algn="ctr" latinLnBrk="0">
+              <a:buClr>
+                <a:srgbClr val="000000"/>
+              </a:buClr>
+              <a:buFont typeface="Arial"/>
+              <a:buNone/>
+            </a:pPr>
+            <a:endParaRPr lang="ko-KR" altLang="en-US" sz="1867" kern="0">
+              <a:solidFill>
+                <a:prstClr val="white"/>
+              </a:solidFill>
+              <a:sym typeface="Arial"/>
+            </a:endParaRPr>
+          </a:p>
+        </p:txBody>
+      </p:sp>
+      <p:sp>
+        <p:nvSpPr>
+          <p:cNvPr id="8" name="타원 7"/>
+          <p:cNvSpPr/>
+          <p:nvPr/>
+        </p:nvSpPr>
+        <p:spPr>
+          <a:xfrm>
+            <a:off x="576949" y="366664"/>
+            <a:ext cx="75276" cy="72000"/>
+          </a:xfrm>
+          <a:prstGeom prst="ellipse">
+            <a:avLst/>
+          </a:prstGeom>
+          <a:solidFill>
+            <a:srgbClr val="FF6189"/>
+          </a:solidFill>
+          <a:ln>
+            <a:noFill/>
+          </a:ln>
+        </p:spPr>
+        <p:style>
+          <a:lnRef idx="2">
+            <a:schemeClr val="accent1">
+              <a:shade val="50000"/>
+            </a:schemeClr>
+          </a:lnRef>
+          <a:fillRef idx="1">
+            <a:schemeClr val="accent1"/>
+          </a:fillRef>
+          <a:effectRef idx="0">
+            <a:schemeClr val="accent1"/>
+          </a:effectRef>
+          <a:fontRef idx="minor">
+            <a:schemeClr val="lt1"/>
+          </a:fontRef>
+        </p:style>
+        <p:txBody>
+          <a:bodyPr lIns="91440" tIns="45720" rIns="91440" bIns="45720" rtlCol="0" anchor="ctr"/>
+          <a:lstStyle/>
+          <a:p>
+            <a:pPr algn="ctr" latinLnBrk="0">
+              <a:buClr>
+                <a:srgbClr val="000000"/>
+              </a:buClr>
+              <a:buFont typeface="Arial"/>
+              <a:buNone/>
+            </a:pPr>
+            <a:endParaRPr lang="ko-KR" altLang="en-US" sz="1867" kern="0">
+              <a:solidFill>
+                <a:prstClr val="white"/>
+              </a:solidFill>
+              <a:sym typeface="Arial"/>
+            </a:endParaRPr>
+          </a:p>
+        </p:txBody>
+      </p:sp>
+      <p:sp>
+        <p:nvSpPr>
+          <p:cNvPr id="9" name="타원 8"/>
+          <p:cNvSpPr/>
+          <p:nvPr/>
+        </p:nvSpPr>
+        <p:spPr>
+          <a:xfrm>
+            <a:off x="766826" y="366664"/>
+            <a:ext cx="75276" cy="72000"/>
+          </a:xfrm>
+          <a:prstGeom prst="ellipse">
+            <a:avLst/>
+          </a:prstGeom>
+          <a:solidFill>
+            <a:srgbClr val="00B0F0"/>
+          </a:solidFill>
+          <a:ln>
+            <a:noFill/>
+          </a:ln>
+        </p:spPr>
+        <p:style>
+          <a:lnRef idx="2">
+            <a:schemeClr val="accent1">
+              <a:shade val="50000"/>
+            </a:schemeClr>
+          </a:lnRef>
+          <a:fillRef idx="1">
+            <a:schemeClr val="accent1"/>
+          </a:fillRef>
+          <a:effectRef idx="0">
+            <a:schemeClr val="accent1"/>
+          </a:effectRef>
+          <a:fontRef idx="minor">
+            <a:schemeClr val="lt1"/>
+          </a:fontRef>
+        </p:style>
+        <p:txBody>
+          <a:bodyPr lIns="91440" tIns="45720" rIns="91440" bIns="45720" rtlCol="0" anchor="ctr"/>
+          <a:lstStyle/>
+          <a:p>
+            <a:pPr algn="ctr" latinLnBrk="0">
+              <a:buClr>
+                <a:srgbClr val="000000"/>
+              </a:buClr>
+              <a:buFont typeface="Arial"/>
+              <a:buNone/>
+            </a:pPr>
+            <a:endParaRPr lang="ko-KR" altLang="en-US" sz="1867" kern="0">
+              <a:solidFill>
+                <a:prstClr val="white"/>
+              </a:solidFill>
+              <a:sym typeface="Arial"/>
+            </a:endParaRPr>
+          </a:p>
+        </p:txBody>
+      </p:sp>
+      <p:sp>
+        <p:nvSpPr>
+          <p:cNvPr id="10" name="타원 9"/>
+          <p:cNvSpPr/>
+          <p:nvPr/>
+        </p:nvSpPr>
+        <p:spPr>
+          <a:xfrm>
+            <a:off x="956703" y="366664"/>
+            <a:ext cx="75276" cy="72000"/>
+          </a:xfrm>
+          <a:prstGeom prst="ellipse">
+            <a:avLst/>
+          </a:prstGeom>
+          <a:solidFill>
+            <a:schemeClr val="accent4"/>
+          </a:solidFill>
+          <a:ln>
+            <a:noFill/>
+          </a:ln>
+        </p:spPr>
+        <p:style>
+          <a:lnRef idx="2">
+            <a:schemeClr val="accent1">
+              <a:shade val="50000"/>
+            </a:schemeClr>
+          </a:lnRef>
+          <a:fillRef idx="1">
+            <a:schemeClr val="accent1"/>
+          </a:fillRef>
+          <a:effectRef idx="0">
+            <a:schemeClr val="accent1"/>
+          </a:effectRef>
+          <a:fontRef idx="minor">
+            <a:schemeClr val="lt1"/>
+          </a:fontRef>
+        </p:style>
+        <p:txBody>
+          <a:bodyPr lIns="91440" tIns="45720" rIns="91440" bIns="45720" rtlCol="0" anchor="ctr"/>
+          <a:lstStyle/>
+          <a:p>
+            <a:pPr algn="ctr" latinLnBrk="0">
+              <a:buClr>
+                <a:srgbClr val="000000"/>
+              </a:buClr>
+              <a:buFont typeface="Arial"/>
+              <a:buNone/>
+            </a:pPr>
+            <a:endParaRPr lang="ko-KR" altLang="en-US" sz="1867" kern="0">
+              <a:solidFill>
+                <a:prstClr val="white"/>
+              </a:solidFill>
+              <a:sym typeface="Arial"/>
+            </a:endParaRPr>
+          </a:p>
+        </p:txBody>
+      </p:sp>
+      <p:sp>
+        <p:nvSpPr>
+          <p:cNvPr id="12" name="직사각형 11"/>
+          <p:cNvSpPr/>
+          <p:nvPr/>
+        </p:nvSpPr>
+        <p:spPr>
+          <a:xfrm>
+            <a:off x="1871531" y="626202"/>
+            <a:ext cx="7532965" cy="574966"/>
+          </a:xfrm>
+          <a:prstGeom prst="rect">
+            <a:avLst/>
+          </a:prstGeom>
+        </p:spPr>
+        <p:txBody>
+          <a:bodyPr wrap="square" lIns="91440" tIns="45720" rIns="91440" bIns="45720">
+            <a:spAutoFit/>
+          </a:bodyPr>
+          <a:lstStyle/>
+          <a:p>
+            <a:pPr latinLnBrk="0">
+              <a:lnSpc>
+                <a:spcPct val="150000"/>
+              </a:lnSpc>
+              <a:buClr>
+                <a:srgbClr val="000000"/>
+              </a:buClr>
+              <a:buFont typeface="Arial"/>
+              <a:buNone/>
+            </a:pPr>
+            <a:r>
+              <a:rPr lang="en-US" altLang="ko-KR" sz="2400" b="1" kern="0" dirty="0">
+                <a:solidFill>
+                  <a:srgbClr val="000000">
+                    <a:lumMod val="75000"/>
+                    <a:lumOff val="25000"/>
+                  </a:srgbClr>
+                </a:solidFill>
+                <a:latin typeface="맑은 고딕" panose="020B0503020000020004" pitchFamily="50" charset="-127"/>
+                <a:cs typeface="Arial"/>
+                <a:sym typeface="Arial"/>
+              </a:rPr>
+              <a:t>[ </a:t>
+            </a:r>
+            <a:r>
+              <a:rPr lang="ko-KR" altLang="en-US" sz="2400" b="1" kern="0" dirty="0">
+                <a:solidFill>
+                  <a:srgbClr val="000000">
+                    <a:lumMod val="75000"/>
+                    <a:lumOff val="25000"/>
+                  </a:srgbClr>
+                </a:solidFill>
+                <a:latin typeface="맑은 고딕" panose="020B0503020000020004" pitchFamily="50" charset="-127"/>
+                <a:cs typeface="Arial"/>
+                <a:sym typeface="Arial"/>
+              </a:rPr>
+              <a:t>화면구현 </a:t>
+            </a:r>
+            <a:r>
+              <a:rPr lang="en-US" altLang="ko-KR" sz="2400" b="1" kern="0" dirty="0">
+                <a:solidFill>
+                  <a:srgbClr val="000000">
+                    <a:lumMod val="75000"/>
+                    <a:lumOff val="25000"/>
+                  </a:srgbClr>
+                </a:solidFill>
+                <a:latin typeface="맑은 고딕" panose="020B0503020000020004" pitchFamily="50" charset="-127"/>
+                <a:cs typeface="Arial"/>
+                <a:sym typeface="Arial"/>
+              </a:rPr>
+              <a:t>] </a:t>
+            </a:r>
+            <a:r>
+              <a:rPr lang="ko-KR" altLang="en-US" sz="2400" b="1" kern="0" dirty="0">
+                <a:solidFill>
+                  <a:srgbClr val="000000">
+                    <a:lumMod val="75000"/>
+                    <a:lumOff val="25000"/>
+                  </a:srgbClr>
+                </a:solidFill>
+                <a:latin typeface="맑은 고딕" panose="020B0503020000020004" pitchFamily="50" charset="-127"/>
+                <a:cs typeface="Arial"/>
+                <a:sym typeface="Arial"/>
+              </a:rPr>
+              <a:t>프로젝트 목록 </a:t>
+            </a:r>
+            <a:r>
+              <a:rPr lang="en-US" altLang="ko-KR" sz="2400" b="1" kern="0" dirty="0">
+                <a:solidFill>
+                  <a:srgbClr val="000000">
+                    <a:lumMod val="75000"/>
+                    <a:lumOff val="25000"/>
+                  </a:srgbClr>
+                </a:solidFill>
+                <a:latin typeface="맑은 고딕" panose="020B0503020000020004" pitchFamily="50" charset="-127"/>
+                <a:cs typeface="Arial"/>
+                <a:sym typeface="Arial"/>
+              </a:rPr>
+              <a:t>– </a:t>
+            </a:r>
+            <a:r>
+              <a:rPr lang="ko-KR" altLang="en-US" sz="2400" b="1" kern="0" dirty="0" err="1">
+                <a:solidFill>
+                  <a:srgbClr val="000000">
+                    <a:lumMod val="75000"/>
+                    <a:lumOff val="25000"/>
+                  </a:srgbClr>
+                </a:solidFill>
+                <a:latin typeface="맑은 고딕" panose="020B0503020000020004" pitchFamily="50" charset="-127"/>
+                <a:cs typeface="Arial"/>
+                <a:sym typeface="Arial"/>
+              </a:rPr>
+              <a:t>펀딩</a:t>
+            </a:r>
+            <a:r>
+              <a:rPr lang="ko-KR" altLang="en-US" sz="2400" b="1" kern="0" dirty="0">
+                <a:solidFill>
+                  <a:srgbClr val="000000">
+                    <a:lumMod val="75000"/>
+                    <a:lumOff val="25000"/>
+                  </a:srgbClr>
+                </a:solidFill>
+                <a:latin typeface="맑은 고딕" panose="020B0503020000020004" pitchFamily="50" charset="-127"/>
+                <a:cs typeface="Arial"/>
+                <a:sym typeface="Arial"/>
+              </a:rPr>
+              <a:t> </a:t>
+            </a:r>
+            <a:r>
+              <a:rPr lang="en-US" altLang="ko-KR" sz="2400" b="1" kern="0" dirty="0">
+                <a:solidFill>
+                  <a:srgbClr val="000000">
+                    <a:lumMod val="75000"/>
+                    <a:lumOff val="25000"/>
+                  </a:srgbClr>
+                </a:solidFill>
+                <a:latin typeface="맑은 고딕" panose="020B0503020000020004" pitchFamily="50" charset="-127"/>
+                <a:cs typeface="Arial"/>
+                <a:sym typeface="Arial"/>
+              </a:rPr>
+              <a:t>– </a:t>
+            </a:r>
+            <a:r>
+              <a:rPr lang="ko-KR" altLang="en-US" sz="2400" b="1" kern="0" dirty="0">
+                <a:solidFill>
+                  <a:srgbClr val="000000">
+                    <a:lumMod val="75000"/>
+                    <a:lumOff val="25000"/>
+                  </a:srgbClr>
+                </a:solidFill>
+                <a:latin typeface="맑은 고딕" panose="020B0503020000020004" pitchFamily="50" charset="-127"/>
+                <a:cs typeface="Arial"/>
+                <a:sym typeface="Arial"/>
+              </a:rPr>
+              <a:t>사용자</a:t>
+            </a:r>
+            <a:endParaRPr lang="ko-KR" altLang="en-US" sz="2400" b="1" kern="0" dirty="0">
+              <a:solidFill>
+                <a:srgbClr val="000000">
+                  <a:lumMod val="75000"/>
+                  <a:lumOff val="25000"/>
+                </a:srgbClr>
+              </a:solidFill>
+              <a:latin typeface="맑은 고딕" panose="020B0503020000020004" pitchFamily="50" charset="-127"/>
+              <a:cs typeface="Arial"/>
+              <a:sym typeface="Arial"/>
+            </a:endParaRPr>
+          </a:p>
+        </p:txBody>
+      </p:sp>
+      <p:pic>
+        <p:nvPicPr>
+          <p:cNvPr id="11" name="그림 10"/>
+          <p:cNvPicPr>
+            <a:picLocks noChangeAspect="1"/>
+          </p:cNvPicPr>
+          <p:nvPr/>
+        </p:nvPicPr>
+        <p:blipFill>
+          <a:blip r:embed="rId2" cstate="print">
+            <a:extLst>
+              <a:ext uri="{28A0092B-C50C-407E-A947-70E740481C1C}">
+                <a14:useLocalDpi xmlns:a14="http://schemas.microsoft.com/office/drawing/2010/main" val="0"/>
+              </a:ext>
+            </a:extLst>
+          </a:blip>
+          <a:stretch>
+            <a:fillRect/>
+          </a:stretch>
+        </p:blipFill>
+        <p:spPr>
+          <a:xfrm>
+            <a:off x="994341" y="587441"/>
+            <a:ext cx="723852" cy="723852"/>
+          </a:xfrm>
+          <a:prstGeom prst="rect">
+            <a:avLst/>
+          </a:prstGeom>
+        </p:spPr>
+      </p:pic>
+      <p:pic>
+        <p:nvPicPr>
+          <p:cNvPr id="2" name="그림 1"/>
+          <p:cNvPicPr>
+            <a:picLocks noChangeAspect="1"/>
+          </p:cNvPicPr>
+          <p:nvPr/>
+        </p:nvPicPr>
+        <p:blipFill rotWithShape="1">
+          <a:blip r:embed="rId3"/>
+          <a:srcRect t="16933"/>
+          <a:stretch/>
+        </p:blipFill>
+        <p:spPr>
+          <a:xfrm>
+            <a:off x="766826" y="1787610"/>
+            <a:ext cx="7200000" cy="4216850"/>
+          </a:xfrm>
+          <a:prstGeom prst="rect">
+            <a:avLst/>
+          </a:prstGeom>
+        </p:spPr>
+      </p:pic>
+      <p:grpSp>
+        <p:nvGrpSpPr>
+          <p:cNvPr id="32" name="그룹 31"/>
+          <p:cNvGrpSpPr/>
+          <p:nvPr/>
+        </p:nvGrpSpPr>
+        <p:grpSpPr>
+          <a:xfrm>
+            <a:off x="825626" y="1787610"/>
+            <a:ext cx="10891273" cy="1795850"/>
+            <a:chOff x="825626" y="1787610"/>
+            <a:chExt cx="10891273" cy="1795850"/>
+          </a:xfrm>
+        </p:grpSpPr>
+        <p:sp>
+          <p:nvSpPr>
+            <p:cNvPr id="3" name="직사각형 2"/>
+            <p:cNvSpPr/>
+            <p:nvPr/>
+          </p:nvSpPr>
+          <p:spPr>
+            <a:xfrm>
+              <a:off x="825626" y="3402227"/>
+              <a:ext cx="945509" cy="181233"/>
+            </a:xfrm>
+            <a:prstGeom prst="rect">
+              <a:avLst/>
+            </a:prstGeom>
+            <a:noFill/>
+            <a:ln>
+              <a:solidFill>
+                <a:srgbClr val="FF0000"/>
+              </a:solidFill>
+            </a:ln>
+          </p:spPr>
+          <p:style>
+            <a:lnRef idx="2">
+              <a:schemeClr val="accent6"/>
+            </a:lnRef>
+            <a:fillRef idx="1">
+              <a:schemeClr val="lt1"/>
+            </a:fillRef>
+            <a:effectRef idx="0">
+              <a:schemeClr val="accent6"/>
+            </a:effectRef>
+            <a:fontRef idx="minor">
+              <a:schemeClr val="dk1"/>
+            </a:fontRef>
+          </p:style>
+          <p:txBody>
+            <a:bodyPr rtlCol="0" anchor="ctr"/>
+            <a:lstStyle/>
+            <a:p>
+              <a:pPr algn="ctr"/>
+              <a:endParaRPr lang="ko-KR" altLang="en-US"/>
+            </a:p>
+          </p:txBody>
+        </p:sp>
+        <p:cxnSp>
+          <p:nvCxnSpPr>
+            <p:cNvPr id="13" name="꺾인 연결선 12"/>
+            <p:cNvCxnSpPr>
+              <a:stCxn id="3" idx="0"/>
+            </p:cNvCxnSpPr>
+            <p:nvPr/>
+          </p:nvCxnSpPr>
+          <p:spPr>
+            <a:xfrm rot="5400000" flipH="1" flipV="1">
+              <a:off x="4279514" y="-513902"/>
+              <a:ext cx="934997" cy="6897263"/>
+            </a:xfrm>
+            <a:prstGeom prst="bentConnector2">
+              <a:avLst/>
+            </a:prstGeom>
+            <a:ln w="28575">
+              <a:solidFill>
+                <a:srgbClr val="FF0000"/>
+              </a:solidFill>
+              <a:tailEnd type="triangle"/>
+            </a:ln>
+          </p:spPr>
+          <p:style>
+            <a:lnRef idx="1">
+              <a:schemeClr val="accent1"/>
+            </a:lnRef>
+            <a:fillRef idx="0">
+              <a:schemeClr val="accent1"/>
+            </a:fillRef>
+            <a:effectRef idx="0">
+              <a:schemeClr val="accent1"/>
+            </a:effectRef>
+            <a:fontRef idx="minor">
+              <a:schemeClr val="tx1"/>
+            </a:fontRef>
+          </p:style>
+        </p:cxnSp>
+        <p:sp>
+          <p:nvSpPr>
+            <p:cNvPr id="24" name="직사각형 23"/>
+            <p:cNvSpPr/>
+            <p:nvPr/>
+          </p:nvSpPr>
+          <p:spPr>
+            <a:xfrm>
+              <a:off x="8195642" y="1787610"/>
+              <a:ext cx="3521257" cy="1359244"/>
+            </a:xfrm>
+            <a:prstGeom prst="rect">
+              <a:avLst/>
+            </a:prstGeom>
+            <a:noFill/>
+            <a:ln w="9525">
+              <a:solidFill>
+                <a:schemeClr val="tx1"/>
+              </a:solidFill>
+            </a:ln>
+          </p:spPr>
+          <p:style>
+            <a:lnRef idx="2">
+              <a:schemeClr val="accent1">
+                <a:shade val="50000"/>
+              </a:schemeClr>
+            </a:lnRef>
+            <a:fillRef idx="1">
+              <a:schemeClr val="accent1"/>
+            </a:fillRef>
+            <a:effectRef idx="0">
+              <a:schemeClr val="accent1"/>
+            </a:effectRef>
+            <a:fontRef idx="minor">
+              <a:schemeClr val="lt1"/>
+            </a:fontRef>
+          </p:style>
+          <p:txBody>
+            <a:bodyPr rtlCol="0" anchor="t"/>
+            <a:lstStyle/>
+            <a:p>
+              <a:pPr>
+                <a:lnSpc>
+                  <a:spcPct val="150000"/>
+                </a:lnSpc>
+              </a:pPr>
+              <a:r>
+                <a:rPr lang="ko-KR" altLang="en-US" dirty="0" smtClean="0">
+                  <a:solidFill>
+                    <a:sysClr val="windowText" lastClr="000000"/>
+                  </a:solidFill>
+                </a:rPr>
+                <a:t>길이가 긴 </a:t>
+              </a:r>
+              <a:r>
+                <a:rPr lang="ko-KR" altLang="en-US" dirty="0" err="1" smtClean="0">
+                  <a:solidFill>
+                    <a:sysClr val="windowText" lastClr="000000"/>
+                  </a:solidFill>
+                </a:rPr>
+                <a:t>메이커명</a:t>
+              </a:r>
+              <a:r>
+                <a:rPr lang="ko-KR" altLang="en-US" dirty="0" smtClean="0">
+                  <a:solidFill>
+                    <a:sysClr val="windowText" lastClr="000000"/>
+                  </a:solidFill>
+                </a:rPr>
+                <a:t> </a:t>
+              </a:r>
+              <a:r>
+                <a:rPr lang="en-US" altLang="ko-KR" dirty="0" smtClean="0">
+                  <a:solidFill>
+                    <a:sysClr val="windowText" lastClr="000000"/>
+                  </a:solidFill>
+                </a:rPr>
+                <a:t>… </a:t>
+              </a:r>
+              <a:r>
+                <a:rPr lang="ko-KR" altLang="en-US" dirty="0" smtClean="0">
+                  <a:solidFill>
+                    <a:sysClr val="windowText" lastClr="000000"/>
+                  </a:solidFill>
+                </a:rPr>
+                <a:t>표시</a:t>
+              </a:r>
+              <a:endParaRPr lang="en-US" altLang="ko-KR" dirty="0" smtClean="0">
+                <a:solidFill>
+                  <a:sysClr val="windowText" lastClr="000000"/>
+                </a:solidFill>
+              </a:endParaRPr>
+            </a:p>
+            <a:p>
+              <a:r>
+                <a:rPr lang="en-US" altLang="ko-KR" dirty="0" err="1">
+                  <a:solidFill>
+                    <a:srgbClr val="7F007F"/>
+                  </a:solidFill>
+                  <a:latin typeface="Consolas" panose="020B0609020204030204" pitchFamily="49" charset="0"/>
+                </a:rPr>
+                <a:t>overflow</a:t>
+              </a:r>
+              <a:r>
+                <a:rPr lang="en-US" altLang="ko-KR" dirty="0" err="1">
+                  <a:solidFill>
+                    <a:srgbClr val="000000"/>
+                  </a:solidFill>
+                  <a:latin typeface="Consolas" panose="020B0609020204030204" pitchFamily="49" charset="0"/>
+                </a:rPr>
+                <a:t>:</a:t>
+              </a:r>
+              <a:r>
+                <a:rPr lang="en-US" altLang="ko-KR" i="1" dirty="0" err="1">
+                  <a:solidFill>
+                    <a:srgbClr val="2A00E1"/>
+                  </a:solidFill>
+                  <a:latin typeface="Consolas" panose="020B0609020204030204" pitchFamily="49" charset="0"/>
+                </a:rPr>
+                <a:t>hidden</a:t>
+              </a:r>
+              <a:r>
+                <a:rPr lang="en-US" altLang="ko-KR" i="1" dirty="0" smtClean="0">
+                  <a:solidFill>
+                    <a:srgbClr val="000000"/>
+                  </a:solidFill>
+                  <a:latin typeface="Consolas" panose="020B0609020204030204" pitchFamily="49" charset="0"/>
+                </a:rPr>
+                <a:t>;</a:t>
+              </a:r>
+            </a:p>
+            <a:p>
+              <a:r>
+                <a:rPr lang="en-US" altLang="ko-KR" i="1" dirty="0" smtClean="0">
+                  <a:solidFill>
+                    <a:srgbClr val="7F007F"/>
+                  </a:solidFill>
+                  <a:latin typeface="Consolas" panose="020B0609020204030204" pitchFamily="49" charset="0"/>
+                </a:rPr>
+                <a:t>white-space</a:t>
+              </a:r>
+              <a:r>
+                <a:rPr lang="en-US" altLang="ko-KR" i="1" dirty="0">
+                  <a:solidFill>
+                    <a:srgbClr val="000000"/>
+                  </a:solidFill>
+                  <a:latin typeface="Consolas" panose="020B0609020204030204" pitchFamily="49" charset="0"/>
+                </a:rPr>
+                <a:t>: </a:t>
+              </a:r>
+              <a:r>
+                <a:rPr lang="en-US" altLang="ko-KR" i="1" dirty="0" err="1" smtClean="0">
+                  <a:solidFill>
+                    <a:srgbClr val="2A00E1"/>
+                  </a:solidFill>
+                  <a:latin typeface="Consolas" panose="020B0609020204030204" pitchFamily="49" charset="0"/>
+                </a:rPr>
+                <a:t>nowrap</a:t>
+              </a:r>
+              <a:r>
+                <a:rPr lang="en-US" altLang="ko-KR" i="1" dirty="0" smtClean="0">
+                  <a:solidFill>
+                    <a:srgbClr val="000000"/>
+                  </a:solidFill>
+                  <a:latin typeface="Consolas" panose="020B0609020204030204" pitchFamily="49" charset="0"/>
+                </a:rPr>
+                <a:t>;</a:t>
+              </a:r>
+            </a:p>
+            <a:p>
+              <a:r>
+                <a:rPr lang="en-US" altLang="ko-KR" i="1" dirty="0" err="1" smtClean="0">
+                  <a:solidFill>
+                    <a:srgbClr val="7F007F"/>
+                  </a:solidFill>
+                  <a:latin typeface="Consolas" panose="020B0609020204030204" pitchFamily="49" charset="0"/>
+                </a:rPr>
+                <a:t>text-overflow</a:t>
+              </a:r>
+              <a:r>
+                <a:rPr lang="en-US" altLang="ko-KR" i="1" dirty="0" err="1" smtClean="0">
+                  <a:solidFill>
+                    <a:srgbClr val="000000"/>
+                  </a:solidFill>
+                  <a:latin typeface="Consolas" panose="020B0609020204030204" pitchFamily="49" charset="0"/>
+                </a:rPr>
+                <a:t>:</a:t>
+              </a:r>
+              <a:r>
+                <a:rPr lang="en-US" altLang="ko-KR" i="1" dirty="0" err="1" smtClean="0">
+                  <a:solidFill>
+                    <a:srgbClr val="2A00E1"/>
+                  </a:solidFill>
+                  <a:latin typeface="Consolas" panose="020B0609020204030204" pitchFamily="49" charset="0"/>
+                </a:rPr>
+                <a:t>ellipsis</a:t>
+              </a:r>
+              <a:r>
+                <a:rPr lang="en-US" altLang="ko-KR" i="1" dirty="0">
+                  <a:solidFill>
+                    <a:srgbClr val="000000"/>
+                  </a:solidFill>
+                  <a:latin typeface="Consolas" panose="020B0609020204030204" pitchFamily="49" charset="0"/>
+                </a:rPr>
+                <a:t>;</a:t>
+              </a:r>
+              <a:endParaRPr lang="ko-KR" altLang="en-US" dirty="0"/>
+            </a:p>
+            <a:p>
+              <a:endParaRPr lang="ko-KR" altLang="en-US" dirty="0">
+                <a:solidFill>
+                  <a:sysClr val="windowText" lastClr="000000"/>
+                </a:solidFill>
+              </a:endParaRPr>
+            </a:p>
+          </p:txBody>
+        </p:sp>
+      </p:grpSp>
+    </p:spTree>
+    <p:extLst>
+      <p:ext uri="{BB962C8B-B14F-4D97-AF65-F5344CB8AC3E}">
+        <p14:creationId xmlns:p14="http://schemas.microsoft.com/office/powerpoint/2010/main" val="1677182087"/>
+      </p:ext>
+    </p:extLst>
+  </p:cSld>
+  <p:clrMapOvr>
+    <a:masterClrMapping/>
+  </p:clrMapOvr>
+  <p:timing>
+    <p:tnLst>
+      <p:par>
+        <p:cTn id="1" dur="indefinite" restart="never" nodeType="tmRoot"/>
+      </p:par>
+    </p:tnLst>
+  </p:timing>
+</p:sld>
+</file>
+
+<file path=ppt/slides/slide17.xml><?xml version="1.0" encoding="utf-8"?>
+<p:sld xmlns:a="http://schemas.openxmlformats.org/drawingml/2006/main" xmlns:r="http://schemas.openxmlformats.org/officeDocument/2006/relationships" xmlns:p="http://schemas.openxmlformats.org/presentationml/2006/main">
+  <p:cSld>
+    <p:spTree>
+      <p:nvGrpSpPr>
+        <p:cNvPr id="1" name=""/>
+        <p:cNvGrpSpPr/>
+        <p:nvPr/>
+      </p:nvGrpSpPr>
+      <p:grpSpPr>
+        <a:xfrm>
+          <a:off x="0" y="0"/>
+          <a:ext cx="0" cy="0"/>
+          <a:chOff x="0" y="0"/>
+          <a:chExt cx="0" cy="0"/>
+        </a:xfrm>
+      </p:grpSpPr>
+      <p:sp>
+        <p:nvSpPr>
+          <p:cNvPr id="6" name="양쪽 모서리가 둥근 사각형 5"/>
+          <p:cNvSpPr/>
+          <p:nvPr/>
+        </p:nvSpPr>
+        <p:spPr>
+          <a:xfrm>
+            <a:off x="143339" y="548680"/>
+            <a:ext cx="11905323" cy="6144683"/>
+          </a:xfrm>
+          <a:prstGeom prst="round2SameRect">
+            <a:avLst>
+              <a:gd name="adj1" fmla="val 0"/>
+              <a:gd name="adj2" fmla="val 2405"/>
+            </a:avLst>
+          </a:prstGeom>
+          <a:solidFill>
+            <a:schemeClr val="bg1"/>
+          </a:solidFill>
+          <a:ln>
+            <a:noFill/>
+          </a:ln>
+          <a:effectLst>
+            <a:outerShdw dist="254000" dir="5400000" sx="97000" sy="97000" algn="t" rotWithShape="0">
+              <a:prstClr val="black">
+                <a:alpha val="40000"/>
+              </a:prstClr>
+            </a:outerShdw>
+          </a:effectLst>
+        </p:spPr>
+        <p:style>
+          <a:lnRef idx="2">
+            <a:schemeClr val="accent1">
+              <a:shade val="50000"/>
+            </a:schemeClr>
+          </a:lnRef>
+          <a:fillRef idx="1">
+            <a:schemeClr val="accent1"/>
+          </a:fillRef>
+          <a:effectRef idx="0">
+            <a:schemeClr val="accent1"/>
+          </a:effectRef>
+          <a:fontRef idx="minor">
+            <a:schemeClr val="lt1"/>
+          </a:fontRef>
+        </p:style>
+        <p:txBody>
+          <a:bodyPr lIns="91440" tIns="45720" rIns="91440" bIns="45720" rtlCol="0" anchor="ctr"/>
+          <a:lstStyle/>
+          <a:p>
+            <a:pPr algn="ctr" latinLnBrk="0">
+              <a:buClr>
+                <a:srgbClr val="000000"/>
+              </a:buClr>
+              <a:buFont typeface="Arial"/>
+              <a:buNone/>
+            </a:pPr>
+            <a:endParaRPr lang="ko-KR" altLang="en-US" sz="1867" kern="0">
+              <a:solidFill>
+                <a:prstClr val="white"/>
+              </a:solidFill>
+              <a:sym typeface="Arial"/>
+            </a:endParaRPr>
+          </a:p>
+        </p:txBody>
+      </p:sp>
+      <p:sp>
+        <p:nvSpPr>
+          <p:cNvPr id="5" name="양쪽 모서리가 둥근 사각형 4"/>
+          <p:cNvSpPr/>
+          <p:nvPr/>
+        </p:nvSpPr>
+        <p:spPr>
+          <a:xfrm>
+            <a:off x="143339" y="243880"/>
+            <a:ext cx="11905323" cy="304800"/>
+          </a:xfrm>
+          <a:prstGeom prst="round2SameRect">
+            <a:avLst>
+              <a:gd name="adj1" fmla="val 44667"/>
+              <a:gd name="adj2" fmla="val 0"/>
+            </a:avLst>
+          </a:prstGeom>
+          <a:solidFill>
+            <a:srgbClr val="411F42"/>
+          </a:solidFill>
+          <a:ln>
+            <a:noFill/>
+          </a:ln>
+          <a:effectLst>
+            <a:outerShdw dist="76200" dir="16200000" sx="97000" sy="97000" rotWithShape="0">
+              <a:prstClr val="black">
+                <a:alpha val="40000"/>
+              </a:prstClr>
+            </a:outerShdw>
+          </a:effectLst>
+        </p:spPr>
+        <p:style>
+          <a:lnRef idx="2">
+            <a:schemeClr val="accent1">
+              <a:shade val="50000"/>
+            </a:schemeClr>
+          </a:lnRef>
+          <a:fillRef idx="1">
+            <a:schemeClr val="accent1"/>
+          </a:fillRef>
+          <a:effectRef idx="0">
+            <a:schemeClr val="accent1"/>
+          </a:effectRef>
+          <a:fontRef idx="minor">
+            <a:schemeClr val="lt1"/>
+          </a:fontRef>
+        </p:style>
+        <p:txBody>
+          <a:bodyPr lIns="91440" tIns="45720" rIns="91440" bIns="45720" rtlCol="0" anchor="ctr"/>
+          <a:lstStyle/>
+          <a:p>
+            <a:pPr algn="ctr" latinLnBrk="0">
+              <a:buClr>
+                <a:srgbClr val="000000"/>
+              </a:buClr>
+              <a:buFont typeface="Arial"/>
+              <a:buNone/>
+            </a:pPr>
+            <a:endParaRPr lang="ko-KR" altLang="en-US" sz="1867" kern="0">
+              <a:solidFill>
+                <a:prstClr val="white"/>
+              </a:solidFill>
+              <a:sym typeface="Arial"/>
+            </a:endParaRPr>
+          </a:p>
+        </p:txBody>
+      </p:sp>
+      <p:sp>
+        <p:nvSpPr>
+          <p:cNvPr id="7" name="직사각형 6"/>
+          <p:cNvSpPr/>
+          <p:nvPr/>
+        </p:nvSpPr>
+        <p:spPr>
+          <a:xfrm>
+            <a:off x="935120" y="366664"/>
+            <a:ext cx="10613801" cy="72000"/>
+          </a:xfrm>
+          <a:prstGeom prst="rect">
+            <a:avLst/>
+          </a:prstGeom>
+          <a:solidFill>
+            <a:schemeClr val="bg1"/>
+          </a:solidFill>
+          <a:ln>
+            <a:noFill/>
+          </a:ln>
+        </p:spPr>
+        <p:style>
+          <a:lnRef idx="2">
+            <a:schemeClr val="accent1">
+              <a:shade val="50000"/>
+            </a:schemeClr>
+          </a:lnRef>
+          <a:fillRef idx="1">
+            <a:schemeClr val="accent1"/>
+          </a:fillRef>
+          <a:effectRef idx="0">
+            <a:schemeClr val="accent1"/>
+          </a:effectRef>
+          <a:fontRef idx="minor">
+            <a:schemeClr val="lt1"/>
+          </a:fontRef>
+        </p:style>
+        <p:txBody>
+          <a:bodyPr lIns="91440" tIns="45720" rIns="91440" bIns="45720" rtlCol="0" anchor="ctr"/>
+          <a:lstStyle/>
+          <a:p>
+            <a:pPr algn="ctr" latinLnBrk="0">
+              <a:buClr>
+                <a:srgbClr val="000000"/>
+              </a:buClr>
+              <a:buFont typeface="Arial"/>
+              <a:buNone/>
+            </a:pPr>
+            <a:endParaRPr lang="ko-KR" altLang="en-US" sz="1867" kern="0">
+              <a:solidFill>
+                <a:prstClr val="white"/>
+              </a:solidFill>
+              <a:sym typeface="Arial"/>
+            </a:endParaRPr>
+          </a:p>
+        </p:txBody>
+      </p:sp>
+      <p:sp>
+        <p:nvSpPr>
+          <p:cNvPr id="8" name="타원 7"/>
+          <p:cNvSpPr/>
+          <p:nvPr/>
+        </p:nvSpPr>
+        <p:spPr>
+          <a:xfrm>
+            <a:off x="576949" y="366664"/>
+            <a:ext cx="75276" cy="72000"/>
+          </a:xfrm>
+          <a:prstGeom prst="ellipse">
+            <a:avLst/>
+          </a:prstGeom>
+          <a:solidFill>
+            <a:srgbClr val="FF6189"/>
+          </a:solidFill>
+          <a:ln>
+            <a:noFill/>
+          </a:ln>
+        </p:spPr>
+        <p:style>
+          <a:lnRef idx="2">
+            <a:schemeClr val="accent1">
+              <a:shade val="50000"/>
+            </a:schemeClr>
+          </a:lnRef>
+          <a:fillRef idx="1">
+            <a:schemeClr val="accent1"/>
+          </a:fillRef>
+          <a:effectRef idx="0">
+            <a:schemeClr val="accent1"/>
+          </a:effectRef>
+          <a:fontRef idx="minor">
+            <a:schemeClr val="lt1"/>
+          </a:fontRef>
+        </p:style>
+        <p:txBody>
+          <a:bodyPr lIns="91440" tIns="45720" rIns="91440" bIns="45720" rtlCol="0" anchor="ctr"/>
+          <a:lstStyle/>
+          <a:p>
+            <a:pPr algn="ctr" latinLnBrk="0">
+              <a:buClr>
+                <a:srgbClr val="000000"/>
+              </a:buClr>
+              <a:buFont typeface="Arial"/>
+              <a:buNone/>
+            </a:pPr>
+            <a:endParaRPr lang="ko-KR" altLang="en-US" sz="1867" kern="0">
+              <a:solidFill>
+                <a:prstClr val="white"/>
+              </a:solidFill>
+              <a:sym typeface="Arial"/>
+            </a:endParaRPr>
+          </a:p>
+        </p:txBody>
+      </p:sp>
+      <p:sp>
+        <p:nvSpPr>
+          <p:cNvPr id="9" name="타원 8"/>
+          <p:cNvSpPr/>
+          <p:nvPr/>
+        </p:nvSpPr>
+        <p:spPr>
+          <a:xfrm>
+            <a:off x="766826" y="366664"/>
+            <a:ext cx="75276" cy="72000"/>
+          </a:xfrm>
+          <a:prstGeom prst="ellipse">
+            <a:avLst/>
+          </a:prstGeom>
+          <a:solidFill>
+            <a:srgbClr val="00B0F0"/>
+          </a:solidFill>
+          <a:ln>
+            <a:noFill/>
+          </a:ln>
+        </p:spPr>
+        <p:style>
+          <a:lnRef idx="2">
+            <a:schemeClr val="accent1">
+              <a:shade val="50000"/>
+            </a:schemeClr>
+          </a:lnRef>
+          <a:fillRef idx="1">
+            <a:schemeClr val="accent1"/>
+          </a:fillRef>
+          <a:effectRef idx="0">
+            <a:schemeClr val="accent1"/>
+          </a:effectRef>
+          <a:fontRef idx="minor">
+            <a:schemeClr val="lt1"/>
+          </a:fontRef>
+        </p:style>
+        <p:txBody>
+          <a:bodyPr lIns="91440" tIns="45720" rIns="91440" bIns="45720" rtlCol="0" anchor="ctr"/>
+          <a:lstStyle/>
+          <a:p>
+            <a:pPr algn="ctr" latinLnBrk="0">
+              <a:buClr>
+                <a:srgbClr val="000000"/>
+              </a:buClr>
+              <a:buFont typeface="Arial"/>
+              <a:buNone/>
+            </a:pPr>
+            <a:endParaRPr lang="ko-KR" altLang="en-US" sz="1867" kern="0">
+              <a:solidFill>
+                <a:prstClr val="white"/>
+              </a:solidFill>
+              <a:sym typeface="Arial"/>
+            </a:endParaRPr>
+          </a:p>
+        </p:txBody>
+      </p:sp>
+      <p:sp>
+        <p:nvSpPr>
+          <p:cNvPr id="10" name="타원 9"/>
+          <p:cNvSpPr/>
+          <p:nvPr/>
+        </p:nvSpPr>
+        <p:spPr>
+          <a:xfrm>
+            <a:off x="956703" y="366664"/>
+            <a:ext cx="75276" cy="72000"/>
+          </a:xfrm>
+          <a:prstGeom prst="ellipse">
+            <a:avLst/>
+          </a:prstGeom>
+          <a:solidFill>
+            <a:schemeClr val="accent4"/>
+          </a:solidFill>
+          <a:ln>
+            <a:noFill/>
+          </a:ln>
+        </p:spPr>
+        <p:style>
+          <a:lnRef idx="2">
+            <a:schemeClr val="accent1">
+              <a:shade val="50000"/>
+            </a:schemeClr>
+          </a:lnRef>
+          <a:fillRef idx="1">
+            <a:schemeClr val="accent1"/>
+          </a:fillRef>
+          <a:effectRef idx="0">
+            <a:schemeClr val="accent1"/>
+          </a:effectRef>
+          <a:fontRef idx="minor">
+            <a:schemeClr val="lt1"/>
+          </a:fontRef>
+        </p:style>
+        <p:txBody>
+          <a:bodyPr lIns="91440" tIns="45720" rIns="91440" bIns="45720" rtlCol="0" anchor="ctr"/>
+          <a:lstStyle/>
+          <a:p>
+            <a:pPr algn="ctr" latinLnBrk="0">
+              <a:buClr>
+                <a:srgbClr val="000000"/>
+              </a:buClr>
+              <a:buFont typeface="Arial"/>
+              <a:buNone/>
+            </a:pPr>
+            <a:endParaRPr lang="ko-KR" altLang="en-US" sz="1867" kern="0">
+              <a:solidFill>
+                <a:prstClr val="white"/>
+              </a:solidFill>
+              <a:sym typeface="Arial"/>
+            </a:endParaRPr>
+          </a:p>
+        </p:txBody>
+      </p:sp>
+      <p:sp>
+        <p:nvSpPr>
+          <p:cNvPr id="12" name="직사각형 11"/>
+          <p:cNvSpPr/>
+          <p:nvPr/>
+        </p:nvSpPr>
+        <p:spPr>
+          <a:xfrm>
+            <a:off x="1871531" y="626202"/>
+            <a:ext cx="7532965" cy="574966"/>
+          </a:xfrm>
+          <a:prstGeom prst="rect">
+            <a:avLst/>
+          </a:prstGeom>
+        </p:spPr>
+        <p:txBody>
+          <a:bodyPr wrap="square" lIns="91440" tIns="45720" rIns="91440" bIns="45720">
+            <a:spAutoFit/>
+          </a:bodyPr>
+          <a:lstStyle/>
+          <a:p>
+            <a:pPr latinLnBrk="0">
+              <a:lnSpc>
+                <a:spcPct val="150000"/>
+              </a:lnSpc>
+              <a:buClr>
+                <a:srgbClr val="000000"/>
+              </a:buClr>
+              <a:buFont typeface="Arial"/>
+              <a:buNone/>
+            </a:pPr>
+            <a:r>
+              <a:rPr lang="en-US" altLang="ko-KR" sz="2400" b="1" kern="0" dirty="0">
+                <a:solidFill>
+                  <a:srgbClr val="000000">
+                    <a:lumMod val="75000"/>
+                    <a:lumOff val="25000"/>
+                  </a:srgbClr>
+                </a:solidFill>
+                <a:latin typeface="맑은 고딕" panose="020B0503020000020004" pitchFamily="50" charset="-127"/>
+                <a:cs typeface="Arial"/>
+                <a:sym typeface="Arial"/>
+              </a:rPr>
+              <a:t>[ </a:t>
+            </a:r>
+            <a:r>
+              <a:rPr lang="ko-KR" altLang="en-US" sz="2400" b="1" kern="0" dirty="0">
+                <a:solidFill>
+                  <a:srgbClr val="000000">
+                    <a:lumMod val="75000"/>
+                    <a:lumOff val="25000"/>
+                  </a:srgbClr>
+                </a:solidFill>
+                <a:latin typeface="맑은 고딕" panose="020B0503020000020004" pitchFamily="50" charset="-127"/>
+                <a:cs typeface="Arial"/>
+                <a:sym typeface="Arial"/>
+              </a:rPr>
+              <a:t>화면구현 </a:t>
+            </a:r>
+            <a:r>
+              <a:rPr lang="en-US" altLang="ko-KR" sz="2400" b="1" kern="0" dirty="0">
+                <a:solidFill>
+                  <a:srgbClr val="000000">
+                    <a:lumMod val="75000"/>
+                    <a:lumOff val="25000"/>
+                  </a:srgbClr>
+                </a:solidFill>
+                <a:latin typeface="맑은 고딕" panose="020B0503020000020004" pitchFamily="50" charset="-127"/>
+                <a:cs typeface="Arial"/>
+                <a:sym typeface="Arial"/>
+              </a:rPr>
+              <a:t>] </a:t>
+            </a:r>
+            <a:r>
+              <a:rPr lang="ko-KR" altLang="en-US" sz="2400" b="1" kern="0" dirty="0">
+                <a:solidFill>
+                  <a:srgbClr val="000000">
+                    <a:lumMod val="75000"/>
+                    <a:lumOff val="25000"/>
+                  </a:srgbClr>
+                </a:solidFill>
+                <a:latin typeface="맑은 고딕" panose="020B0503020000020004" pitchFamily="50" charset="-127"/>
+                <a:cs typeface="Arial"/>
+                <a:sym typeface="Arial"/>
+              </a:rPr>
+              <a:t>프로젝트 목록 </a:t>
+            </a:r>
+            <a:r>
+              <a:rPr lang="en-US" altLang="ko-KR" sz="2400" b="1" kern="0" dirty="0">
+                <a:solidFill>
+                  <a:srgbClr val="000000">
+                    <a:lumMod val="75000"/>
+                    <a:lumOff val="25000"/>
+                  </a:srgbClr>
+                </a:solidFill>
+                <a:latin typeface="맑은 고딕" panose="020B0503020000020004" pitchFamily="50" charset="-127"/>
+                <a:cs typeface="Arial"/>
+                <a:sym typeface="Arial"/>
+              </a:rPr>
+              <a:t>– </a:t>
+            </a:r>
+            <a:r>
+              <a:rPr lang="ko-KR" altLang="en-US" sz="2400" b="1" kern="0" dirty="0" err="1">
+                <a:solidFill>
+                  <a:srgbClr val="000000">
+                    <a:lumMod val="75000"/>
+                    <a:lumOff val="25000"/>
+                  </a:srgbClr>
+                </a:solidFill>
+                <a:latin typeface="맑은 고딕" panose="020B0503020000020004" pitchFamily="50" charset="-127"/>
+                <a:cs typeface="Arial"/>
+                <a:sym typeface="Arial"/>
+              </a:rPr>
+              <a:t>펀딩</a:t>
+            </a:r>
+            <a:r>
+              <a:rPr lang="ko-KR" altLang="en-US" sz="2400" b="1" kern="0" dirty="0">
+                <a:solidFill>
+                  <a:srgbClr val="000000">
+                    <a:lumMod val="75000"/>
+                    <a:lumOff val="25000"/>
+                  </a:srgbClr>
+                </a:solidFill>
+                <a:latin typeface="맑은 고딕" panose="020B0503020000020004" pitchFamily="50" charset="-127"/>
+                <a:cs typeface="Arial"/>
+                <a:sym typeface="Arial"/>
+              </a:rPr>
+              <a:t> </a:t>
+            </a:r>
+            <a:r>
+              <a:rPr lang="en-US" altLang="ko-KR" sz="2400" b="1" kern="0" dirty="0">
+                <a:solidFill>
+                  <a:srgbClr val="000000">
+                    <a:lumMod val="75000"/>
+                    <a:lumOff val="25000"/>
+                  </a:srgbClr>
+                </a:solidFill>
+                <a:latin typeface="맑은 고딕" panose="020B0503020000020004" pitchFamily="50" charset="-127"/>
+                <a:cs typeface="Arial"/>
+                <a:sym typeface="Arial"/>
+              </a:rPr>
+              <a:t>– </a:t>
+            </a:r>
+            <a:r>
+              <a:rPr lang="ko-KR" altLang="en-US" sz="2400" b="1" kern="0" dirty="0">
+                <a:solidFill>
+                  <a:srgbClr val="000000">
+                    <a:lumMod val="75000"/>
+                    <a:lumOff val="25000"/>
+                  </a:srgbClr>
+                </a:solidFill>
+                <a:latin typeface="맑은 고딕" panose="020B0503020000020004" pitchFamily="50" charset="-127"/>
+                <a:cs typeface="Arial"/>
+                <a:sym typeface="Arial"/>
+              </a:rPr>
+              <a:t>사용자</a:t>
+            </a:r>
+            <a:endParaRPr lang="ko-KR" altLang="en-US" sz="2400" b="1" kern="0" dirty="0">
+              <a:solidFill>
+                <a:srgbClr val="000000">
+                  <a:lumMod val="75000"/>
+                  <a:lumOff val="25000"/>
+                </a:srgbClr>
+              </a:solidFill>
+              <a:latin typeface="맑은 고딕" panose="020B0503020000020004" pitchFamily="50" charset="-127"/>
+              <a:cs typeface="Arial"/>
+              <a:sym typeface="Arial"/>
+            </a:endParaRPr>
+          </a:p>
+        </p:txBody>
+      </p:sp>
+      <p:pic>
+        <p:nvPicPr>
+          <p:cNvPr id="11" name="그림 10"/>
+          <p:cNvPicPr>
+            <a:picLocks noChangeAspect="1"/>
+          </p:cNvPicPr>
+          <p:nvPr/>
+        </p:nvPicPr>
+        <p:blipFill>
+          <a:blip r:embed="rId2" cstate="print">
+            <a:extLst>
+              <a:ext uri="{28A0092B-C50C-407E-A947-70E740481C1C}">
+                <a14:useLocalDpi xmlns:a14="http://schemas.microsoft.com/office/drawing/2010/main" val="0"/>
+              </a:ext>
+            </a:extLst>
+          </a:blip>
+          <a:stretch>
+            <a:fillRect/>
+          </a:stretch>
+        </p:blipFill>
+        <p:spPr>
+          <a:xfrm>
+            <a:off x="994341" y="587441"/>
+            <a:ext cx="723852" cy="723852"/>
+          </a:xfrm>
+          <a:prstGeom prst="rect">
+            <a:avLst/>
+          </a:prstGeom>
+        </p:spPr>
+      </p:pic>
+      <p:pic>
+        <p:nvPicPr>
+          <p:cNvPr id="2" name="그림 1"/>
+          <p:cNvPicPr>
+            <a:picLocks noChangeAspect="1"/>
+          </p:cNvPicPr>
+          <p:nvPr/>
+        </p:nvPicPr>
+        <p:blipFill rotWithShape="1">
+          <a:blip r:embed="rId3"/>
+          <a:srcRect t="16933"/>
+          <a:stretch/>
+        </p:blipFill>
+        <p:spPr>
+          <a:xfrm>
+            <a:off x="766826" y="1787610"/>
+            <a:ext cx="7200000" cy="4216850"/>
+          </a:xfrm>
+          <a:prstGeom prst="rect">
+            <a:avLst/>
+          </a:prstGeom>
+        </p:spPr>
+      </p:pic>
+      <p:sp>
+        <p:nvSpPr>
+          <p:cNvPr id="3" name="직사각형 2"/>
+          <p:cNvSpPr/>
+          <p:nvPr/>
+        </p:nvSpPr>
+        <p:spPr>
+          <a:xfrm>
+            <a:off x="3937158" y="2613053"/>
+            <a:ext cx="7611763" cy="2015936"/>
+          </a:xfrm>
+          <a:prstGeom prst="rect">
+            <a:avLst/>
+          </a:prstGeom>
+          <a:solidFill>
+            <a:schemeClr val="bg1"/>
+          </a:solidFill>
+          <a:ln>
+            <a:solidFill>
+              <a:schemeClr val="tx1"/>
+            </a:solidFill>
+          </a:ln>
+        </p:spPr>
+        <p:txBody>
+          <a:bodyPr wrap="square">
+            <a:spAutoFit/>
+          </a:bodyPr>
+          <a:lstStyle/>
+          <a:p>
+            <a:pPr>
+              <a:lnSpc>
+                <a:spcPct val="150000"/>
+              </a:lnSpc>
+            </a:pPr>
+            <a:r>
+              <a:rPr lang="ko-KR" altLang="en-US" dirty="0" smtClean="0">
+                <a:solidFill>
+                  <a:sysClr val="windowText" lastClr="000000"/>
+                </a:solidFill>
+                <a:latin typeface="+mn-ea"/>
+              </a:rPr>
+              <a:t>프로젝트 리스트 </a:t>
+            </a:r>
+            <a:r>
+              <a:rPr lang="en-US" altLang="ko-KR" dirty="0" smtClean="0">
+                <a:solidFill>
+                  <a:sysClr val="windowText" lastClr="000000"/>
+                </a:solidFill>
+                <a:latin typeface="+mn-ea"/>
+              </a:rPr>
+              <a:t>&amp; </a:t>
+            </a:r>
+            <a:r>
+              <a:rPr lang="ko-KR" altLang="en-US" dirty="0" err="1" smtClean="0">
+                <a:solidFill>
+                  <a:sysClr val="windowText" lastClr="000000"/>
+                </a:solidFill>
+                <a:latin typeface="+mn-ea"/>
+              </a:rPr>
+              <a:t>페이징</a:t>
+            </a:r>
+            <a:endParaRPr lang="en-US" altLang="ko-KR" dirty="0" smtClean="0">
+              <a:solidFill>
+                <a:sysClr val="windowText" lastClr="000000"/>
+              </a:solidFill>
+              <a:latin typeface="+mn-ea"/>
+            </a:endParaRPr>
+          </a:p>
+          <a:p>
+            <a:r>
+              <a:rPr lang="en-US" altLang="ko-KR" sz="1400" dirty="0" smtClean="0">
+                <a:solidFill>
+                  <a:srgbClr val="008080"/>
+                </a:solidFill>
+                <a:latin typeface="Consolas" panose="020B0609020204030204" pitchFamily="49" charset="0"/>
+              </a:rPr>
+              <a:t>&lt;</a:t>
+            </a:r>
+            <a:r>
+              <a:rPr lang="en-US" altLang="ko-KR" sz="1400" dirty="0" smtClean="0">
+                <a:solidFill>
+                  <a:srgbClr val="3F7F7F"/>
+                </a:solidFill>
+                <a:latin typeface="Consolas" panose="020B0609020204030204" pitchFamily="49" charset="0"/>
+              </a:rPr>
+              <a:t>select </a:t>
+            </a:r>
+            <a:r>
+              <a:rPr lang="en-US" altLang="ko-KR" sz="1400" dirty="0" smtClean="0">
+                <a:solidFill>
+                  <a:srgbClr val="7F007F"/>
+                </a:solidFill>
+                <a:latin typeface="Consolas" panose="020B0609020204030204" pitchFamily="49" charset="0"/>
+              </a:rPr>
+              <a:t>id</a:t>
+            </a:r>
+            <a:r>
+              <a:rPr lang="en-US" altLang="ko-KR" sz="1400" dirty="0" smtClean="0">
+                <a:solidFill>
+                  <a:srgbClr val="000000"/>
+                </a:solidFill>
+                <a:latin typeface="Consolas" panose="020B0609020204030204" pitchFamily="49" charset="0"/>
+              </a:rPr>
+              <a:t>=</a:t>
+            </a:r>
+            <a:r>
+              <a:rPr lang="en-US" altLang="ko-KR" sz="1400" i="1" dirty="0" smtClean="0">
+                <a:solidFill>
+                  <a:srgbClr val="2A00FF"/>
+                </a:solidFill>
+                <a:latin typeface="Consolas" panose="020B0609020204030204" pitchFamily="49" charset="0"/>
+              </a:rPr>
+              <a:t>"</a:t>
+            </a:r>
+            <a:r>
+              <a:rPr lang="en-US" altLang="ko-KR" sz="1400" i="1" dirty="0" err="1" smtClean="0">
+                <a:solidFill>
+                  <a:srgbClr val="2A00FF"/>
+                </a:solidFill>
+                <a:latin typeface="Consolas" panose="020B0609020204030204" pitchFamily="49" charset="0"/>
+              </a:rPr>
+              <a:t>projectList</a:t>
+            </a:r>
+            <a:r>
+              <a:rPr lang="en-US" altLang="ko-KR" sz="1400" i="1" dirty="0" smtClean="0">
+                <a:solidFill>
+                  <a:srgbClr val="2A00FF"/>
+                </a:solidFill>
+                <a:latin typeface="Consolas" panose="020B0609020204030204" pitchFamily="49" charset="0"/>
+              </a:rPr>
+              <a:t>" </a:t>
+            </a:r>
+            <a:r>
+              <a:rPr lang="en-US" altLang="ko-KR" sz="1400" i="1" dirty="0" err="1" smtClean="0">
+                <a:solidFill>
+                  <a:srgbClr val="7F007F"/>
+                </a:solidFill>
+                <a:latin typeface="Consolas" panose="020B0609020204030204" pitchFamily="49" charset="0"/>
+              </a:rPr>
+              <a:t>resultMap</a:t>
+            </a:r>
+            <a:r>
+              <a:rPr lang="en-US" altLang="ko-KR" sz="1400" i="1" dirty="0" smtClean="0">
+                <a:solidFill>
+                  <a:srgbClr val="000000"/>
+                </a:solidFill>
+                <a:latin typeface="Consolas" panose="020B0609020204030204" pitchFamily="49" charset="0"/>
+              </a:rPr>
+              <a:t>=</a:t>
+            </a:r>
+            <a:r>
+              <a:rPr lang="en-US" altLang="ko-KR" sz="1400" i="1" dirty="0" smtClean="0">
+                <a:solidFill>
+                  <a:srgbClr val="2A00FF"/>
+                </a:solidFill>
+                <a:latin typeface="Consolas" panose="020B0609020204030204" pitchFamily="49" charset="0"/>
+              </a:rPr>
+              <a:t>"</a:t>
+            </a:r>
+            <a:r>
+              <a:rPr lang="en-US" altLang="ko-KR" sz="1400" i="1" dirty="0" err="1" smtClean="0">
+                <a:solidFill>
+                  <a:srgbClr val="2A00FF"/>
+                </a:solidFill>
+                <a:latin typeface="Consolas" panose="020B0609020204030204" pitchFamily="49" charset="0"/>
+              </a:rPr>
+              <a:t>projectResult</a:t>
+            </a:r>
+            <a:r>
+              <a:rPr lang="en-US" altLang="ko-KR" sz="1400" i="1" dirty="0" smtClean="0">
+                <a:solidFill>
+                  <a:srgbClr val="2A00FF"/>
+                </a:solidFill>
+                <a:latin typeface="Consolas" panose="020B0609020204030204" pitchFamily="49" charset="0"/>
+              </a:rPr>
+              <a:t>" </a:t>
+            </a:r>
+            <a:r>
+              <a:rPr lang="en-US" altLang="ko-KR" sz="1400" i="1" dirty="0" err="1" smtClean="0">
+                <a:solidFill>
+                  <a:srgbClr val="7F007F"/>
+                </a:solidFill>
+                <a:latin typeface="Consolas" panose="020B0609020204030204" pitchFamily="49" charset="0"/>
+              </a:rPr>
+              <a:t>parameterType</a:t>
+            </a:r>
+            <a:r>
+              <a:rPr lang="en-US" altLang="ko-KR" sz="1400" i="1" dirty="0" smtClean="0">
+                <a:solidFill>
+                  <a:srgbClr val="000000"/>
+                </a:solidFill>
+                <a:latin typeface="Consolas" panose="020B0609020204030204" pitchFamily="49" charset="0"/>
+              </a:rPr>
+              <a:t>=</a:t>
+            </a:r>
+            <a:r>
+              <a:rPr lang="en-US" altLang="ko-KR" sz="1400" i="1" dirty="0" smtClean="0">
+                <a:solidFill>
+                  <a:srgbClr val="2A00FF"/>
+                </a:solidFill>
+                <a:latin typeface="Consolas" panose="020B0609020204030204" pitchFamily="49" charset="0"/>
+              </a:rPr>
+              <a:t>"project"</a:t>
+            </a:r>
+            <a:r>
+              <a:rPr lang="en-US" altLang="ko-KR" sz="1400" i="1" dirty="0" smtClean="0">
+                <a:solidFill>
+                  <a:srgbClr val="008080"/>
+                </a:solidFill>
+                <a:latin typeface="Consolas" panose="020B0609020204030204" pitchFamily="49" charset="0"/>
+              </a:rPr>
+              <a:t>&gt;</a:t>
+            </a:r>
+          </a:p>
+          <a:p>
+            <a:r>
+              <a:rPr lang="en-US" altLang="ko-KR" sz="1400" dirty="0" smtClean="0">
+                <a:solidFill>
+                  <a:srgbClr val="000000"/>
+                </a:solidFill>
+                <a:latin typeface="Consolas" panose="020B0609020204030204" pitchFamily="49" charset="0"/>
+              </a:rPr>
+              <a:t>   SELECT </a:t>
+            </a:r>
+            <a:r>
+              <a:rPr lang="en-US" altLang="ko-KR" sz="1400" dirty="0">
+                <a:solidFill>
+                  <a:srgbClr val="000000"/>
+                </a:solidFill>
+                <a:latin typeface="Consolas" panose="020B0609020204030204" pitchFamily="49" charset="0"/>
+              </a:rPr>
+              <a:t>*</a:t>
+            </a:r>
+          </a:p>
+          <a:p>
+            <a:r>
+              <a:rPr lang="en-US" altLang="ko-KR" sz="1400" dirty="0" smtClean="0">
+                <a:solidFill>
+                  <a:srgbClr val="000000"/>
+                </a:solidFill>
+                <a:latin typeface="Consolas" panose="020B0609020204030204" pitchFamily="49" charset="0"/>
+              </a:rPr>
+              <a:t>   FROM </a:t>
+            </a:r>
+            <a:r>
+              <a:rPr lang="en-US" altLang="ko-KR" sz="1400" dirty="0">
+                <a:solidFill>
+                  <a:srgbClr val="000000"/>
+                </a:solidFill>
+                <a:latin typeface="Consolas" panose="020B0609020204030204" pitchFamily="49" charset="0"/>
+              </a:rPr>
+              <a:t>(SELECT </a:t>
+            </a:r>
+            <a:r>
+              <a:rPr lang="en-US" altLang="ko-KR" sz="1400" dirty="0" err="1">
+                <a:solidFill>
+                  <a:srgbClr val="000000"/>
+                </a:solidFill>
+                <a:latin typeface="Consolas" panose="020B0609020204030204" pitchFamily="49" charset="0"/>
+              </a:rPr>
+              <a:t>rownum</a:t>
+            </a:r>
+            <a:r>
+              <a:rPr lang="en-US" altLang="ko-KR" sz="1400" dirty="0">
+                <a:solidFill>
+                  <a:srgbClr val="000000"/>
+                </a:solidFill>
+                <a:latin typeface="Consolas" panose="020B0609020204030204" pitchFamily="49" charset="0"/>
+              </a:rPr>
+              <a:t> </a:t>
+            </a:r>
+            <a:r>
+              <a:rPr lang="en-US" altLang="ko-KR" sz="1400" dirty="0" err="1">
+                <a:solidFill>
+                  <a:srgbClr val="000000"/>
+                </a:solidFill>
+                <a:latin typeface="Consolas" panose="020B0609020204030204" pitchFamily="49" charset="0"/>
+              </a:rPr>
+              <a:t>cnt</a:t>
+            </a:r>
+            <a:r>
+              <a:rPr lang="en-US" altLang="ko-KR" sz="1400" dirty="0">
+                <a:solidFill>
+                  <a:srgbClr val="000000"/>
+                </a:solidFill>
+                <a:latin typeface="Consolas" panose="020B0609020204030204" pitchFamily="49" charset="0"/>
+              </a:rPr>
+              <a:t>, c.*</a:t>
+            </a:r>
+          </a:p>
+          <a:p>
+            <a:r>
+              <a:rPr lang="en-US" altLang="ko-KR" sz="1400" dirty="0" smtClean="0">
+                <a:solidFill>
+                  <a:srgbClr val="000000"/>
+                </a:solidFill>
+                <a:latin typeface="Consolas" panose="020B0609020204030204" pitchFamily="49" charset="0"/>
+              </a:rPr>
+              <a:t>         FROM </a:t>
+            </a:r>
+            <a:r>
+              <a:rPr lang="en-US" altLang="ko-KR" sz="1400" dirty="0">
+                <a:solidFill>
+                  <a:srgbClr val="000000"/>
+                </a:solidFill>
+                <a:latin typeface="Consolas" panose="020B0609020204030204" pitchFamily="49" charset="0"/>
+              </a:rPr>
+              <a:t>(SELECT a.*, </a:t>
+            </a:r>
+            <a:r>
+              <a:rPr lang="en-US" altLang="ko-KR" sz="1400" dirty="0" err="1">
+                <a:solidFill>
+                  <a:srgbClr val="000000"/>
+                </a:solidFill>
+                <a:latin typeface="Consolas" panose="020B0609020204030204" pitchFamily="49" charset="0"/>
+              </a:rPr>
+              <a:t>b.maker_name</a:t>
+            </a:r>
+            <a:r>
+              <a:rPr lang="en-US" altLang="ko-KR" sz="1400" dirty="0">
+                <a:solidFill>
+                  <a:srgbClr val="000000"/>
+                </a:solidFill>
+                <a:latin typeface="Consolas" panose="020B0609020204030204" pitchFamily="49" charset="0"/>
+              </a:rPr>
+              <a:t> FROM project a, MAKER b</a:t>
+            </a:r>
+          </a:p>
+          <a:p>
+            <a:r>
+              <a:rPr lang="en-US" altLang="ko-KR" sz="1400" dirty="0" smtClean="0">
+                <a:solidFill>
+                  <a:srgbClr val="000000"/>
+                </a:solidFill>
+                <a:latin typeface="Consolas" panose="020B0609020204030204" pitchFamily="49" charset="0"/>
+              </a:rPr>
+              <a:t>               WHERE </a:t>
+            </a:r>
+            <a:r>
+              <a:rPr lang="en-US" altLang="ko-KR" sz="1400" dirty="0" err="1">
+                <a:solidFill>
+                  <a:srgbClr val="000000"/>
+                </a:solidFill>
+                <a:latin typeface="Consolas" panose="020B0609020204030204" pitchFamily="49" charset="0"/>
+              </a:rPr>
+              <a:t>a.MAKER_CODE</a:t>
+            </a:r>
+            <a:r>
+              <a:rPr lang="en-US" altLang="ko-KR" sz="1400" dirty="0">
+                <a:solidFill>
+                  <a:srgbClr val="000000"/>
+                </a:solidFill>
+                <a:latin typeface="Consolas" panose="020B0609020204030204" pitchFamily="49" charset="0"/>
+              </a:rPr>
+              <a:t> = </a:t>
+            </a:r>
+            <a:r>
+              <a:rPr lang="en-US" altLang="ko-KR" sz="1400" dirty="0" err="1">
+                <a:solidFill>
+                  <a:srgbClr val="000000"/>
+                </a:solidFill>
+                <a:latin typeface="Consolas" panose="020B0609020204030204" pitchFamily="49" charset="0"/>
+              </a:rPr>
+              <a:t>b.MAKER_CODE</a:t>
+            </a:r>
+            <a:r>
+              <a:rPr lang="en-US" altLang="ko-KR" sz="1400" dirty="0">
+                <a:solidFill>
+                  <a:srgbClr val="000000"/>
+                </a:solidFill>
+                <a:latin typeface="Consolas" panose="020B0609020204030204" pitchFamily="49" charset="0"/>
+              </a:rPr>
+              <a:t>) c)</a:t>
+            </a:r>
+          </a:p>
+          <a:p>
+            <a:r>
+              <a:rPr lang="en-US" altLang="ko-KR" sz="1400" dirty="0" smtClean="0">
+                <a:solidFill>
+                  <a:srgbClr val="000000"/>
+                </a:solidFill>
+                <a:latin typeface="Consolas" panose="020B0609020204030204" pitchFamily="49" charset="0"/>
+              </a:rPr>
+              <a:t>   WHERE </a:t>
+            </a:r>
+            <a:r>
+              <a:rPr lang="en-US" altLang="ko-KR" sz="1400" dirty="0" err="1">
+                <a:solidFill>
+                  <a:srgbClr val="000000"/>
+                </a:solidFill>
+                <a:latin typeface="Consolas" panose="020B0609020204030204" pitchFamily="49" charset="0"/>
+              </a:rPr>
+              <a:t>cnt</a:t>
+            </a:r>
+            <a:r>
+              <a:rPr lang="en-US" altLang="ko-KR" sz="1400" dirty="0">
+                <a:solidFill>
+                  <a:srgbClr val="000000"/>
+                </a:solidFill>
+                <a:latin typeface="Consolas" panose="020B0609020204030204" pitchFamily="49" charset="0"/>
+              </a:rPr>
+              <a:t> BETWEEN #{start} AND #{end}</a:t>
+            </a:r>
+          </a:p>
+          <a:p>
+            <a:r>
+              <a:rPr lang="en-US" altLang="ko-KR" sz="1400" dirty="0">
+                <a:solidFill>
+                  <a:srgbClr val="008080"/>
+                </a:solidFill>
+                <a:latin typeface="Consolas" panose="020B0609020204030204" pitchFamily="49" charset="0"/>
+              </a:rPr>
+              <a:t>&lt;/</a:t>
+            </a:r>
+            <a:r>
+              <a:rPr lang="en-US" altLang="ko-KR" sz="1400" dirty="0">
+                <a:solidFill>
+                  <a:srgbClr val="3F7F7F"/>
+                </a:solidFill>
+                <a:latin typeface="Consolas" panose="020B0609020204030204" pitchFamily="49" charset="0"/>
+              </a:rPr>
+              <a:t>select</a:t>
+            </a:r>
+            <a:r>
+              <a:rPr lang="en-US" altLang="ko-KR" sz="1400" dirty="0">
+                <a:solidFill>
+                  <a:srgbClr val="008080"/>
+                </a:solidFill>
+                <a:latin typeface="Consolas" panose="020B0609020204030204" pitchFamily="49" charset="0"/>
+              </a:rPr>
+              <a:t>&gt;</a:t>
+            </a:r>
+            <a:endParaRPr lang="ko-KR" altLang="en-US" sz="1400" dirty="0"/>
+          </a:p>
+        </p:txBody>
+      </p:sp>
+    </p:spTree>
+    <p:extLst>
+      <p:ext uri="{BB962C8B-B14F-4D97-AF65-F5344CB8AC3E}">
+        <p14:creationId xmlns:p14="http://schemas.microsoft.com/office/powerpoint/2010/main" val="2718079716"/>
+      </p:ext>
+    </p:extLst>
+  </p:cSld>
+  <p:clrMapOvr>
+    <a:masterClrMapping/>
+  </p:clrMapOvr>
+  <p:timing>
+    <p:tnLst>
+      <p:par>
+        <p:cTn id="1" dur="indefinite" restart="never" nodeType="tmRoot"/>
+      </p:par>
+    </p:tnLst>
+  </p:timing>
+</p:sld>
+</file>
+
+<file path=ppt/slides/slide18.xml><?xml version="1.0" encoding="utf-8"?>
+<p:sld xmlns:a="http://schemas.openxmlformats.org/drawingml/2006/main" xmlns:r="http://schemas.openxmlformats.org/officeDocument/2006/relationships" xmlns:p="http://schemas.openxmlformats.org/presentationml/2006/main">
+  <p:cSld>
+    <p:bg>
+      <p:bgPr>
+        <a:solidFill>
+          <a:srgbClr val="FF9E00"/>
+        </a:solidFill>
+        <a:effectLst/>
+      </p:bgPr>
+    </p:bg>
+    <p:spTree>
+      <p:nvGrpSpPr>
+        <p:cNvPr id="1" name=""/>
+        <p:cNvGrpSpPr/>
+        <p:nvPr/>
+      </p:nvGrpSpPr>
+      <p:grpSpPr>
+        <a:xfrm>
+          <a:off x="0" y="0"/>
+          <a:ext cx="0" cy="0"/>
+          <a:chOff x="0" y="0"/>
+          <a:chExt cx="0" cy="0"/>
+        </a:xfrm>
+      </p:grpSpPr>
+      <p:sp>
+        <p:nvSpPr>
+          <p:cNvPr id="6" name="양쪽 모서리가 둥근 사각형 5"/>
+          <p:cNvSpPr/>
+          <p:nvPr/>
+        </p:nvSpPr>
+        <p:spPr>
+          <a:xfrm>
+            <a:off x="143339" y="548680"/>
+            <a:ext cx="11905323" cy="6144683"/>
+          </a:xfrm>
+          <a:prstGeom prst="round2SameRect">
+            <a:avLst>
+              <a:gd name="adj1" fmla="val 0"/>
+              <a:gd name="adj2" fmla="val 2405"/>
+            </a:avLst>
+          </a:prstGeom>
+          <a:solidFill>
+            <a:schemeClr val="bg1"/>
+          </a:solidFill>
+          <a:ln>
+            <a:noFill/>
+          </a:ln>
+          <a:effectLst>
+            <a:outerShdw dist="254000" dir="5400000" sx="97000" sy="97000" algn="t" rotWithShape="0">
+              <a:prstClr val="black">
+                <a:alpha val="40000"/>
+              </a:prstClr>
+            </a:outerShdw>
+          </a:effectLst>
+        </p:spPr>
+        <p:style>
+          <a:lnRef idx="2">
+            <a:schemeClr val="accent1">
+              <a:shade val="50000"/>
+            </a:schemeClr>
+          </a:lnRef>
+          <a:fillRef idx="1">
+            <a:schemeClr val="accent1"/>
+          </a:fillRef>
+          <a:effectRef idx="0">
+            <a:schemeClr val="accent1"/>
+          </a:effectRef>
+          <a:fontRef idx="minor">
+            <a:schemeClr val="lt1"/>
+          </a:fontRef>
+        </p:style>
+        <p:txBody>
+          <a:bodyPr lIns="91440" tIns="45720" rIns="91440" bIns="45720" rtlCol="0" anchor="ctr"/>
+          <a:lstStyle/>
+          <a:p>
+            <a:pPr algn="ctr" latinLnBrk="0">
+              <a:buClr>
+                <a:srgbClr val="000000"/>
+              </a:buClr>
+              <a:buFont typeface="Arial"/>
+              <a:buNone/>
+            </a:pPr>
+            <a:endParaRPr lang="ko-KR" altLang="en-US" sz="1867" kern="0">
+              <a:solidFill>
+                <a:prstClr val="white"/>
+              </a:solidFill>
+              <a:sym typeface="Arial"/>
+            </a:endParaRPr>
+          </a:p>
+        </p:txBody>
+      </p:sp>
+      <p:sp>
+        <p:nvSpPr>
+          <p:cNvPr id="5" name="양쪽 모서리가 둥근 사각형 4"/>
+          <p:cNvSpPr/>
+          <p:nvPr/>
+        </p:nvSpPr>
+        <p:spPr>
+          <a:xfrm>
+            <a:off x="143339" y="243880"/>
+            <a:ext cx="11905323" cy="304800"/>
+          </a:xfrm>
+          <a:prstGeom prst="round2SameRect">
+            <a:avLst>
+              <a:gd name="adj1" fmla="val 44667"/>
+              <a:gd name="adj2" fmla="val 0"/>
+            </a:avLst>
+          </a:prstGeom>
+          <a:solidFill>
+            <a:srgbClr val="411F42"/>
+          </a:solidFill>
+          <a:ln>
+            <a:noFill/>
+          </a:ln>
+          <a:effectLst>
+            <a:outerShdw dist="76200" dir="16200000" sx="97000" sy="97000" rotWithShape="0">
+              <a:prstClr val="black">
+                <a:alpha val="40000"/>
+              </a:prstClr>
+            </a:outerShdw>
+          </a:effectLst>
+        </p:spPr>
+        <p:style>
+          <a:lnRef idx="2">
+            <a:schemeClr val="accent1">
+              <a:shade val="50000"/>
+            </a:schemeClr>
+          </a:lnRef>
+          <a:fillRef idx="1">
+            <a:schemeClr val="accent1"/>
+          </a:fillRef>
+          <a:effectRef idx="0">
+            <a:schemeClr val="accent1"/>
+          </a:effectRef>
+          <a:fontRef idx="minor">
+            <a:schemeClr val="lt1"/>
+          </a:fontRef>
+        </p:style>
+        <p:txBody>
+          <a:bodyPr lIns="91440" tIns="45720" rIns="91440" bIns="45720" rtlCol="0" anchor="ctr"/>
+          <a:lstStyle/>
+          <a:p>
+            <a:pPr algn="ctr" latinLnBrk="0">
+              <a:buClr>
+                <a:srgbClr val="000000"/>
+              </a:buClr>
+              <a:buFont typeface="Arial"/>
+              <a:buNone/>
+            </a:pPr>
+            <a:endParaRPr lang="ko-KR" altLang="en-US" sz="1867" kern="0">
+              <a:solidFill>
+                <a:prstClr val="white"/>
+              </a:solidFill>
+              <a:sym typeface="Arial"/>
+            </a:endParaRPr>
+          </a:p>
+        </p:txBody>
+      </p:sp>
+      <p:sp>
+        <p:nvSpPr>
+          <p:cNvPr id="7" name="직사각형 6"/>
+          <p:cNvSpPr/>
+          <p:nvPr/>
+        </p:nvSpPr>
+        <p:spPr>
+          <a:xfrm>
+            <a:off x="935120" y="366664"/>
+            <a:ext cx="10613801" cy="72000"/>
+          </a:xfrm>
+          <a:prstGeom prst="rect">
+            <a:avLst/>
+          </a:prstGeom>
+          <a:solidFill>
+            <a:schemeClr val="bg1"/>
+          </a:solidFill>
+          <a:ln>
+            <a:noFill/>
+          </a:ln>
+        </p:spPr>
+        <p:style>
+          <a:lnRef idx="2">
+            <a:schemeClr val="accent1">
+              <a:shade val="50000"/>
+            </a:schemeClr>
+          </a:lnRef>
+          <a:fillRef idx="1">
+            <a:schemeClr val="accent1"/>
+          </a:fillRef>
+          <a:effectRef idx="0">
+            <a:schemeClr val="accent1"/>
+          </a:effectRef>
+          <a:fontRef idx="minor">
+            <a:schemeClr val="lt1"/>
+          </a:fontRef>
+        </p:style>
+        <p:txBody>
+          <a:bodyPr lIns="91440" tIns="45720" rIns="91440" bIns="45720" rtlCol="0" anchor="ctr"/>
+          <a:lstStyle/>
+          <a:p>
+            <a:pPr algn="ctr" latinLnBrk="0">
+              <a:buClr>
+                <a:srgbClr val="000000"/>
+              </a:buClr>
+              <a:buFont typeface="Arial"/>
+              <a:buNone/>
+            </a:pPr>
+            <a:endParaRPr lang="ko-KR" altLang="en-US" sz="1867" kern="0">
+              <a:solidFill>
+                <a:prstClr val="white"/>
+              </a:solidFill>
+              <a:sym typeface="Arial"/>
+            </a:endParaRPr>
+          </a:p>
+        </p:txBody>
+      </p:sp>
+      <p:sp>
+        <p:nvSpPr>
+          <p:cNvPr id="8" name="타원 7"/>
+          <p:cNvSpPr/>
+          <p:nvPr/>
+        </p:nvSpPr>
+        <p:spPr>
+          <a:xfrm>
+            <a:off x="576949" y="366664"/>
+            <a:ext cx="75276" cy="72000"/>
+          </a:xfrm>
+          <a:prstGeom prst="ellipse">
+            <a:avLst/>
+          </a:prstGeom>
+          <a:solidFill>
+            <a:srgbClr val="FF6189"/>
+          </a:solidFill>
+          <a:ln>
+            <a:noFill/>
+          </a:ln>
+        </p:spPr>
+        <p:style>
+          <a:lnRef idx="2">
+            <a:schemeClr val="accent1">
+              <a:shade val="50000"/>
+            </a:schemeClr>
+          </a:lnRef>
+          <a:fillRef idx="1">
+            <a:schemeClr val="accent1"/>
+          </a:fillRef>
+          <a:effectRef idx="0">
+            <a:schemeClr val="accent1"/>
+          </a:effectRef>
+          <a:fontRef idx="minor">
+            <a:schemeClr val="lt1"/>
+          </a:fontRef>
+        </p:style>
+        <p:txBody>
+          <a:bodyPr lIns="91440" tIns="45720" rIns="91440" bIns="45720" rtlCol="0" anchor="ctr"/>
+          <a:lstStyle/>
+          <a:p>
+            <a:pPr algn="ctr" latinLnBrk="0">
+              <a:buClr>
+                <a:srgbClr val="000000"/>
+              </a:buClr>
+              <a:buFont typeface="Arial"/>
+              <a:buNone/>
+            </a:pPr>
+            <a:endParaRPr lang="ko-KR" altLang="en-US" sz="1867" kern="0">
+              <a:solidFill>
+                <a:prstClr val="white"/>
+              </a:solidFill>
+              <a:sym typeface="Arial"/>
+            </a:endParaRPr>
+          </a:p>
+        </p:txBody>
+      </p:sp>
+      <p:sp>
+        <p:nvSpPr>
+          <p:cNvPr id="9" name="타원 8"/>
+          <p:cNvSpPr/>
+          <p:nvPr/>
+        </p:nvSpPr>
+        <p:spPr>
+          <a:xfrm>
+            <a:off x="766826" y="366664"/>
+            <a:ext cx="75276" cy="72000"/>
+          </a:xfrm>
+          <a:prstGeom prst="ellipse">
+            <a:avLst/>
+          </a:prstGeom>
+          <a:solidFill>
+            <a:srgbClr val="00B0F0"/>
+          </a:solidFill>
+          <a:ln>
+            <a:noFill/>
+          </a:ln>
+        </p:spPr>
+        <p:style>
+          <a:lnRef idx="2">
+            <a:schemeClr val="accent1">
+              <a:shade val="50000"/>
+            </a:schemeClr>
+          </a:lnRef>
+          <a:fillRef idx="1">
+            <a:schemeClr val="accent1"/>
+          </a:fillRef>
+          <a:effectRef idx="0">
+            <a:schemeClr val="accent1"/>
+          </a:effectRef>
+          <a:fontRef idx="minor">
+            <a:schemeClr val="lt1"/>
+          </a:fontRef>
+        </p:style>
+        <p:txBody>
+          <a:bodyPr lIns="91440" tIns="45720" rIns="91440" bIns="45720" rtlCol="0" anchor="ctr"/>
+          <a:lstStyle/>
+          <a:p>
+            <a:pPr algn="ctr" latinLnBrk="0">
+              <a:buClr>
+                <a:srgbClr val="000000"/>
+              </a:buClr>
+              <a:buFont typeface="Arial"/>
+              <a:buNone/>
+            </a:pPr>
+            <a:endParaRPr lang="ko-KR" altLang="en-US" sz="1867" kern="0">
+              <a:solidFill>
+                <a:prstClr val="white"/>
+              </a:solidFill>
+              <a:sym typeface="Arial"/>
+            </a:endParaRPr>
+          </a:p>
+        </p:txBody>
+      </p:sp>
+      <p:sp>
+        <p:nvSpPr>
+          <p:cNvPr id="10" name="타원 9"/>
+          <p:cNvSpPr/>
+          <p:nvPr/>
+        </p:nvSpPr>
+        <p:spPr>
+          <a:xfrm>
+            <a:off x="956703" y="366664"/>
+            <a:ext cx="75276" cy="72000"/>
+          </a:xfrm>
+          <a:prstGeom prst="ellipse">
+            <a:avLst/>
+          </a:prstGeom>
+          <a:solidFill>
+            <a:schemeClr val="accent4"/>
+          </a:solidFill>
+          <a:ln>
+            <a:noFill/>
+          </a:ln>
+        </p:spPr>
+        <p:style>
+          <a:lnRef idx="2">
+            <a:schemeClr val="accent1">
+              <a:shade val="50000"/>
+            </a:schemeClr>
+          </a:lnRef>
+          <a:fillRef idx="1">
+            <a:schemeClr val="accent1"/>
+          </a:fillRef>
+          <a:effectRef idx="0">
+            <a:schemeClr val="accent1"/>
+          </a:effectRef>
+          <a:fontRef idx="minor">
+            <a:schemeClr val="lt1"/>
+          </a:fontRef>
+        </p:style>
+        <p:txBody>
+          <a:bodyPr lIns="91440" tIns="45720" rIns="91440" bIns="45720" rtlCol="0" anchor="ctr"/>
+          <a:lstStyle/>
+          <a:p>
+            <a:pPr algn="ctr" latinLnBrk="0">
+              <a:buClr>
+                <a:srgbClr val="000000"/>
+              </a:buClr>
+              <a:buFont typeface="Arial"/>
+              <a:buNone/>
+            </a:pPr>
+            <a:endParaRPr lang="ko-KR" altLang="en-US" sz="1867" kern="0">
+              <a:solidFill>
+                <a:prstClr val="white"/>
+              </a:solidFill>
+              <a:sym typeface="Arial"/>
+            </a:endParaRPr>
+          </a:p>
+        </p:txBody>
+      </p:sp>
+      <p:sp>
+        <p:nvSpPr>
+          <p:cNvPr id="11" name="직사각형 10"/>
+          <p:cNvSpPr/>
+          <p:nvPr/>
+        </p:nvSpPr>
+        <p:spPr>
+          <a:xfrm>
+            <a:off x="1871531" y="626202"/>
+            <a:ext cx="7532965" cy="574966"/>
+          </a:xfrm>
+          <a:prstGeom prst="rect">
+            <a:avLst/>
+          </a:prstGeom>
+        </p:spPr>
+        <p:txBody>
+          <a:bodyPr wrap="square" lIns="91440" tIns="45720" rIns="91440" bIns="45720">
+            <a:spAutoFit/>
+          </a:bodyPr>
+          <a:lstStyle/>
+          <a:p>
+            <a:pPr latinLnBrk="0">
+              <a:lnSpc>
+                <a:spcPct val="150000"/>
+              </a:lnSpc>
+              <a:buClr>
+                <a:srgbClr val="000000"/>
+              </a:buClr>
+              <a:buFont typeface="Arial"/>
+              <a:buNone/>
+            </a:pPr>
+            <a:r>
+              <a:rPr lang="en-US" altLang="ko-KR" sz="2400" b="1" kern="0" dirty="0">
+                <a:solidFill>
+                  <a:srgbClr val="000000">
+                    <a:lumMod val="75000"/>
+                    <a:lumOff val="25000"/>
+                  </a:srgbClr>
+                </a:solidFill>
+                <a:latin typeface="맑은 고딕" panose="020B0503020000020004" pitchFamily="50" charset="-127"/>
+                <a:cs typeface="Arial"/>
+                <a:sym typeface="Arial"/>
+              </a:rPr>
+              <a:t>[ </a:t>
+            </a:r>
+            <a:r>
+              <a:rPr lang="ko-KR" altLang="en-US" sz="2400" b="1" kern="0" dirty="0">
+                <a:solidFill>
+                  <a:srgbClr val="000000">
+                    <a:lumMod val="75000"/>
+                    <a:lumOff val="25000"/>
+                  </a:srgbClr>
+                </a:solidFill>
+                <a:latin typeface="맑은 고딕" panose="020B0503020000020004" pitchFamily="50" charset="-127"/>
+                <a:cs typeface="Arial"/>
+                <a:sym typeface="Arial"/>
+              </a:rPr>
+              <a:t>화면구현 </a:t>
+            </a:r>
+            <a:r>
+              <a:rPr lang="en-US" altLang="ko-KR" sz="2400" b="1" kern="0" dirty="0">
+                <a:solidFill>
+                  <a:srgbClr val="000000">
+                    <a:lumMod val="75000"/>
+                    <a:lumOff val="25000"/>
+                  </a:srgbClr>
+                </a:solidFill>
+                <a:latin typeface="맑은 고딕" panose="020B0503020000020004" pitchFamily="50" charset="-127"/>
+                <a:cs typeface="Arial"/>
+                <a:sym typeface="Arial"/>
+              </a:rPr>
+              <a:t>] </a:t>
+            </a:r>
+            <a:r>
+              <a:rPr lang="ko-KR" altLang="en-US" sz="2400" b="1" kern="0" dirty="0">
+                <a:solidFill>
+                  <a:srgbClr val="000000">
+                    <a:lumMod val="75000"/>
+                    <a:lumOff val="25000"/>
+                  </a:srgbClr>
+                </a:solidFill>
+                <a:latin typeface="맑은 고딕" panose="020B0503020000020004" pitchFamily="50" charset="-127"/>
+                <a:cs typeface="Arial"/>
+                <a:sym typeface="Arial"/>
+              </a:rPr>
+              <a:t>프로젝트 목록 </a:t>
+            </a:r>
+            <a:r>
+              <a:rPr lang="en-US" altLang="ko-KR" sz="2400" b="1" kern="0" dirty="0">
+                <a:solidFill>
+                  <a:srgbClr val="000000">
+                    <a:lumMod val="75000"/>
+                    <a:lumOff val="25000"/>
+                  </a:srgbClr>
+                </a:solidFill>
+                <a:latin typeface="맑은 고딕" panose="020B0503020000020004" pitchFamily="50" charset="-127"/>
+                <a:cs typeface="Arial"/>
+                <a:sym typeface="Arial"/>
+              </a:rPr>
+              <a:t>– </a:t>
+            </a:r>
+            <a:r>
+              <a:rPr lang="ko-KR" altLang="en-US" sz="2400" b="1" kern="0" dirty="0" err="1">
+                <a:solidFill>
+                  <a:srgbClr val="000000">
+                    <a:lumMod val="75000"/>
+                    <a:lumOff val="25000"/>
+                  </a:srgbClr>
+                </a:solidFill>
+                <a:latin typeface="맑은 고딕" panose="020B0503020000020004" pitchFamily="50" charset="-127"/>
+                <a:cs typeface="Arial"/>
+                <a:sym typeface="Arial"/>
+              </a:rPr>
+              <a:t>펀딩</a:t>
+            </a:r>
+            <a:r>
+              <a:rPr lang="ko-KR" altLang="en-US" sz="2400" b="1" kern="0" dirty="0">
+                <a:solidFill>
+                  <a:srgbClr val="000000">
+                    <a:lumMod val="75000"/>
+                    <a:lumOff val="25000"/>
+                  </a:srgbClr>
+                </a:solidFill>
+                <a:latin typeface="맑은 고딕" panose="020B0503020000020004" pitchFamily="50" charset="-127"/>
+                <a:cs typeface="Arial"/>
+                <a:sym typeface="Arial"/>
+              </a:rPr>
+              <a:t> </a:t>
+            </a:r>
+            <a:r>
+              <a:rPr lang="en-US" altLang="ko-KR" sz="2400" b="1" kern="0" dirty="0">
+                <a:solidFill>
+                  <a:srgbClr val="000000">
+                    <a:lumMod val="75000"/>
+                    <a:lumOff val="25000"/>
+                  </a:srgbClr>
+                </a:solidFill>
+                <a:latin typeface="맑은 고딕" panose="020B0503020000020004" pitchFamily="50" charset="-127"/>
+                <a:cs typeface="Arial"/>
+                <a:sym typeface="Arial"/>
+              </a:rPr>
+              <a:t>– </a:t>
+            </a:r>
+            <a:r>
+              <a:rPr lang="ko-KR" altLang="en-US" sz="2400" b="1" kern="0" dirty="0">
+                <a:solidFill>
+                  <a:srgbClr val="000000">
+                    <a:lumMod val="75000"/>
+                    <a:lumOff val="25000"/>
+                  </a:srgbClr>
+                </a:solidFill>
+                <a:latin typeface="맑은 고딕" panose="020B0503020000020004" pitchFamily="50" charset="-127"/>
+                <a:cs typeface="Arial"/>
+                <a:sym typeface="Arial"/>
+              </a:rPr>
+              <a:t>사용자</a:t>
+            </a:r>
+            <a:endParaRPr lang="ko-KR" altLang="en-US" sz="2400" b="1" kern="0" dirty="0">
+              <a:solidFill>
+                <a:srgbClr val="000000">
+                  <a:lumMod val="75000"/>
+                  <a:lumOff val="25000"/>
+                </a:srgbClr>
+              </a:solidFill>
+              <a:latin typeface="맑은 고딕" panose="020B0503020000020004" pitchFamily="50" charset="-127"/>
+              <a:cs typeface="Arial"/>
+              <a:sym typeface="Arial"/>
+            </a:endParaRPr>
+          </a:p>
+        </p:txBody>
+      </p:sp>
+      <p:pic>
+        <p:nvPicPr>
+          <p:cNvPr id="13" name="Picture 2"/>
+          <p:cNvPicPr>
+            <a:picLocks noChangeAspect="1" noChangeArrowheads="1"/>
+          </p:cNvPicPr>
+          <p:nvPr/>
+        </p:nvPicPr>
+        <p:blipFill>
+          <a:blip r:embed="rId2" cstate="print">
+            <a:extLst>
+              <a:ext uri="{28A0092B-C50C-407E-A947-70E740481C1C}">
+                <a14:useLocalDpi xmlns:a14="http://schemas.microsoft.com/office/drawing/2010/main" val="0"/>
+              </a:ext>
+            </a:extLst>
+          </a:blip>
+          <a:srcRect/>
+          <a:stretch>
+            <a:fillRect/>
+          </a:stretch>
+        </p:blipFill>
+        <p:spPr bwMode="auto">
+          <a:xfrm>
+            <a:off x="804463" y="626202"/>
+            <a:ext cx="1128060" cy="751305"/>
+          </a:xfrm>
+          <a:prstGeom prst="rect">
+            <a:avLst/>
+          </a:prstGeom>
+          <a:noFill/>
+          <a:ln>
+            <a:noFill/>
+          </a:ln>
+          <a:extLst>
+            <a:ext uri="{909E8E84-426E-40DD-AFC4-6F175D3DCCD1}">
+              <a14:hiddenFill xmlns:a14="http://schemas.microsoft.com/office/drawing/2010/main">
+                <a:solidFill>
+                  <a:schemeClr val="accent1"/>
+                </a:solidFill>
+              </a14:hiddenFill>
+            </a:ext>
+            <a:ext uri="{91240B29-F687-4F45-9708-019B960494DF}">
+              <a14:hiddenLine xmlns:a14="http://schemas.microsoft.com/office/drawing/2010/main" w="9525">
+                <a:solidFill>
+                  <a:schemeClr val="tx1"/>
+                </a:solidFill>
+                <a:miter lim="800000"/>
+                <a:headEnd/>
+                <a:tailEnd/>
+              </a14:hiddenLine>
+            </a:ext>
+          </a:extLst>
+        </p:spPr>
+      </p:pic>
+      <p:pic>
+        <p:nvPicPr>
+          <p:cNvPr id="2" name="그림 1"/>
+          <p:cNvPicPr>
+            <a:picLocks noChangeAspect="1"/>
+          </p:cNvPicPr>
+          <p:nvPr/>
+        </p:nvPicPr>
+        <p:blipFill>
+          <a:blip r:embed="rId3">
+            <a:extLst>
+              <a:ext uri="{28A0092B-C50C-407E-A947-70E740481C1C}">
+                <a14:useLocalDpi xmlns:a14="http://schemas.microsoft.com/office/drawing/2010/main" val="0"/>
+              </a:ext>
+            </a:extLst>
+          </a:blip>
+          <a:stretch>
+            <a:fillRect/>
+          </a:stretch>
+        </p:blipFill>
+        <p:spPr>
+          <a:xfrm>
+            <a:off x="1031979" y="1599977"/>
+            <a:ext cx="2714398" cy="4758920"/>
+          </a:xfrm>
+          <a:prstGeom prst="rect">
+            <a:avLst/>
+          </a:prstGeom>
+        </p:spPr>
+      </p:pic>
+    </p:spTree>
+    <p:extLst>
+      <p:ext uri="{BB962C8B-B14F-4D97-AF65-F5344CB8AC3E}">
+        <p14:creationId xmlns:p14="http://schemas.microsoft.com/office/powerpoint/2010/main" val="1739943420"/>
+      </p:ext>
+    </p:extLst>
+  </p:cSld>
+  <p:clrMapOvr>
+    <a:masterClrMapping/>
+  </p:clrMapOvr>
+  <p:timing>
+    <p:tnLst>
+      <p:par>
+        <p:cTn id="1" dur="indefinite" restart="never" nodeType="tmRoot"/>
+      </p:par>
+    </p:tnLst>
+  </p:timing>
+</p:sld>
+</file>
+
+<file path=ppt/slides/slide19.xml><?xml version="1.0" encoding="utf-8"?>
+<p:sld xmlns:a="http://schemas.openxmlformats.org/drawingml/2006/main" xmlns:r="http://schemas.openxmlformats.org/officeDocument/2006/relationships" xmlns:p="http://schemas.openxmlformats.org/presentationml/2006/main">
+  <p:cSld>
+    <p:bg>
+      <p:bgPr>
+        <a:solidFill>
+          <a:srgbClr val="FF9E00"/>
+        </a:solidFill>
+        <a:effectLst/>
+      </p:bgPr>
+    </p:bg>
+    <p:spTree>
+      <p:nvGrpSpPr>
+        <p:cNvPr id="1" name=""/>
+        <p:cNvGrpSpPr/>
+        <p:nvPr/>
+      </p:nvGrpSpPr>
+      <p:grpSpPr>
+        <a:xfrm>
+          <a:off x="0" y="0"/>
+          <a:ext cx="0" cy="0"/>
+          <a:chOff x="0" y="0"/>
+          <a:chExt cx="0" cy="0"/>
+        </a:xfrm>
+      </p:grpSpPr>
+      <p:sp>
+        <p:nvSpPr>
+          <p:cNvPr id="6" name="양쪽 모서리가 둥근 사각형 5"/>
+          <p:cNvSpPr/>
+          <p:nvPr/>
+        </p:nvSpPr>
+        <p:spPr>
+          <a:xfrm>
+            <a:off x="143339" y="548680"/>
+            <a:ext cx="11905323" cy="6144683"/>
+          </a:xfrm>
+          <a:prstGeom prst="round2SameRect">
+            <a:avLst>
+              <a:gd name="adj1" fmla="val 0"/>
+              <a:gd name="adj2" fmla="val 2405"/>
+            </a:avLst>
+          </a:prstGeom>
+          <a:solidFill>
+            <a:schemeClr val="bg1"/>
+          </a:solidFill>
+          <a:ln>
+            <a:noFill/>
+          </a:ln>
+          <a:effectLst>
+            <a:outerShdw dist="254000" dir="5400000" sx="97000" sy="97000" algn="t" rotWithShape="0">
+              <a:prstClr val="black">
+                <a:alpha val="40000"/>
+              </a:prstClr>
+            </a:outerShdw>
+          </a:effectLst>
+        </p:spPr>
+        <p:style>
+          <a:lnRef idx="2">
+            <a:schemeClr val="accent1">
+              <a:shade val="50000"/>
+            </a:schemeClr>
+          </a:lnRef>
+          <a:fillRef idx="1">
+            <a:schemeClr val="accent1"/>
+          </a:fillRef>
+          <a:effectRef idx="0">
+            <a:schemeClr val="accent1"/>
+          </a:effectRef>
+          <a:fontRef idx="minor">
+            <a:schemeClr val="lt1"/>
+          </a:fontRef>
+        </p:style>
+        <p:txBody>
+          <a:bodyPr lIns="91440" tIns="45720" rIns="91440" bIns="45720" rtlCol="0" anchor="ctr"/>
+          <a:lstStyle/>
+          <a:p>
+            <a:pPr algn="ctr" latinLnBrk="0">
+              <a:buClr>
+                <a:srgbClr val="000000"/>
+              </a:buClr>
+              <a:buFont typeface="Arial"/>
+              <a:buNone/>
+            </a:pPr>
+            <a:endParaRPr lang="ko-KR" altLang="en-US" sz="1867" kern="0">
+              <a:solidFill>
+                <a:prstClr val="white"/>
+              </a:solidFill>
+              <a:sym typeface="Arial"/>
+            </a:endParaRPr>
+          </a:p>
+        </p:txBody>
+      </p:sp>
+      <p:sp>
+        <p:nvSpPr>
+          <p:cNvPr id="5" name="양쪽 모서리가 둥근 사각형 4"/>
+          <p:cNvSpPr/>
+          <p:nvPr/>
+        </p:nvSpPr>
+        <p:spPr>
+          <a:xfrm>
+            <a:off x="143339" y="243880"/>
+            <a:ext cx="11905323" cy="304800"/>
+          </a:xfrm>
+          <a:prstGeom prst="round2SameRect">
+            <a:avLst>
+              <a:gd name="adj1" fmla="val 44667"/>
+              <a:gd name="adj2" fmla="val 0"/>
+            </a:avLst>
+          </a:prstGeom>
+          <a:solidFill>
+            <a:srgbClr val="411F42"/>
+          </a:solidFill>
+          <a:ln>
+            <a:noFill/>
+          </a:ln>
+          <a:effectLst>
+            <a:outerShdw dist="76200" dir="16200000" sx="97000" sy="97000" rotWithShape="0">
+              <a:prstClr val="black">
+                <a:alpha val="40000"/>
+              </a:prstClr>
+            </a:outerShdw>
+          </a:effectLst>
+        </p:spPr>
+        <p:style>
+          <a:lnRef idx="2">
+            <a:schemeClr val="accent1">
+              <a:shade val="50000"/>
+            </a:schemeClr>
+          </a:lnRef>
+          <a:fillRef idx="1">
+            <a:schemeClr val="accent1"/>
+          </a:fillRef>
+          <a:effectRef idx="0">
+            <a:schemeClr val="accent1"/>
+          </a:effectRef>
+          <a:fontRef idx="minor">
+            <a:schemeClr val="lt1"/>
+          </a:fontRef>
+        </p:style>
+        <p:txBody>
+          <a:bodyPr lIns="91440" tIns="45720" rIns="91440" bIns="45720" rtlCol="0" anchor="ctr"/>
+          <a:lstStyle/>
+          <a:p>
+            <a:pPr algn="ctr" latinLnBrk="0">
+              <a:buClr>
+                <a:srgbClr val="000000"/>
+              </a:buClr>
+              <a:buFont typeface="Arial"/>
+              <a:buNone/>
+            </a:pPr>
+            <a:endParaRPr lang="ko-KR" altLang="en-US" sz="1867" kern="0">
+              <a:solidFill>
+                <a:prstClr val="white"/>
+              </a:solidFill>
+              <a:sym typeface="Arial"/>
+            </a:endParaRPr>
+          </a:p>
+        </p:txBody>
+      </p:sp>
+      <p:sp>
+        <p:nvSpPr>
+          <p:cNvPr id="7" name="직사각형 6"/>
+          <p:cNvSpPr/>
+          <p:nvPr/>
+        </p:nvSpPr>
+        <p:spPr>
+          <a:xfrm>
+            <a:off x="935120" y="366664"/>
+            <a:ext cx="10613801" cy="72000"/>
+          </a:xfrm>
+          <a:prstGeom prst="rect">
+            <a:avLst/>
+          </a:prstGeom>
+          <a:solidFill>
+            <a:schemeClr val="bg1"/>
+          </a:solidFill>
+          <a:ln>
+            <a:noFill/>
+          </a:ln>
+        </p:spPr>
+        <p:style>
+          <a:lnRef idx="2">
+            <a:schemeClr val="accent1">
+              <a:shade val="50000"/>
+            </a:schemeClr>
+          </a:lnRef>
+          <a:fillRef idx="1">
+            <a:schemeClr val="accent1"/>
+          </a:fillRef>
+          <a:effectRef idx="0">
+            <a:schemeClr val="accent1"/>
+          </a:effectRef>
+          <a:fontRef idx="minor">
+            <a:schemeClr val="lt1"/>
+          </a:fontRef>
+        </p:style>
+        <p:txBody>
+          <a:bodyPr lIns="91440" tIns="45720" rIns="91440" bIns="45720" rtlCol="0" anchor="ctr"/>
+          <a:lstStyle/>
+          <a:p>
+            <a:pPr algn="ctr" latinLnBrk="0">
+              <a:buClr>
+                <a:srgbClr val="000000"/>
+              </a:buClr>
+              <a:buFont typeface="Arial"/>
+              <a:buNone/>
+            </a:pPr>
+            <a:endParaRPr lang="ko-KR" altLang="en-US" sz="1867" kern="0">
+              <a:solidFill>
+                <a:prstClr val="white"/>
+              </a:solidFill>
+              <a:sym typeface="Arial"/>
+            </a:endParaRPr>
+          </a:p>
+        </p:txBody>
+      </p:sp>
+      <p:sp>
+        <p:nvSpPr>
+          <p:cNvPr id="8" name="타원 7"/>
+          <p:cNvSpPr/>
+          <p:nvPr/>
+        </p:nvSpPr>
+        <p:spPr>
+          <a:xfrm>
+            <a:off x="576949" y="366664"/>
+            <a:ext cx="75276" cy="72000"/>
+          </a:xfrm>
+          <a:prstGeom prst="ellipse">
+            <a:avLst/>
+          </a:prstGeom>
+          <a:solidFill>
+            <a:srgbClr val="FF6189"/>
+          </a:solidFill>
+          <a:ln>
+            <a:noFill/>
+          </a:ln>
+        </p:spPr>
+        <p:style>
+          <a:lnRef idx="2">
+            <a:schemeClr val="accent1">
+              <a:shade val="50000"/>
+            </a:schemeClr>
+          </a:lnRef>
+          <a:fillRef idx="1">
+            <a:schemeClr val="accent1"/>
+          </a:fillRef>
+          <a:effectRef idx="0">
+            <a:schemeClr val="accent1"/>
+          </a:effectRef>
+          <a:fontRef idx="minor">
+            <a:schemeClr val="lt1"/>
+          </a:fontRef>
+        </p:style>
+        <p:txBody>
+          <a:bodyPr lIns="91440" tIns="45720" rIns="91440" bIns="45720" rtlCol="0" anchor="ctr"/>
+          <a:lstStyle/>
+          <a:p>
+            <a:pPr algn="ctr" latinLnBrk="0">
+              <a:buClr>
+                <a:srgbClr val="000000"/>
+              </a:buClr>
+              <a:buFont typeface="Arial"/>
+              <a:buNone/>
+            </a:pPr>
+            <a:endParaRPr lang="ko-KR" altLang="en-US" sz="1867" kern="0">
+              <a:solidFill>
+                <a:prstClr val="white"/>
+              </a:solidFill>
+              <a:sym typeface="Arial"/>
+            </a:endParaRPr>
+          </a:p>
+        </p:txBody>
+      </p:sp>
+      <p:sp>
+        <p:nvSpPr>
+          <p:cNvPr id="9" name="타원 8"/>
+          <p:cNvSpPr/>
+          <p:nvPr/>
+        </p:nvSpPr>
+        <p:spPr>
+          <a:xfrm>
+            <a:off x="766826" y="366664"/>
+            <a:ext cx="75276" cy="72000"/>
+          </a:xfrm>
+          <a:prstGeom prst="ellipse">
+            <a:avLst/>
+          </a:prstGeom>
+          <a:solidFill>
+            <a:srgbClr val="00B0F0"/>
+          </a:solidFill>
+          <a:ln>
+            <a:noFill/>
+          </a:ln>
+        </p:spPr>
+        <p:style>
+          <a:lnRef idx="2">
+            <a:schemeClr val="accent1">
+              <a:shade val="50000"/>
+            </a:schemeClr>
+          </a:lnRef>
+          <a:fillRef idx="1">
+            <a:schemeClr val="accent1"/>
+          </a:fillRef>
+          <a:effectRef idx="0">
+            <a:schemeClr val="accent1"/>
+          </a:effectRef>
+          <a:fontRef idx="minor">
+            <a:schemeClr val="lt1"/>
+          </a:fontRef>
+        </p:style>
+        <p:txBody>
+          <a:bodyPr lIns="91440" tIns="45720" rIns="91440" bIns="45720" rtlCol="0" anchor="ctr"/>
+          <a:lstStyle/>
+          <a:p>
+            <a:pPr algn="ctr" latinLnBrk="0">
+              <a:buClr>
+                <a:srgbClr val="000000"/>
+              </a:buClr>
+              <a:buFont typeface="Arial"/>
+              <a:buNone/>
+            </a:pPr>
+            <a:endParaRPr lang="ko-KR" altLang="en-US" sz="1867" kern="0">
+              <a:solidFill>
+                <a:prstClr val="white"/>
+              </a:solidFill>
+              <a:sym typeface="Arial"/>
+            </a:endParaRPr>
+          </a:p>
+        </p:txBody>
+      </p:sp>
+      <p:sp>
+        <p:nvSpPr>
+          <p:cNvPr id="10" name="타원 9"/>
+          <p:cNvSpPr/>
+          <p:nvPr/>
+        </p:nvSpPr>
+        <p:spPr>
+          <a:xfrm>
+            <a:off x="956703" y="366664"/>
+            <a:ext cx="75276" cy="72000"/>
+          </a:xfrm>
+          <a:prstGeom prst="ellipse">
+            <a:avLst/>
+          </a:prstGeom>
+          <a:solidFill>
+            <a:schemeClr val="accent4"/>
+          </a:solidFill>
+          <a:ln>
+            <a:noFill/>
+          </a:ln>
+        </p:spPr>
+        <p:style>
+          <a:lnRef idx="2">
+            <a:schemeClr val="accent1">
+              <a:shade val="50000"/>
+            </a:schemeClr>
+          </a:lnRef>
+          <a:fillRef idx="1">
+            <a:schemeClr val="accent1"/>
+          </a:fillRef>
+          <a:effectRef idx="0">
+            <a:schemeClr val="accent1"/>
+          </a:effectRef>
+          <a:fontRef idx="minor">
+            <a:schemeClr val="lt1"/>
+          </a:fontRef>
+        </p:style>
+        <p:txBody>
+          <a:bodyPr lIns="91440" tIns="45720" rIns="91440" bIns="45720" rtlCol="0" anchor="ctr"/>
+          <a:lstStyle/>
+          <a:p>
+            <a:pPr algn="ctr" latinLnBrk="0">
+              <a:buClr>
+                <a:srgbClr val="000000"/>
+              </a:buClr>
+              <a:buFont typeface="Arial"/>
+              <a:buNone/>
+            </a:pPr>
+            <a:endParaRPr lang="ko-KR" altLang="en-US" sz="1867" kern="0">
+              <a:solidFill>
+                <a:prstClr val="white"/>
+              </a:solidFill>
+              <a:sym typeface="Arial"/>
+            </a:endParaRPr>
+          </a:p>
+        </p:txBody>
+      </p:sp>
+      <p:sp>
+        <p:nvSpPr>
+          <p:cNvPr id="11" name="직사각형 10"/>
+          <p:cNvSpPr/>
+          <p:nvPr/>
+        </p:nvSpPr>
+        <p:spPr>
+          <a:xfrm>
+            <a:off x="1871531" y="626202"/>
+            <a:ext cx="7532965" cy="574966"/>
+          </a:xfrm>
+          <a:prstGeom prst="rect">
+            <a:avLst/>
+          </a:prstGeom>
+        </p:spPr>
+        <p:txBody>
+          <a:bodyPr wrap="square" lIns="91440" tIns="45720" rIns="91440" bIns="45720">
+            <a:spAutoFit/>
+          </a:bodyPr>
+          <a:lstStyle/>
+          <a:p>
+            <a:pPr latinLnBrk="0">
+              <a:lnSpc>
+                <a:spcPct val="150000"/>
+              </a:lnSpc>
+              <a:buClr>
+                <a:srgbClr val="000000"/>
+              </a:buClr>
+              <a:buFont typeface="Arial"/>
+              <a:buNone/>
+            </a:pPr>
+            <a:r>
+              <a:rPr lang="en-US" altLang="ko-KR" sz="2400" b="1" kern="0" dirty="0">
+                <a:solidFill>
+                  <a:srgbClr val="000000">
+                    <a:lumMod val="75000"/>
+                    <a:lumOff val="25000"/>
+                  </a:srgbClr>
+                </a:solidFill>
+                <a:latin typeface="맑은 고딕" panose="020B0503020000020004" pitchFamily="50" charset="-127"/>
+                <a:cs typeface="Arial"/>
+                <a:sym typeface="Arial"/>
+              </a:rPr>
+              <a:t>[ </a:t>
+            </a:r>
+            <a:r>
+              <a:rPr lang="ko-KR" altLang="en-US" sz="2400" b="1" kern="0" dirty="0">
+                <a:solidFill>
+                  <a:srgbClr val="000000">
+                    <a:lumMod val="75000"/>
+                    <a:lumOff val="25000"/>
+                  </a:srgbClr>
+                </a:solidFill>
+                <a:latin typeface="맑은 고딕" panose="020B0503020000020004" pitchFamily="50" charset="-127"/>
+                <a:cs typeface="Arial"/>
+                <a:sym typeface="Arial"/>
+              </a:rPr>
+              <a:t>화면구현 </a:t>
+            </a:r>
+            <a:r>
+              <a:rPr lang="en-US" altLang="ko-KR" sz="2400" b="1" kern="0" dirty="0">
+                <a:solidFill>
+                  <a:srgbClr val="000000">
+                    <a:lumMod val="75000"/>
+                    <a:lumOff val="25000"/>
+                  </a:srgbClr>
+                </a:solidFill>
+                <a:latin typeface="맑은 고딕" panose="020B0503020000020004" pitchFamily="50" charset="-127"/>
+                <a:cs typeface="Arial"/>
+                <a:sym typeface="Arial"/>
+              </a:rPr>
+              <a:t>] </a:t>
+            </a:r>
+            <a:r>
+              <a:rPr lang="ko-KR" altLang="en-US" sz="2400" b="1" kern="0" dirty="0">
+                <a:solidFill>
+                  <a:srgbClr val="000000">
+                    <a:lumMod val="75000"/>
+                    <a:lumOff val="25000"/>
+                  </a:srgbClr>
+                </a:solidFill>
+                <a:latin typeface="맑은 고딕" panose="020B0503020000020004" pitchFamily="50" charset="-127"/>
+                <a:cs typeface="Arial"/>
+                <a:sym typeface="Arial"/>
+              </a:rPr>
+              <a:t>프로젝트 목록 </a:t>
+            </a:r>
+            <a:r>
+              <a:rPr lang="en-US" altLang="ko-KR" sz="2400" b="1" kern="0" dirty="0">
+                <a:solidFill>
+                  <a:srgbClr val="000000">
+                    <a:lumMod val="75000"/>
+                    <a:lumOff val="25000"/>
+                  </a:srgbClr>
+                </a:solidFill>
+                <a:latin typeface="맑은 고딕" panose="020B0503020000020004" pitchFamily="50" charset="-127"/>
+                <a:cs typeface="Arial"/>
+                <a:sym typeface="Arial"/>
+              </a:rPr>
+              <a:t>– </a:t>
+            </a:r>
+            <a:r>
+              <a:rPr lang="ko-KR" altLang="en-US" sz="2400" b="1" kern="0" dirty="0" err="1">
+                <a:solidFill>
+                  <a:srgbClr val="000000">
+                    <a:lumMod val="75000"/>
+                    <a:lumOff val="25000"/>
+                  </a:srgbClr>
+                </a:solidFill>
+                <a:latin typeface="맑은 고딕" panose="020B0503020000020004" pitchFamily="50" charset="-127"/>
+                <a:cs typeface="Arial"/>
+                <a:sym typeface="Arial"/>
+              </a:rPr>
+              <a:t>펀딩</a:t>
+            </a:r>
+            <a:r>
+              <a:rPr lang="ko-KR" altLang="en-US" sz="2400" b="1" kern="0" dirty="0">
+                <a:solidFill>
+                  <a:srgbClr val="000000">
+                    <a:lumMod val="75000"/>
+                    <a:lumOff val="25000"/>
+                  </a:srgbClr>
+                </a:solidFill>
+                <a:latin typeface="맑은 고딕" panose="020B0503020000020004" pitchFamily="50" charset="-127"/>
+                <a:cs typeface="Arial"/>
+                <a:sym typeface="Arial"/>
+              </a:rPr>
+              <a:t> </a:t>
+            </a:r>
+            <a:r>
+              <a:rPr lang="en-US" altLang="ko-KR" sz="2400" b="1" kern="0" dirty="0">
+                <a:solidFill>
+                  <a:srgbClr val="000000">
+                    <a:lumMod val="75000"/>
+                    <a:lumOff val="25000"/>
+                  </a:srgbClr>
+                </a:solidFill>
+                <a:latin typeface="맑은 고딕" panose="020B0503020000020004" pitchFamily="50" charset="-127"/>
+                <a:cs typeface="Arial"/>
+                <a:sym typeface="Arial"/>
+              </a:rPr>
+              <a:t>– </a:t>
+            </a:r>
+            <a:r>
+              <a:rPr lang="ko-KR" altLang="en-US" sz="2400" b="1" kern="0" dirty="0">
+                <a:solidFill>
+                  <a:srgbClr val="000000">
+                    <a:lumMod val="75000"/>
+                    <a:lumOff val="25000"/>
+                  </a:srgbClr>
+                </a:solidFill>
+                <a:latin typeface="맑은 고딕" panose="020B0503020000020004" pitchFamily="50" charset="-127"/>
+                <a:cs typeface="Arial"/>
+                <a:sym typeface="Arial"/>
+              </a:rPr>
+              <a:t>사용자</a:t>
+            </a:r>
+            <a:endParaRPr lang="ko-KR" altLang="en-US" sz="2400" b="1" kern="0" dirty="0">
+              <a:solidFill>
+                <a:srgbClr val="000000">
+                  <a:lumMod val="75000"/>
+                  <a:lumOff val="25000"/>
+                </a:srgbClr>
+              </a:solidFill>
+              <a:latin typeface="맑은 고딕" panose="020B0503020000020004" pitchFamily="50" charset="-127"/>
+              <a:cs typeface="Arial"/>
+              <a:sym typeface="Arial"/>
+            </a:endParaRPr>
+          </a:p>
+        </p:txBody>
+      </p:sp>
+      <p:pic>
+        <p:nvPicPr>
+          <p:cNvPr id="13" name="Picture 2"/>
+          <p:cNvPicPr>
+            <a:picLocks noChangeAspect="1" noChangeArrowheads="1"/>
+          </p:cNvPicPr>
+          <p:nvPr/>
+        </p:nvPicPr>
+        <p:blipFill>
+          <a:blip r:embed="rId2" cstate="print">
+            <a:extLst>
+              <a:ext uri="{28A0092B-C50C-407E-A947-70E740481C1C}">
+                <a14:useLocalDpi xmlns:a14="http://schemas.microsoft.com/office/drawing/2010/main" val="0"/>
+              </a:ext>
+            </a:extLst>
+          </a:blip>
+          <a:srcRect/>
+          <a:stretch>
+            <a:fillRect/>
+          </a:stretch>
+        </p:blipFill>
+        <p:spPr bwMode="auto">
+          <a:xfrm>
+            <a:off x="804463" y="626202"/>
+            <a:ext cx="1128060" cy="751305"/>
+          </a:xfrm>
+          <a:prstGeom prst="rect">
+            <a:avLst/>
+          </a:prstGeom>
+          <a:noFill/>
+          <a:ln>
+            <a:noFill/>
+          </a:ln>
+          <a:extLst>
+            <a:ext uri="{909E8E84-426E-40DD-AFC4-6F175D3DCCD1}">
+              <a14:hiddenFill xmlns:a14="http://schemas.microsoft.com/office/drawing/2010/main">
+                <a:solidFill>
+                  <a:schemeClr val="accent1"/>
+                </a:solidFill>
+              </a14:hiddenFill>
+            </a:ext>
+            <a:ext uri="{91240B29-F687-4F45-9708-019B960494DF}">
+              <a14:hiddenLine xmlns:a14="http://schemas.microsoft.com/office/drawing/2010/main" w="9525">
+                <a:solidFill>
+                  <a:schemeClr val="tx1"/>
+                </a:solidFill>
+                <a:miter lim="800000"/>
+                <a:headEnd/>
+                <a:tailEnd/>
+              </a14:hiddenLine>
+            </a:ext>
+          </a:extLst>
+        </p:spPr>
+      </p:pic>
+      <p:pic>
+        <p:nvPicPr>
+          <p:cNvPr id="2" name="그림 1"/>
+          <p:cNvPicPr>
+            <a:picLocks noChangeAspect="1"/>
+          </p:cNvPicPr>
+          <p:nvPr/>
+        </p:nvPicPr>
+        <p:blipFill>
+          <a:blip r:embed="rId3">
+            <a:extLst>
+              <a:ext uri="{28A0092B-C50C-407E-A947-70E740481C1C}">
+                <a14:useLocalDpi xmlns:a14="http://schemas.microsoft.com/office/drawing/2010/main" val="0"/>
+              </a:ext>
+            </a:extLst>
+          </a:blip>
+          <a:stretch>
+            <a:fillRect/>
+          </a:stretch>
+        </p:blipFill>
+        <p:spPr>
+          <a:xfrm>
+            <a:off x="1031979" y="1599977"/>
+            <a:ext cx="2714398" cy="4758920"/>
+          </a:xfrm>
+          <a:prstGeom prst="rect">
+            <a:avLst/>
+          </a:prstGeom>
+        </p:spPr>
+      </p:pic>
+      <p:pic>
+        <p:nvPicPr>
+          <p:cNvPr id="3" name="그림 2"/>
+          <p:cNvPicPr>
+            <a:picLocks noChangeAspect="1"/>
+          </p:cNvPicPr>
+          <p:nvPr/>
+        </p:nvPicPr>
+        <p:blipFill>
+          <a:blip r:embed="rId4"/>
+          <a:stretch>
+            <a:fillRect/>
+          </a:stretch>
+        </p:blipFill>
+        <p:spPr>
+          <a:xfrm>
+            <a:off x="4157617" y="1599977"/>
+            <a:ext cx="3486150" cy="1257300"/>
+          </a:xfrm>
+          <a:prstGeom prst="rect">
+            <a:avLst/>
+          </a:prstGeom>
+        </p:spPr>
+      </p:pic>
+      <p:sp>
+        <p:nvSpPr>
+          <p:cNvPr id="12" name="직사각형 11"/>
+          <p:cNvSpPr/>
+          <p:nvPr/>
+        </p:nvSpPr>
+        <p:spPr>
+          <a:xfrm>
+            <a:off x="4157617" y="3039324"/>
+            <a:ext cx="6096000" cy="1800493"/>
+          </a:xfrm>
+          <a:prstGeom prst="rect">
+            <a:avLst/>
+          </a:prstGeom>
+          <a:ln>
+            <a:solidFill>
+              <a:schemeClr val="tx1"/>
+            </a:solidFill>
+          </a:ln>
+        </p:spPr>
+        <p:txBody>
+          <a:bodyPr>
+            <a:spAutoFit/>
+          </a:bodyPr>
+          <a:lstStyle/>
+          <a:p>
+            <a:pPr>
+              <a:lnSpc>
+                <a:spcPct val="150000"/>
+              </a:lnSpc>
+            </a:pPr>
+            <a:r>
+              <a:rPr lang="ko-KR" altLang="en-US" dirty="0" smtClean="0">
+                <a:solidFill>
+                  <a:sysClr val="windowText" lastClr="000000"/>
+                </a:solidFill>
+                <a:latin typeface="Consolas" panose="020B0609020204030204" pitchFamily="49" charset="0"/>
+              </a:rPr>
+              <a:t>데이터베이스의 정보를 </a:t>
+            </a:r>
+            <a:r>
+              <a:rPr lang="en-US" altLang="ko-KR" dirty="0" smtClean="0">
+                <a:solidFill>
+                  <a:sysClr val="windowText" lastClr="000000"/>
+                </a:solidFill>
+                <a:latin typeface="Consolas" panose="020B0609020204030204" pitchFamily="49" charset="0"/>
+              </a:rPr>
+              <a:t>JSON </a:t>
+            </a:r>
+            <a:r>
+              <a:rPr lang="ko-KR" altLang="en-US" dirty="0" smtClean="0">
+                <a:solidFill>
+                  <a:sysClr val="windowText" lastClr="000000"/>
+                </a:solidFill>
+                <a:latin typeface="Consolas" panose="020B0609020204030204" pitchFamily="49" charset="0"/>
+              </a:rPr>
+              <a:t>형식으로 변경</a:t>
+            </a:r>
+            <a:endParaRPr lang="en-US" altLang="ko-KR" dirty="0" smtClean="0">
+              <a:solidFill>
+                <a:sysClr val="windowText" lastClr="000000"/>
+              </a:solidFill>
+              <a:latin typeface="Consolas" panose="020B0609020204030204" pitchFamily="49" charset="0"/>
+            </a:endParaRPr>
+          </a:p>
+          <a:p>
+            <a:r>
+              <a:rPr lang="en-US" altLang="ko-KR" sz="1400" dirty="0" smtClean="0">
+                <a:solidFill>
+                  <a:srgbClr val="3F7F5F"/>
+                </a:solidFill>
+                <a:latin typeface="Consolas" panose="020B0609020204030204" pitchFamily="49" charset="0"/>
+              </a:rPr>
+              <a:t>// </a:t>
+            </a:r>
+            <a:r>
+              <a:rPr lang="en-US" altLang="ko-KR" sz="1400" dirty="0">
+                <a:solidFill>
+                  <a:srgbClr val="3F7F5F"/>
+                </a:solidFill>
+                <a:latin typeface="Consolas" panose="020B0609020204030204" pitchFamily="49" charset="0"/>
+              </a:rPr>
+              <a:t>http://localhost:5080/funfun/funding.do?method=ajaxList</a:t>
+            </a:r>
+          </a:p>
+          <a:p>
+            <a:r>
+              <a:rPr lang="en-US" altLang="ko-KR" sz="1400" dirty="0">
+                <a:solidFill>
+                  <a:srgbClr val="646464"/>
+                </a:solidFill>
+                <a:latin typeface="Consolas" panose="020B0609020204030204" pitchFamily="49" charset="0"/>
+              </a:rPr>
+              <a:t>@</a:t>
+            </a:r>
+            <a:r>
+              <a:rPr lang="en-US" altLang="ko-KR" sz="1400" dirty="0" err="1">
+                <a:solidFill>
+                  <a:srgbClr val="646464"/>
+                </a:solidFill>
+                <a:latin typeface="Consolas" panose="020B0609020204030204" pitchFamily="49" charset="0"/>
+              </a:rPr>
+              <a:t>RequestMapping</a:t>
+            </a:r>
+            <a:r>
+              <a:rPr lang="en-US" altLang="ko-KR" sz="1400" dirty="0">
+                <a:solidFill>
+                  <a:srgbClr val="000000"/>
+                </a:solidFill>
+                <a:latin typeface="Consolas" panose="020B0609020204030204" pitchFamily="49" charset="0"/>
+              </a:rPr>
+              <a:t>(</a:t>
+            </a:r>
+            <a:r>
+              <a:rPr lang="en-US" altLang="ko-KR" sz="1400" dirty="0" err="1">
+                <a:solidFill>
+                  <a:srgbClr val="000000"/>
+                </a:solidFill>
+                <a:latin typeface="Consolas" panose="020B0609020204030204" pitchFamily="49" charset="0"/>
+              </a:rPr>
+              <a:t>params</a:t>
+            </a:r>
+            <a:r>
+              <a:rPr lang="en-US" altLang="ko-KR" sz="1400" dirty="0">
+                <a:solidFill>
+                  <a:srgbClr val="000000"/>
+                </a:solidFill>
+                <a:latin typeface="Consolas" panose="020B0609020204030204" pitchFamily="49" charset="0"/>
+              </a:rPr>
+              <a:t>=</a:t>
+            </a:r>
+            <a:r>
+              <a:rPr lang="en-US" altLang="ko-KR" sz="1400" dirty="0">
+                <a:solidFill>
+                  <a:srgbClr val="2A00FF"/>
+                </a:solidFill>
+                <a:latin typeface="Consolas" panose="020B0609020204030204" pitchFamily="49" charset="0"/>
+              </a:rPr>
+              <a:t>"method=</a:t>
+            </a:r>
+            <a:r>
+              <a:rPr lang="en-US" altLang="ko-KR" sz="1400" dirty="0" err="1">
+                <a:solidFill>
+                  <a:srgbClr val="2A00FF"/>
+                </a:solidFill>
+                <a:latin typeface="Consolas" panose="020B0609020204030204" pitchFamily="49" charset="0"/>
+              </a:rPr>
+              <a:t>ajaxList</a:t>
+            </a:r>
+            <a:r>
+              <a:rPr lang="en-US" altLang="ko-KR" sz="1400" dirty="0">
+                <a:solidFill>
+                  <a:srgbClr val="2A00FF"/>
+                </a:solidFill>
+                <a:latin typeface="Consolas" panose="020B0609020204030204" pitchFamily="49" charset="0"/>
+              </a:rPr>
+              <a:t>"</a:t>
+            </a:r>
+            <a:r>
+              <a:rPr lang="en-US" altLang="ko-KR" sz="1400" dirty="0">
+                <a:solidFill>
+                  <a:srgbClr val="000000"/>
+                </a:solidFill>
+                <a:latin typeface="Consolas" panose="020B0609020204030204" pitchFamily="49" charset="0"/>
+              </a:rPr>
+              <a:t>)</a:t>
+            </a:r>
+          </a:p>
+          <a:p>
+            <a:r>
+              <a:rPr lang="en-US" altLang="ko-KR" sz="1400" b="1" dirty="0">
+                <a:solidFill>
+                  <a:srgbClr val="7F0055"/>
+                </a:solidFill>
+                <a:latin typeface="Consolas" panose="020B0609020204030204" pitchFamily="49" charset="0"/>
+              </a:rPr>
+              <a:t>public</a:t>
+            </a:r>
+            <a:r>
+              <a:rPr lang="en-US" altLang="ko-KR" sz="1400" b="1" dirty="0">
+                <a:solidFill>
+                  <a:srgbClr val="000000"/>
+                </a:solidFill>
+                <a:latin typeface="Consolas" panose="020B0609020204030204" pitchFamily="49" charset="0"/>
+              </a:rPr>
+              <a:t> String </a:t>
+            </a:r>
+            <a:r>
+              <a:rPr lang="en-US" altLang="ko-KR" sz="1400" b="1" dirty="0" err="1">
+                <a:solidFill>
+                  <a:srgbClr val="000000"/>
+                </a:solidFill>
+                <a:latin typeface="Consolas" panose="020B0609020204030204" pitchFamily="49" charset="0"/>
+              </a:rPr>
+              <a:t>ajaxList</a:t>
+            </a:r>
+            <a:r>
+              <a:rPr lang="en-US" altLang="ko-KR" sz="1400" b="1" dirty="0">
+                <a:solidFill>
+                  <a:srgbClr val="000000"/>
+                </a:solidFill>
+                <a:latin typeface="Consolas" panose="020B0609020204030204" pitchFamily="49" charset="0"/>
+              </a:rPr>
+              <a:t>(Paging </a:t>
+            </a:r>
+            <a:r>
+              <a:rPr lang="en-US" altLang="ko-KR" sz="1400" b="1" dirty="0" err="1">
+                <a:solidFill>
+                  <a:srgbClr val="6A3E3E"/>
+                </a:solidFill>
+                <a:latin typeface="Consolas" panose="020B0609020204030204" pitchFamily="49" charset="0"/>
+              </a:rPr>
+              <a:t>sch</a:t>
+            </a:r>
+            <a:r>
+              <a:rPr lang="en-US" altLang="ko-KR" sz="1400" b="1" dirty="0">
+                <a:solidFill>
+                  <a:srgbClr val="000000"/>
+                </a:solidFill>
+                <a:latin typeface="Consolas" panose="020B0609020204030204" pitchFamily="49" charset="0"/>
+              </a:rPr>
+              <a:t>, Model </a:t>
+            </a:r>
+            <a:r>
+              <a:rPr lang="en-US" altLang="ko-KR" sz="1400" b="1" dirty="0">
+                <a:solidFill>
+                  <a:srgbClr val="6A3E3E"/>
+                </a:solidFill>
+                <a:latin typeface="Consolas" panose="020B0609020204030204" pitchFamily="49" charset="0"/>
+              </a:rPr>
+              <a:t>d</a:t>
+            </a:r>
+            <a:r>
+              <a:rPr lang="en-US" altLang="ko-KR" sz="1400" b="1" dirty="0">
+                <a:solidFill>
+                  <a:srgbClr val="000000"/>
+                </a:solidFill>
+                <a:latin typeface="Consolas" panose="020B0609020204030204" pitchFamily="49" charset="0"/>
+              </a:rPr>
+              <a:t>) </a:t>
+            </a:r>
+            <a:r>
+              <a:rPr lang="en-US" altLang="ko-KR" sz="1400" b="1" dirty="0" smtClean="0">
+                <a:solidFill>
+                  <a:srgbClr val="000000"/>
+                </a:solidFill>
+                <a:latin typeface="Consolas" panose="020B0609020204030204" pitchFamily="49" charset="0"/>
+              </a:rPr>
+              <a:t>{</a:t>
+            </a:r>
+            <a:r>
+              <a:rPr lang="en-US" altLang="ko-KR" sz="1400" dirty="0" err="1" smtClean="0">
+                <a:solidFill>
+                  <a:srgbClr val="6A3E3E"/>
+                </a:solidFill>
+                <a:latin typeface="Consolas" panose="020B0609020204030204" pitchFamily="49" charset="0"/>
+              </a:rPr>
+              <a:t>d</a:t>
+            </a:r>
+            <a:r>
+              <a:rPr lang="en-US" altLang="ko-KR" sz="1400" dirty="0" err="1" smtClean="0">
+                <a:solidFill>
+                  <a:srgbClr val="000000"/>
+                </a:solidFill>
+                <a:latin typeface="Consolas" panose="020B0609020204030204" pitchFamily="49" charset="0"/>
+              </a:rPr>
+              <a:t>.addAttribute</a:t>
+            </a:r>
+            <a:r>
+              <a:rPr lang="en-US" altLang="ko-KR" sz="1400" dirty="0">
+                <a:solidFill>
+                  <a:srgbClr val="000000"/>
+                </a:solidFill>
+                <a:latin typeface="Consolas" panose="020B0609020204030204" pitchFamily="49" charset="0"/>
+              </a:rPr>
+              <a:t>(</a:t>
+            </a:r>
+            <a:r>
+              <a:rPr lang="en-US" altLang="ko-KR" sz="1400" dirty="0">
+                <a:solidFill>
+                  <a:srgbClr val="2A00FF"/>
+                </a:solidFill>
+                <a:latin typeface="Consolas" panose="020B0609020204030204" pitchFamily="49" charset="0"/>
+              </a:rPr>
+              <a:t>"</a:t>
+            </a:r>
+            <a:r>
+              <a:rPr lang="en-US" altLang="ko-KR" sz="1400" dirty="0" err="1">
+                <a:solidFill>
+                  <a:srgbClr val="2A00FF"/>
+                </a:solidFill>
+                <a:latin typeface="Consolas" panose="020B0609020204030204" pitchFamily="49" charset="0"/>
+              </a:rPr>
+              <a:t>plist</a:t>
+            </a:r>
+            <a:r>
+              <a:rPr lang="en-US" altLang="ko-KR" sz="1400" dirty="0">
+                <a:solidFill>
+                  <a:srgbClr val="2A00FF"/>
+                </a:solidFill>
+                <a:latin typeface="Consolas" panose="020B0609020204030204" pitchFamily="49" charset="0"/>
+              </a:rPr>
+              <a:t>"</a:t>
+            </a:r>
+            <a:r>
+              <a:rPr lang="en-US" altLang="ko-KR" sz="1400" dirty="0">
+                <a:solidFill>
+                  <a:srgbClr val="000000"/>
+                </a:solidFill>
+                <a:latin typeface="Consolas" panose="020B0609020204030204" pitchFamily="49" charset="0"/>
+              </a:rPr>
+              <a:t>, </a:t>
+            </a:r>
+            <a:r>
+              <a:rPr lang="en-US" altLang="ko-KR" sz="1400" dirty="0" err="1">
+                <a:solidFill>
+                  <a:srgbClr val="0000C0"/>
+                </a:solidFill>
+                <a:latin typeface="Consolas" panose="020B0609020204030204" pitchFamily="49" charset="0"/>
+              </a:rPr>
+              <a:t>service</a:t>
+            </a:r>
+            <a:r>
+              <a:rPr lang="en-US" altLang="ko-KR" sz="1400" dirty="0" err="1">
+                <a:solidFill>
+                  <a:srgbClr val="000000"/>
+                </a:solidFill>
+                <a:latin typeface="Consolas" panose="020B0609020204030204" pitchFamily="49" charset="0"/>
+              </a:rPr>
+              <a:t>.projectList</a:t>
+            </a:r>
+            <a:r>
+              <a:rPr lang="en-US" altLang="ko-KR" sz="1400" dirty="0">
+                <a:solidFill>
+                  <a:srgbClr val="000000"/>
+                </a:solidFill>
+                <a:latin typeface="Consolas" panose="020B0609020204030204" pitchFamily="49" charset="0"/>
+              </a:rPr>
+              <a:t>(</a:t>
+            </a:r>
+            <a:r>
+              <a:rPr lang="en-US" altLang="ko-KR" sz="1400" dirty="0" err="1">
+                <a:solidFill>
+                  <a:srgbClr val="6A3E3E"/>
+                </a:solidFill>
+                <a:latin typeface="Consolas" panose="020B0609020204030204" pitchFamily="49" charset="0"/>
+              </a:rPr>
+              <a:t>sch</a:t>
+            </a:r>
+            <a:r>
+              <a:rPr lang="en-US" altLang="ko-KR" sz="1400" dirty="0" smtClean="0">
+                <a:solidFill>
+                  <a:srgbClr val="000000"/>
+                </a:solidFill>
+                <a:latin typeface="Consolas" panose="020B0609020204030204" pitchFamily="49" charset="0"/>
+              </a:rPr>
+              <a:t>)); </a:t>
+            </a:r>
+            <a:r>
+              <a:rPr lang="en-US" altLang="ko-KR" sz="1400" b="1" dirty="0" smtClean="0">
+                <a:solidFill>
+                  <a:srgbClr val="7F0055"/>
+                </a:solidFill>
+                <a:latin typeface="Consolas" panose="020B0609020204030204" pitchFamily="49" charset="0"/>
+              </a:rPr>
+              <a:t>return</a:t>
+            </a:r>
+            <a:r>
+              <a:rPr lang="en-US" altLang="ko-KR" sz="1400" b="1" dirty="0" smtClean="0">
+                <a:solidFill>
+                  <a:srgbClr val="000000"/>
+                </a:solidFill>
+                <a:latin typeface="Consolas" panose="020B0609020204030204" pitchFamily="49" charset="0"/>
+              </a:rPr>
+              <a:t> </a:t>
+            </a:r>
+            <a:r>
+              <a:rPr lang="en-US" altLang="ko-KR" sz="1400" b="1" dirty="0">
+                <a:solidFill>
+                  <a:srgbClr val="2A00FF"/>
+                </a:solidFill>
+                <a:latin typeface="Consolas" panose="020B0609020204030204" pitchFamily="49" charset="0"/>
+              </a:rPr>
+              <a:t>"</a:t>
+            </a:r>
+            <a:r>
+              <a:rPr lang="en-US" altLang="ko-KR" sz="1400" b="1" dirty="0" err="1">
+                <a:solidFill>
+                  <a:srgbClr val="2A00FF"/>
+                </a:solidFill>
+                <a:latin typeface="Consolas" panose="020B0609020204030204" pitchFamily="49" charset="0"/>
+              </a:rPr>
+              <a:t>pageJsonReport</a:t>
+            </a:r>
+            <a:r>
+              <a:rPr lang="en-US" altLang="ko-KR" sz="1400" b="1" dirty="0">
+                <a:solidFill>
+                  <a:srgbClr val="2A00FF"/>
+                </a:solidFill>
+                <a:latin typeface="Consolas" panose="020B0609020204030204" pitchFamily="49" charset="0"/>
+              </a:rPr>
+              <a:t>"</a:t>
+            </a:r>
+            <a:r>
+              <a:rPr lang="en-US" altLang="ko-KR" sz="1400" b="1" dirty="0">
+                <a:solidFill>
+                  <a:srgbClr val="000000"/>
+                </a:solidFill>
+                <a:latin typeface="Consolas" panose="020B0609020204030204" pitchFamily="49" charset="0"/>
+              </a:rPr>
+              <a:t>;</a:t>
+            </a:r>
+          </a:p>
+          <a:p>
+            <a:r>
+              <a:rPr lang="en-US" altLang="ko-KR" sz="1400" dirty="0">
+                <a:solidFill>
+                  <a:srgbClr val="000000"/>
+                </a:solidFill>
+                <a:latin typeface="Consolas" panose="020B0609020204030204" pitchFamily="49" charset="0"/>
+              </a:rPr>
+              <a:t>}</a:t>
+            </a:r>
+            <a:endParaRPr lang="ko-KR" altLang="en-US" sz="1400" dirty="0"/>
+          </a:p>
+        </p:txBody>
+      </p:sp>
+    </p:spTree>
+    <p:extLst>
+      <p:ext uri="{BB962C8B-B14F-4D97-AF65-F5344CB8AC3E}">
+        <p14:creationId xmlns:p14="http://schemas.microsoft.com/office/powerpoint/2010/main" val="2553694291"/>
+      </p:ext>
+    </p:extLst>
+  </p:cSld>
+  <p:clrMapOvr>
+    <a:masterClrMapping/>
+  </p:clrMapOvr>
+  <p:timing>
+    <p:tnLst>
+      <p:par>
+        <p:cTn id="1" dur="indefinite" restart="never" nodeType="tmRoot"/>
+      </p:par>
+    </p:tnLst>
+  </p:timing>
+</p:sld>
+</file>
+
 <file path=ppt/slides/slide2.xml><?xml version="1.0" encoding="utf-8"?>
 <p:sld xmlns:a="http://schemas.openxmlformats.org/drawingml/2006/main" xmlns:r="http://schemas.openxmlformats.org/officeDocument/2006/relationships" xmlns:p="http://schemas.openxmlformats.org/presentationml/2006/main">
   <p:cSld>
@@ -15133,14 +22840,7 @@
                           <a:latin typeface="+mj-ea"/>
                           <a:ea typeface="+mj-ea"/>
                         </a:rPr>
-                        <a:t>카테고리 </a:t>
-                      </a:r>
-                      <a:r>
-                        <a:rPr lang="ko-KR" altLang="en-US" sz="1200" b="0" dirty="0" smtClean="0">
-                          <a:latin typeface="+mj-ea"/>
-                          <a:ea typeface="+mj-ea"/>
-                        </a:rPr>
-                        <a:t>분류에 따른 이동</a:t>
+                        <a:t>카테고리 분류에 따른 이동</a:t>
                       </a:r>
                       <a:endParaRPr lang="ko-KR" altLang="en-US" sz="1200" b="0" dirty="0">
                         <a:latin typeface="+mj-ea"/>
@@ -20027,19 +27727,7 @@
                           <a:cs typeface="+mn-cs"/>
                           <a:sym typeface="Arial"/>
                         </a:rPr>
-                        <a:t>옵</a:t>
-                      </a:r>
-                      <a:r>
-                        <a:rPr lang="ko-KR" altLang="en-US" sz="1200" b="1" i="0" u="none" strike="noStrike" cap="none" dirty="0" smtClean="0">
-                          <a:solidFill>
-                            <a:schemeClr val="tx1"/>
-                          </a:solidFill>
-                          <a:latin typeface="+mj-ea"/>
-                          <a:ea typeface="+mn-ea"/>
-                          <a:cs typeface="+mn-cs"/>
-                          <a:sym typeface="Arial"/>
-                        </a:rPr>
-                        <a:t>션</a:t>
+                        <a:t>옵션</a:t>
                       </a:r>
                       <a:endParaRPr lang="en-US" altLang="ko-KR" sz="1200" b="1" i="0" u="none" strike="noStrike" cap="none" dirty="0" smtClean="0">
                         <a:solidFill>
@@ -23950,14 +31638,7 @@
                           <a:latin typeface="+mj-ea"/>
                           <a:ea typeface="+mj-ea"/>
                         </a:rPr>
-                        <a:t>펀딩정</a:t>
-                      </a:r>
-                      <a:r>
-                        <a:rPr lang="ko-KR" altLang="en-US" sz="1200" b="1" dirty="0" err="1" smtClean="0">
-                          <a:latin typeface="+mj-ea"/>
-                          <a:ea typeface="+mj-ea"/>
-                        </a:rPr>
-                        <a:t>보</a:t>
+                        <a:t>펀딩정보</a:t>
                       </a:r>
                       <a:endParaRPr lang="en-US" altLang="ko-KR" sz="1200" b="1" dirty="0" smtClean="0">
                         <a:latin typeface="+mj-ea"/>
@@ -28994,14 +36675,7 @@
                           <a:latin typeface="+mj-ea"/>
                           <a:ea typeface="+mj-ea"/>
                         </a:rPr>
-                        <a:t>카테고리 </a:t>
-                      </a:r>
-                      <a:r>
-                        <a:rPr lang="ko-KR" altLang="en-US" sz="1200" b="0" dirty="0" smtClean="0">
-                          <a:latin typeface="+mj-ea"/>
-                          <a:ea typeface="+mj-ea"/>
-                        </a:rPr>
-                        <a:t>분류에 따른 이동</a:t>
+                        <a:t>카테고리 분류에 따른 이동</a:t>
                       </a:r>
                       <a:endParaRPr lang="ko-KR" altLang="en-US" sz="1200" b="0" dirty="0">
                         <a:latin typeface="+mj-ea"/>
@@ -31235,7 +38909,7 @@
                 <a:gridCol w="2688299">
                   <a:extLst>
                     <a:ext uri="{9D8B030D-6E8A-4147-A177-3AD203B41FA5}">
-                      <a16:colId xmlns:a16="http://schemas.microsoft.com/office/drawing/2014/main" xmlns="" val="20000"/>
+                      <a16:colId xmlns="" xmlns:a16="http://schemas.microsoft.com/office/drawing/2014/main" val="20000"/>
                     </a:ext>
                   </a:extLst>
                 </a:gridCol>
@@ -31267,7 +38941,7 @@
                 </a:tc>
                 <a:extLst>
                   <a:ext uri="{0D108BD9-81ED-4DB2-BD59-A6C34878D82A}">
-                    <a16:rowId xmlns:a16="http://schemas.microsoft.com/office/drawing/2014/main" xmlns="" val="10000"/>
+                    <a16:rowId xmlns="" xmlns:a16="http://schemas.microsoft.com/office/drawing/2014/main" val="10000"/>
                   </a:ext>
                 </a:extLst>
               </a:tr>
@@ -31295,7 +38969,7 @@
                 </a:tc>
                 <a:extLst>
                   <a:ext uri="{0D108BD9-81ED-4DB2-BD59-A6C34878D82A}">
-                    <a16:rowId xmlns:a16="http://schemas.microsoft.com/office/drawing/2014/main" xmlns="" val="10001"/>
+                    <a16:rowId xmlns="" xmlns:a16="http://schemas.microsoft.com/office/drawing/2014/main" val="10001"/>
                   </a:ext>
                 </a:extLst>
               </a:tr>
@@ -32383,6 +40057,287 @@
 </file>
 
 <file path=ppt/theme/theme3.xml><?xml version="1.0" encoding="utf-8"?>
+<a:theme xmlns:a="http://schemas.openxmlformats.org/drawingml/2006/main" name="2_Perdita template">
+  <a:themeElements>
+    <a:clrScheme name="Custom 347">
+      <a:dk1>
+        <a:srgbClr val="000000"/>
+      </a:dk1>
+      <a:lt1>
+        <a:srgbClr val="FFFFFF"/>
+      </a:lt1>
+      <a:dk2>
+        <a:srgbClr val="666666"/>
+      </a:dk2>
+      <a:lt2>
+        <a:srgbClr val="CCCCCC"/>
+      </a:lt2>
+      <a:accent1>
+        <a:srgbClr val="3A81BA"/>
+      </a:accent1>
+      <a:accent2>
+        <a:srgbClr val="D89F39"/>
+      </a:accent2>
+      <a:accent3>
+        <a:srgbClr val="8BAB42"/>
+      </a:accent3>
+      <a:accent4>
+        <a:srgbClr val="57A7B5"/>
+      </a:accent4>
+      <a:accent5>
+        <a:srgbClr val="8B81D2"/>
+      </a:accent5>
+      <a:accent6>
+        <a:srgbClr val="963334"/>
+      </a:accent6>
+      <a:hlink>
+        <a:srgbClr val="1155CC"/>
+      </a:hlink>
+      <a:folHlink>
+        <a:srgbClr val="6611CC"/>
+      </a:folHlink>
+    </a:clrScheme>
+    <a:fontScheme name="Office">
+      <a:majorFont>
+        <a:latin typeface="Arial"/>
+        <a:ea typeface=""/>
+        <a:cs typeface=""/>
+        <a:font script="Jpan" typeface="ＭＳ Ｐゴシック"/>
+        <a:font script="Hang" typeface="맑은 고딕"/>
+        <a:font script="Hans" typeface="宋体"/>
+        <a:font script="Hant" typeface="新細明體"/>
+        <a:font script="Arab" typeface="Times New Roman"/>
+        <a:font script="Hebr" typeface="Times New Roman"/>
+        <a:font script="Thai" typeface="Angsana New"/>
+        <a:font script="Ethi" typeface="Nyala"/>
+        <a:font script="Beng" typeface="Vrinda"/>
+        <a:font script="Gujr" typeface="Shruti"/>
+        <a:font script="Khmr" typeface="MoolBoran"/>
+        <a:font script="Knda" typeface="Tunga"/>
+        <a:font script="Guru" typeface="Raavi"/>
+        <a:font script="Cans" typeface="Euphemia"/>
+        <a:font script="Cher" typeface="Plantagenet Cherokee"/>
+        <a:font script="Yiii" typeface="Microsoft Yi Baiti"/>
+        <a:font script="Tibt" typeface="Microsoft Himalaya"/>
+        <a:font script="Thaa" typeface="MV Boli"/>
+        <a:font script="Deva" typeface="Mangal"/>
+        <a:font script="Telu" typeface="Gautami"/>
+        <a:font script="Taml" typeface="Latha"/>
+        <a:font script="Syrc" typeface="Estrangelo Edessa"/>
+        <a:font script="Orya" typeface="Kalinga"/>
+        <a:font script="Mlym" typeface="Kartika"/>
+        <a:font script="Laoo" typeface="DokChampa"/>
+        <a:font script="Sinh" typeface="Iskoola Pota"/>
+        <a:font script="Mong" typeface="Mongolian Baiti"/>
+        <a:font script="Viet" typeface="Times New Roman"/>
+        <a:font script="Uigh" typeface="Microsoft Uighur"/>
+        <a:font script="Geor" typeface="Sylfaen"/>
+      </a:majorFont>
+      <a:minorFont>
+        <a:latin typeface="Arial"/>
+        <a:ea typeface=""/>
+        <a:cs typeface=""/>
+        <a:font script="Jpan" typeface="ＭＳ Ｐゴシック"/>
+        <a:font script="Hang" typeface="맑은 고딕"/>
+        <a:font script="Hans" typeface="宋体"/>
+        <a:font script="Hant" typeface="新細明體"/>
+        <a:font script="Arab" typeface="Arial"/>
+        <a:font script="Hebr" typeface="Arial"/>
+        <a:font script="Thai" typeface="Cordia New"/>
+        <a:font script="Ethi" typeface="Nyala"/>
+        <a:font script="Beng" typeface="Vrinda"/>
+        <a:font script="Gujr" typeface="Shruti"/>
+        <a:font script="Khmr" typeface="DaunPenh"/>
+        <a:font script="Knda" typeface="Tunga"/>
+        <a:font script="Guru" typeface="Raavi"/>
+        <a:font script="Cans" typeface="Euphemia"/>
+        <a:font script="Cher" typeface="Plantagenet Cherokee"/>
+        <a:font script="Yiii" typeface="Microsoft Yi Baiti"/>
+        <a:font script="Tibt" typeface="Microsoft Himalaya"/>
+        <a:font script="Thaa" typeface="MV Boli"/>
+        <a:font script="Deva" typeface="Mangal"/>
+        <a:font script="Telu" typeface="Gautami"/>
+        <a:font script="Taml" typeface="Latha"/>
+        <a:font script="Syrc" typeface="Estrangelo Edessa"/>
+        <a:font script="Orya" typeface="Kalinga"/>
+        <a:font script="Mlym" typeface="Kartika"/>
+        <a:font script="Laoo" typeface="DokChampa"/>
+        <a:font script="Sinh" typeface="Iskoola Pota"/>
+        <a:font script="Mong" typeface="Mongolian Baiti"/>
+        <a:font script="Viet" typeface="Arial"/>
+        <a:font script="Uigh" typeface="Microsoft Uighur"/>
+        <a:font script="Geor" typeface="Sylfaen"/>
+      </a:minorFont>
+    </a:fontScheme>
+    <a:fmtScheme name="Office">
+      <a:fillStyleLst>
+        <a:solidFill>
+          <a:schemeClr val="phClr"/>
+        </a:solidFill>
+        <a:gradFill rotWithShape="1">
+          <a:gsLst>
+            <a:gs pos="0">
+              <a:schemeClr val="phClr">
+                <a:tint val="50000"/>
+                <a:satMod val="300000"/>
+              </a:schemeClr>
+            </a:gs>
+            <a:gs pos="35000">
+              <a:schemeClr val="phClr">
+                <a:tint val="37000"/>
+                <a:satMod val="300000"/>
+              </a:schemeClr>
+            </a:gs>
+            <a:gs pos="100000">
+              <a:schemeClr val="phClr">
+                <a:tint val="15000"/>
+                <a:satMod val="350000"/>
+              </a:schemeClr>
+            </a:gs>
+          </a:gsLst>
+          <a:lin ang="16200000" scaled="1"/>
+        </a:gradFill>
+        <a:gradFill rotWithShape="1">
+          <a:gsLst>
+            <a:gs pos="0">
+              <a:schemeClr val="phClr">
+                <a:tint val="100000"/>
+                <a:shade val="100000"/>
+                <a:satMod val="130000"/>
+              </a:schemeClr>
+            </a:gs>
+            <a:gs pos="100000">
+              <a:schemeClr val="phClr">
+                <a:tint val="50000"/>
+                <a:shade val="100000"/>
+                <a:satMod val="350000"/>
+              </a:schemeClr>
+            </a:gs>
+          </a:gsLst>
+          <a:lin ang="16200000" scaled="0"/>
+        </a:gradFill>
+      </a:fillStyleLst>
+      <a:lnStyleLst>
+        <a:ln w="9525" cap="flat" cmpd="sng" algn="ctr">
+          <a:solidFill>
+            <a:schemeClr val="phClr">
+              <a:shade val="95000"/>
+              <a:satMod val="105000"/>
+            </a:schemeClr>
+          </a:solidFill>
+          <a:prstDash val="solid"/>
+        </a:ln>
+        <a:ln w="25400" cap="flat" cmpd="sng" algn="ctr">
+          <a:solidFill>
+            <a:schemeClr val="phClr"/>
+          </a:solidFill>
+          <a:prstDash val="solid"/>
+        </a:ln>
+        <a:ln w="38100" cap="flat" cmpd="sng" algn="ctr">
+          <a:solidFill>
+            <a:schemeClr val="phClr"/>
+          </a:solidFill>
+          <a:prstDash val="solid"/>
+        </a:ln>
+      </a:lnStyleLst>
+      <a:effectStyleLst>
+        <a:effectStyle>
+          <a:effectLst>
+            <a:outerShdw blurRad="40000" dist="20000" dir="5400000" rotWithShape="0">
+              <a:srgbClr val="000000">
+                <a:alpha val="38000"/>
+              </a:srgbClr>
+            </a:outerShdw>
+          </a:effectLst>
+        </a:effectStyle>
+        <a:effectStyle>
+          <a:effectLst>
+            <a:outerShdw blurRad="40000" dist="23000" dir="5400000" rotWithShape="0">
+              <a:srgbClr val="000000">
+                <a:alpha val="35000"/>
+              </a:srgbClr>
+            </a:outerShdw>
+          </a:effectLst>
+        </a:effectStyle>
+        <a:effectStyle>
+          <a:effectLst>
+            <a:outerShdw blurRad="40000" dist="23000" dir="5400000" rotWithShape="0">
+              <a:srgbClr val="000000">
+                <a:alpha val="35000"/>
+              </a:srgbClr>
+            </a:outerShdw>
+          </a:effectLst>
+          <a:scene3d>
+            <a:camera prst="orthographicFront">
+              <a:rot lat="0" lon="0" rev="0"/>
+            </a:camera>
+            <a:lightRig rig="threePt" dir="t">
+              <a:rot lat="0" lon="0" rev="1200000"/>
+            </a:lightRig>
+          </a:scene3d>
+          <a:sp3d>
+            <a:bevelT w="63500" h="25400"/>
+          </a:sp3d>
+        </a:effectStyle>
+      </a:effectStyleLst>
+      <a:bgFillStyleLst>
+        <a:solidFill>
+          <a:schemeClr val="phClr"/>
+        </a:solidFill>
+        <a:gradFill rotWithShape="1">
+          <a:gsLst>
+            <a:gs pos="0">
+              <a:schemeClr val="phClr">
+                <a:tint val="40000"/>
+                <a:satMod val="350000"/>
+              </a:schemeClr>
+            </a:gs>
+            <a:gs pos="40000">
+              <a:schemeClr val="phClr">
+                <a:tint val="45000"/>
+                <a:shade val="99000"/>
+                <a:satMod val="350000"/>
+              </a:schemeClr>
+            </a:gs>
+            <a:gs pos="100000">
+              <a:schemeClr val="phClr">
+                <a:shade val="20000"/>
+                <a:satMod val="255000"/>
+              </a:schemeClr>
+            </a:gs>
+          </a:gsLst>
+          <a:path path="circle">
+            <a:fillToRect l="50000" t="-80000" r="50000" b="180000"/>
+          </a:path>
+        </a:gradFill>
+        <a:gradFill rotWithShape="1">
+          <a:gsLst>
+            <a:gs pos="0">
+              <a:schemeClr val="phClr">
+                <a:tint val="80000"/>
+                <a:satMod val="300000"/>
+              </a:schemeClr>
+            </a:gs>
+            <a:gs pos="100000">
+              <a:schemeClr val="phClr">
+                <a:shade val="30000"/>
+                <a:satMod val="200000"/>
+              </a:schemeClr>
+            </a:gs>
+          </a:gsLst>
+          <a:path path="circle">
+            <a:fillToRect l="50000" t="50000" r="50000" b="50000"/>
+          </a:path>
+        </a:gradFill>
+      </a:bgFillStyleLst>
+    </a:fmtScheme>
+  </a:themeElements>
+  <a:objectDefaults/>
+  <a:extraClrSchemeLst/>
+</a:theme>
+</file>
+
+<file path=ppt/theme/theme4.xml><?xml version="1.0" encoding="utf-8"?>
 <a:theme xmlns:a="http://schemas.openxmlformats.org/drawingml/2006/main" name="Office 테마">
   <a:themeElements>
     <a:clrScheme name="Office">
